--- a/zeptoppt.pptx
+++ b/zeptoppt.pptx
@@ -1,37 +1,38 @@
 
 <file path=ppt/presentation.xml><?xml version="1.0" encoding="utf-8"?>
-<p:presentation xmlns:a="http://schemas.openxmlformats.org/drawingml/2006/main" xmlns:r="http://schemas.openxmlformats.org/officeDocument/2006/relationships" xmlns:p="http://schemas.openxmlformats.org/presentationml/2006/main">
+<p:presentation xmlns:a="http://schemas.openxmlformats.org/drawingml/2006/main" xmlns:r="http://schemas.openxmlformats.org/officeDocument/2006/relationships" xmlns:p="http://schemas.openxmlformats.org/presentationml/2006/main" saveSubsetFonts="1">
   <p:sldMasterIdLst>
-    <p:sldMasterId id="2147483648" r:id="rId5"/>
+    <p:sldMasterId id="2147483648" r:id="rId1"/>
   </p:sldMasterIdLst>
   <p:notesMasterIdLst>
-    <p:notesMasterId r:id="rId7"/>
+    <p:notesMasterId r:id="rId27"/>
   </p:notesMasterIdLst>
   <p:sldIdLst>
-    <p:sldId id="256" r:id="rId8"/>
-    <p:sldId id="257" r:id="rId9"/>
-    <p:sldId id="258" r:id="rId10"/>
-    <p:sldId id="259" r:id="rId11"/>
-    <p:sldId id="260" r:id="rId12"/>
-    <p:sldId id="261" r:id="rId13"/>
-    <p:sldId id="262" r:id="rId14"/>
-    <p:sldId id="263" r:id="rId15"/>
-    <p:sldId id="264" r:id="rId16"/>
-    <p:sldId id="265" r:id="rId17"/>
-    <p:sldId id="266" r:id="rId18"/>
-    <p:sldId id="267" r:id="rId19"/>
-    <p:sldId id="268" r:id="rId20"/>
-    <p:sldId id="269" r:id="rId21"/>
-    <p:sldId id="270" r:id="rId22"/>
-    <p:sldId id="271" r:id="rId23"/>
-    <p:sldId id="272" r:id="rId24"/>
-    <p:sldId id="273" r:id="rId25"/>
-    <p:sldId id="274" r:id="rId26"/>
-    <p:sldId id="275" r:id="rId27"/>
-    <p:sldId id="276" r:id="rId28"/>
-    <p:sldId id="277" r:id="rId29"/>
-    <p:sldId id="278" r:id="rId30"/>
-    <p:sldId id="279" r:id="rId31"/>
+    <p:sldId id="256" r:id="rId2"/>
+    <p:sldId id="257" r:id="rId3"/>
+    <p:sldId id="258" r:id="rId4"/>
+    <p:sldId id="259" r:id="rId5"/>
+    <p:sldId id="260" r:id="rId6"/>
+    <p:sldId id="261" r:id="rId7"/>
+    <p:sldId id="262" r:id="rId8"/>
+    <p:sldId id="263" r:id="rId9"/>
+    <p:sldId id="264" r:id="rId10"/>
+    <p:sldId id="265" r:id="rId11"/>
+    <p:sldId id="266" r:id="rId12"/>
+    <p:sldId id="267" r:id="rId13"/>
+    <p:sldId id="268" r:id="rId14"/>
+    <p:sldId id="269" r:id="rId15"/>
+    <p:sldId id="270" r:id="rId16"/>
+    <p:sldId id="271" r:id="rId17"/>
+    <p:sldId id="272" r:id="rId18"/>
+    <p:sldId id="273" r:id="rId19"/>
+    <p:sldId id="274" r:id="rId20"/>
+    <p:sldId id="275" r:id="rId21"/>
+    <p:sldId id="276" r:id="rId22"/>
+    <p:sldId id="277" r:id="rId23"/>
+    <p:sldId id="278" r:id="rId24"/>
+    <p:sldId id="280" r:id="rId25"/>
+    <p:sldId id="279" r:id="rId26"/>
   </p:sldIdLst>
   <p:sldSz cx="12192000" cy="6858000"/>
   <p:notesSz cx="6858000" cy="9144000"/>
@@ -51,7 +52,7 @@
       <a:buFontTx/>
       <a:buNone/>
       <a:tabLst/>
-      <a:defRPr b="0" baseline="0" cap="none" i="0" spc="0" strike="noStrike" sz="1800" u="none" kumimoji="0" normalizeH="0">
+      <a:defRPr kumimoji="0" sz="1800" b="0" i="0" u="none" strike="noStrike" cap="none" spc="0" normalizeH="0" baseline="0">
         <a:ln>
           <a:noFill/>
         </a:ln>
@@ -77,7 +78,7 @@
       <a:buFontTx/>
       <a:buNone/>
       <a:tabLst/>
-      <a:defRPr b="0" baseline="0" cap="none" i="0" spc="0" strike="noStrike" sz="1800" u="none" kumimoji="0" normalizeH="0">
+      <a:defRPr kumimoji="0" sz="1800" b="0" i="0" u="none" strike="noStrike" cap="none" spc="0" normalizeH="0" baseline="0">
         <a:ln>
           <a:noFill/>
         </a:ln>
@@ -107,7 +108,7 @@
       <a:buFontTx/>
       <a:buNone/>
       <a:tabLst/>
-      <a:defRPr b="0" baseline="0" cap="none" i="0" spc="0" strike="noStrike" sz="1800" u="none" kumimoji="0" normalizeH="0">
+      <a:defRPr kumimoji="0" sz="1800" b="0" i="0" u="none" strike="noStrike" cap="none" spc="0" normalizeH="0" baseline="0">
         <a:ln>
           <a:noFill/>
         </a:ln>
@@ -137,7 +138,7 @@
       <a:buFontTx/>
       <a:buNone/>
       <a:tabLst/>
-      <a:defRPr b="0" baseline="0" cap="none" i="0" spc="0" strike="noStrike" sz="1800" u="none" kumimoji="0" normalizeH="0">
+      <a:defRPr kumimoji="0" sz="1800" b="0" i="0" u="none" strike="noStrike" cap="none" spc="0" normalizeH="0" baseline="0">
         <a:ln>
           <a:noFill/>
         </a:ln>
@@ -167,7 +168,7 @@
       <a:buFontTx/>
       <a:buNone/>
       <a:tabLst/>
-      <a:defRPr b="0" baseline="0" cap="none" i="0" spc="0" strike="noStrike" sz="1800" u="none" kumimoji="0" normalizeH="0">
+      <a:defRPr kumimoji="0" sz="1800" b="0" i="0" u="none" strike="noStrike" cap="none" spc="0" normalizeH="0" baseline="0">
         <a:ln>
           <a:noFill/>
         </a:ln>
@@ -197,7 +198,7 @@
       <a:buFontTx/>
       <a:buNone/>
       <a:tabLst/>
-      <a:defRPr b="0" baseline="0" cap="none" i="0" spc="0" strike="noStrike" sz="1800" u="none" kumimoji="0" normalizeH="0">
+      <a:defRPr kumimoji="0" sz="1800" b="0" i="0" u="none" strike="noStrike" cap="none" spc="0" normalizeH="0" baseline="0">
         <a:ln>
           <a:noFill/>
         </a:ln>
@@ -227,7 +228,7 @@
       <a:buFontTx/>
       <a:buNone/>
       <a:tabLst/>
-      <a:defRPr b="0" baseline="0" cap="none" i="0" spc="0" strike="noStrike" sz="1800" u="none" kumimoji="0" normalizeH="0">
+      <a:defRPr kumimoji="0" sz="1800" b="0" i="0" u="none" strike="noStrike" cap="none" spc="0" normalizeH="0" baseline="0">
         <a:ln>
           <a:noFill/>
         </a:ln>
@@ -257,7 +258,7 @@
       <a:buFontTx/>
       <a:buNone/>
       <a:tabLst/>
-      <a:defRPr b="0" baseline="0" cap="none" i="0" spc="0" strike="noStrike" sz="1800" u="none" kumimoji="0" normalizeH="0">
+      <a:defRPr kumimoji="0" sz="1800" b="0" i="0" u="none" strike="noStrike" cap="none" spc="0" normalizeH="0" baseline="0">
         <a:ln>
           <a:noFill/>
         </a:ln>
@@ -287,7 +288,7 @@
       <a:buFontTx/>
       <a:buNone/>
       <a:tabLst/>
-      <a:defRPr b="0" baseline="0" cap="none" i="0" spc="0" strike="noStrike" sz="1800" u="none" kumimoji="0" normalizeH="0">
+      <a:defRPr kumimoji="0" sz="1800" b="0" i="0" u="none" strike="noStrike" cap="none" spc="0" normalizeH="0" baseline="0">
         <a:ln>
           <a:noFill/>
         </a:ln>
@@ -317,7 +318,7 @@
       <a:buFontTx/>
       <a:buNone/>
       <a:tabLst/>
-      <a:defRPr b="0" baseline="0" cap="none" i="0" spc="0" strike="noStrike" sz="1800" u="none" kumimoji="0" normalizeH="0">
+      <a:defRPr kumimoji="0" sz="1800" b="0" i="0" u="none" strike="noStrike" cap="none" spc="0" normalizeH="0" baseline="0">
         <a:ln>
           <a:noFill/>
         </a:ln>
@@ -336,13 +337,14 @@
 </p:presentation>
 </file>
 
-<file path=ppt/commentAuthors.xml><?xml version="1.0" encoding="utf-8"?>
-<p:cmAuthorLst xmlns:a="http://schemas.openxmlformats.org/drawingml/2006/main" xmlns:r="http://schemas.openxmlformats.org/officeDocument/2006/relationships" xmlns:p="http://schemas.openxmlformats.org/presentationml/2006/main"/>
-</file>
-
 <file path=ppt/notesMasters/notesMaster1.xml><?xml version="1.0" encoding="utf-8"?>
 <p:notesMaster xmlns:a="http://schemas.openxmlformats.org/drawingml/2006/main" xmlns:r="http://schemas.openxmlformats.org/officeDocument/2006/relationships" xmlns:p="http://schemas.openxmlformats.org/presentationml/2006/main">
   <p:cSld>
+    <p:bg>
+      <p:bgRef idx="1001">
+        <a:schemeClr val="bg1"/>
+      </p:bgRef>
+    </p:bg>
     <p:spTree>
       <p:nvGrpSpPr>
         <p:cNvPr id="1" name=""/>
@@ -360,7 +362,9 @@
       <p:sp>
         <p:nvSpPr>
           <p:cNvPr id="183" name="Shape 183"/>
-          <p:cNvSpPr/>
+          <p:cNvSpPr>
+            <a:spLocks noGrp="1" noRot="1" noChangeAspect="1"/>
+          </p:cNvSpPr>
           <p:nvPr>
             <p:ph type="sldImg"/>
           </p:nvPr>
@@ -378,14 +382,16 @@
           <a:bodyPr/>
           <a:lstStyle/>
           <a:p>
-            <a:pPr/>
+            <a:endParaRPr/>
           </a:p>
         </p:txBody>
       </p:sp>
       <p:sp>
         <p:nvSpPr>
           <p:cNvPr id="184" name="Shape 184"/>
-          <p:cNvSpPr/>
+          <p:cNvSpPr>
+            <a:spLocks noGrp="1"/>
+          </p:cNvSpPr>
           <p:nvPr>
             <p:ph type="body" sz="quarter" idx="1"/>
           </p:nvPr>
@@ -403,7 +409,7 @@
           <a:bodyPr/>
           <a:lstStyle/>
           <a:p>
-            <a:pPr/>
+            <a:endParaRPr/>
           </a:p>
         </p:txBody>
       </p:sp>
@@ -488,7 +494,7 @@
 </file>
 
 <file path=ppt/slideLayouts/slideLayout1.xml><?xml version="1.0" encoding="utf-8"?>
-<p:sldLayout xmlns:a="http://schemas.openxmlformats.org/drawingml/2006/main" xmlns:r="http://schemas.openxmlformats.org/officeDocument/2006/relationships" xmlns:p="http://schemas.openxmlformats.org/presentationml/2006/main" type="title" showMasterSp="0" showMasterPhAnim="1">
+<p:sldLayout xmlns:a="http://schemas.openxmlformats.org/drawingml/2006/main" xmlns:r="http://schemas.openxmlformats.org/officeDocument/2006/relationships" xmlns:p="http://schemas.openxmlformats.org/presentationml/2006/main" showMasterSp="0" type="title">
   <p:cSld name="标题幻灯片">
     <p:spTree>
       <p:nvGrpSpPr>
@@ -548,7 +554,7 @@
             </a:bodyPr>
             <a:lstStyle/>
             <a:p>
-              <a:pPr/>
+              <a:endParaRPr/>
             </a:p>
           </p:txBody>
         </p:sp>
@@ -582,7 +588,7 @@
             </a:bodyPr>
             <a:lstStyle/>
             <a:p>
-              <a:pPr/>
+              <a:endParaRPr/>
             </a:p>
           </p:txBody>
         </p:sp>
@@ -617,7 +623,7 @@
               </a:cxnLst>
               <a:rect l="0" t="0" r="r" b="b"/>
               <a:pathLst>
-                <a:path w="21600" h="21600" fill="norm" stroke="1" extrusionOk="0">
+                <a:path w="21600" h="21600" extrusionOk="0">
                   <a:moveTo>
                     <a:pt x="14692" y="0"/>
                   </a:moveTo>
@@ -662,6 +668,7 @@
                   <a:sym typeface="Trebuchet MS"/>
                 </a:defRPr>
               </a:pPr>
+              <a:endParaRPr/>
             </a:p>
           </p:txBody>
         </p:sp>
@@ -696,7 +703,7 @@
               </a:cxnLst>
               <a:rect l="0" t="0" r="r" b="b"/>
               <a:pathLst>
-                <a:path w="21600" h="21600" fill="norm" stroke="1" extrusionOk="0">
+                <a:path w="21600" h="21600" extrusionOk="0">
                   <a:moveTo>
                     <a:pt x="0" y="0"/>
                   </a:moveTo>
@@ -741,6 +748,7 @@
                   <a:sym typeface="Trebuchet MS"/>
                 </a:defRPr>
               </a:pPr>
+              <a:endParaRPr/>
             </a:p>
           </p:txBody>
         </p:sp>
@@ -775,7 +783,7 @@
               </a:cxnLst>
               <a:rect l="0" t="0" r="r" b="b"/>
               <a:pathLst>
-                <a:path w="21600" h="21600" fill="norm" stroke="1" extrusionOk="0">
+                <a:path w="21600" h="21600" extrusionOk="0">
                   <a:moveTo>
                     <a:pt x="0" y="21600"/>
                   </a:moveTo>
@@ -814,6 +822,7 @@
                   <a:sym typeface="Trebuchet MS"/>
                 </a:defRPr>
               </a:pPr>
+              <a:endParaRPr/>
             </a:p>
           </p:txBody>
         </p:sp>
@@ -848,7 +857,7 @@
               </a:cxnLst>
               <a:rect l="0" t="0" r="r" b="b"/>
               <a:pathLst>
-                <a:path w="21600" h="21600" fill="norm" stroke="1" extrusionOk="0">
+                <a:path w="21600" h="21600" extrusionOk="0">
                   <a:moveTo>
                     <a:pt x="0" y="0"/>
                   </a:moveTo>
@@ -893,6 +902,7 @@
                   <a:sym typeface="Trebuchet MS"/>
                 </a:defRPr>
               </a:pPr>
+              <a:endParaRPr/>
             </a:p>
           </p:txBody>
         </p:sp>
@@ -927,7 +937,7 @@
               </a:cxnLst>
               <a:rect l="0" t="0" r="r" b="b"/>
               <a:pathLst>
-                <a:path w="21600" h="21600" fill="norm" stroke="1" extrusionOk="0">
+                <a:path w="21600" h="21600" extrusionOk="0">
                   <a:moveTo>
                     <a:pt x="17073" y="0"/>
                   </a:moveTo>
@@ -972,6 +982,7 @@
                   <a:sym typeface="Trebuchet MS"/>
                 </a:defRPr>
               </a:pPr>
+              <a:endParaRPr/>
             </a:p>
           </p:txBody>
         </p:sp>
@@ -1006,7 +1017,7 @@
               </a:cxnLst>
               <a:rect l="0" t="0" r="r" b="b"/>
               <a:pathLst>
-                <a:path w="21600" h="21600" fill="norm" stroke="1" extrusionOk="0">
+                <a:path w="21600" h="21600" extrusionOk="0">
                   <a:moveTo>
                     <a:pt x="0" y="0"/>
                   </a:moveTo>
@@ -1051,6 +1062,7 @@
                   <a:sym typeface="Trebuchet MS"/>
                 </a:defRPr>
               </a:pPr>
+              <a:endParaRPr/>
             </a:p>
           </p:txBody>
         </p:sp>
@@ -1085,7 +1097,7 @@
               </a:cxnLst>
               <a:rect l="0" t="0" r="r" b="b"/>
               <a:pathLst>
-                <a:path w="21600" h="21600" fill="norm" stroke="1" extrusionOk="0">
+                <a:path w="21600" h="21600" extrusionOk="0">
                   <a:moveTo>
                     <a:pt x="0" y="21600"/>
                   </a:moveTo>
@@ -1124,6 +1136,7 @@
                   <a:sym typeface="Trebuchet MS"/>
                 </a:defRPr>
               </a:pPr>
+              <a:endParaRPr/>
             </a:p>
           </p:txBody>
         </p:sp>
@@ -1158,7 +1171,7 @@
               </a:cxnLst>
               <a:rect l="0" t="0" r="r" b="b"/>
               <a:pathLst>
-                <a:path w="21600" h="21600" fill="norm" stroke="1" extrusionOk="0">
+                <a:path w="21600" h="21600" extrusionOk="0">
                   <a:moveTo>
                     <a:pt x="0" y="21600"/>
                   </a:moveTo>
@@ -1197,6 +1210,7 @@
                   <a:sym typeface="Trebuchet MS"/>
                 </a:defRPr>
               </a:pPr>
+              <a:endParaRPr/>
             </a:p>
           </p:txBody>
         </p:sp>
@@ -1204,7 +1218,9 @@
       <p:sp>
         <p:nvSpPr>
           <p:cNvPr id="33" name="标题文本"/>
-          <p:cNvSpPr txBox="1"/>
+          <p:cNvSpPr txBox="1">
+            <a:spLocks noGrp="1"/>
+          </p:cNvSpPr>
           <p:nvPr>
             <p:ph type="title"/>
           </p:nvPr>
@@ -1226,7 +1242,6 @@
             </a:lvl1pPr>
           </a:lstStyle>
           <a:p>
-            <a:pPr/>
             <a:r>
               <a:t>标题文本</a:t>
             </a:r>
@@ -1236,7 +1251,9 @@
       <p:sp>
         <p:nvSpPr>
           <p:cNvPr id="34" name="正文级别 1…"/>
-          <p:cNvSpPr txBox="1"/>
+          <p:cNvSpPr txBox="1">
+            <a:spLocks noGrp="1"/>
+          </p:cNvSpPr>
           <p:nvPr>
             <p:ph type="body" sz="quarter" idx="1"/>
           </p:nvPr>
@@ -1310,7 +1327,6 @@
             </a:lvl5pPr>
           </a:lstStyle>
           <a:p>
-            <a:pPr/>
             <a:r>
               <a:t>正文级别 1</a:t>
             </a:r>
@@ -1344,7 +1360,9 @@
       <p:sp>
         <p:nvSpPr>
           <p:cNvPr id="35" name="幻灯片编号"/>
-          <p:cNvSpPr txBox="1"/>
+          <p:cNvSpPr txBox="1">
+            <a:spLocks noGrp="1"/>
+          </p:cNvSpPr>
           <p:nvPr>
             <p:ph type="sldNum" sz="quarter" idx="2"/>
           </p:nvPr>
@@ -1358,8 +1376,10 @@
           <a:bodyPr/>
           <a:lstStyle/>
           <a:p>
-            <a:pPr/>
-            <a:fld id="{86CB4B4D-7CA3-9044-876B-883B54F8677D}" type="slidenum"/>
+            <a:fld id="{86CB4B4D-7CA3-9044-876B-883B54F8677D}" type="slidenum">
+              <a:t>‹#›</a:t>
+            </a:fld>
+            <a:endParaRPr/>
           </a:p>
         </p:txBody>
       </p:sp>
@@ -1368,12 +1388,12 @@
   <p:clrMapOvr>
     <a:masterClrMapping/>
   </p:clrMapOvr>
-  <p:transition xmlns:p14="http://schemas.microsoft.com/office/powerpoint/2010/main" spd="med" advClick="1"/>
+  <p:transition spd="med"/>
 </p:sldLayout>
 </file>
 
 <file path=ppt/slideLayouts/slideLayout10.xml><?xml version="1.0" encoding="utf-8"?>
-<p:sldLayout xmlns:a="http://schemas.openxmlformats.org/drawingml/2006/main" xmlns:r="http://schemas.openxmlformats.org/officeDocument/2006/relationships" xmlns:p="http://schemas.openxmlformats.org/presentationml/2006/main" type="tx" showMasterSp="1" showMasterPhAnim="1">
+<p:sldLayout xmlns:a="http://schemas.openxmlformats.org/drawingml/2006/main" xmlns:r="http://schemas.openxmlformats.org/officeDocument/2006/relationships" xmlns:p="http://schemas.openxmlformats.org/presentationml/2006/main" type="tx">
   <p:cSld name="标题和题注">
     <p:spTree>
       <p:nvGrpSpPr>
@@ -1392,7 +1412,9 @@
       <p:sp>
         <p:nvSpPr>
           <p:cNvPr id="114" name="标题文本"/>
-          <p:cNvSpPr txBox="1"/>
+          <p:cNvSpPr txBox="1">
+            <a:spLocks noGrp="1"/>
+          </p:cNvSpPr>
           <p:nvPr>
             <p:ph type="title"/>
           </p:nvPr>
@@ -1414,7 +1436,6 @@
             </a:lvl1pPr>
           </a:lstStyle>
           <a:p>
-            <a:pPr/>
             <a:r>
               <a:t>标题文本</a:t>
             </a:r>
@@ -1424,7 +1445,9 @@
       <p:sp>
         <p:nvSpPr>
           <p:cNvPr id="115" name="正文级别 1…"/>
-          <p:cNvSpPr txBox="1"/>
+          <p:cNvSpPr txBox="1">
+            <a:spLocks noGrp="1"/>
+          </p:cNvSpPr>
           <p:nvPr>
             <p:ph type="body" sz="quarter" idx="1"/>
           </p:nvPr>
@@ -1473,7 +1496,6 @@
             </a:lvl5pPr>
           </a:lstStyle>
           <a:p>
-            <a:pPr/>
             <a:r>
               <a:t>正文级别 1</a:t>
             </a:r>
@@ -1507,7 +1529,9 @@
       <p:sp>
         <p:nvSpPr>
           <p:cNvPr id="116" name="幻灯片编号"/>
-          <p:cNvSpPr txBox="1"/>
+          <p:cNvSpPr txBox="1">
+            <a:spLocks noGrp="1"/>
+          </p:cNvSpPr>
           <p:nvPr>
             <p:ph type="sldNum" sz="quarter" idx="2"/>
           </p:nvPr>
@@ -1521,8 +1545,10 @@
           <a:bodyPr/>
           <a:lstStyle/>
           <a:p>
-            <a:pPr/>
-            <a:fld id="{86CB4B4D-7CA3-9044-876B-883B54F8677D}" type="slidenum"/>
+            <a:fld id="{86CB4B4D-7CA3-9044-876B-883B54F8677D}" type="slidenum">
+              <a:t>‹#›</a:t>
+            </a:fld>
+            <a:endParaRPr/>
           </a:p>
         </p:txBody>
       </p:sp>
@@ -1531,12 +1557,12 @@
   <p:clrMapOvr>
     <a:masterClrMapping/>
   </p:clrMapOvr>
-  <p:transition xmlns:p14="http://schemas.microsoft.com/office/powerpoint/2010/main" spd="med" advClick="1"/>
+  <p:transition spd="med"/>
 </p:sldLayout>
 </file>
 
 <file path=ppt/slideLayouts/slideLayout11.xml><?xml version="1.0" encoding="utf-8"?>
-<p:sldLayout xmlns:a="http://schemas.openxmlformats.org/drawingml/2006/main" xmlns:r="http://schemas.openxmlformats.org/officeDocument/2006/relationships" xmlns:p="http://schemas.openxmlformats.org/presentationml/2006/main" type="tx" showMasterSp="1" showMasterPhAnim="1">
+<p:sldLayout xmlns:a="http://schemas.openxmlformats.org/drawingml/2006/main" xmlns:r="http://schemas.openxmlformats.org/officeDocument/2006/relationships" xmlns:p="http://schemas.openxmlformats.org/presentationml/2006/main" type="tx">
   <p:cSld name="带标题的引述">
     <p:spTree>
       <p:nvGrpSpPr>
@@ -1555,7 +1581,9 @@
       <p:sp>
         <p:nvSpPr>
           <p:cNvPr id="123" name="标题文本"/>
-          <p:cNvSpPr txBox="1"/>
+          <p:cNvSpPr txBox="1">
+            <a:spLocks noGrp="1"/>
+          </p:cNvSpPr>
           <p:nvPr>
             <p:ph type="title"/>
           </p:nvPr>
@@ -1577,7 +1605,6 @@
             </a:lvl1pPr>
           </a:lstStyle>
           <a:p>
-            <a:pPr/>
             <a:r>
               <a:t>标题文本</a:t>
             </a:r>
@@ -1587,7 +1614,9 @@
       <p:sp>
         <p:nvSpPr>
           <p:cNvPr id="124" name="正文级别 1…"/>
-          <p:cNvSpPr txBox="1"/>
+          <p:cNvSpPr txBox="1">
+            <a:spLocks noGrp="1"/>
+          </p:cNvSpPr>
           <p:nvPr>
             <p:ph type="body" sz="quarter" idx="1"/>
           </p:nvPr>
@@ -1661,7 +1690,6 @@
             </a:lvl5pPr>
           </a:lstStyle>
           <a:p>
-            <a:pPr/>
             <a:r>
               <a:t>正文级别 1</a:t>
             </a:r>
@@ -1695,7 +1723,9 @@
       <p:sp>
         <p:nvSpPr>
           <p:cNvPr id="125" name="Text Placeholder 2"/>
-          <p:cNvSpPr/>
+          <p:cNvSpPr>
+            <a:spLocks noGrp="1"/>
+          </p:cNvSpPr>
           <p:nvPr>
             <p:ph type="body" sz="quarter" idx="13"/>
           </p:nvPr>
@@ -1713,7 +1743,7 @@
           <a:bodyPr anchor="ctr"/>
           <a:lstStyle/>
           <a:p>
-            <a:pPr/>
+            <a:endParaRPr/>
           </a:p>
         </p:txBody>
       </p:sp>
@@ -1758,7 +1788,6 @@
             </a:lvl1pPr>
           </a:lstStyle>
           <a:p>
-            <a:pPr/>
             <a:r>
               <a:t>“</a:t>
             </a:r>
@@ -1806,7 +1835,6 @@
             </a:lvl1pPr>
           </a:lstStyle>
           <a:p>
-            <a:pPr/>
             <a:r>
               <a:t>”</a:t>
             </a:r>
@@ -1816,7 +1844,9 @@
       <p:sp>
         <p:nvSpPr>
           <p:cNvPr id="128" name="幻灯片编号"/>
-          <p:cNvSpPr txBox="1"/>
+          <p:cNvSpPr txBox="1">
+            <a:spLocks noGrp="1"/>
+          </p:cNvSpPr>
           <p:nvPr>
             <p:ph type="sldNum" sz="quarter" idx="2"/>
           </p:nvPr>
@@ -1830,8 +1860,10 @@
           <a:bodyPr/>
           <a:lstStyle/>
           <a:p>
-            <a:pPr/>
-            <a:fld id="{86CB4B4D-7CA3-9044-876B-883B54F8677D}" type="slidenum"/>
+            <a:fld id="{86CB4B4D-7CA3-9044-876B-883B54F8677D}" type="slidenum">
+              <a:t>‹#›</a:t>
+            </a:fld>
+            <a:endParaRPr/>
           </a:p>
         </p:txBody>
       </p:sp>
@@ -1840,12 +1872,12 @@
   <p:clrMapOvr>
     <a:masterClrMapping/>
   </p:clrMapOvr>
-  <p:transition xmlns:p14="http://schemas.microsoft.com/office/powerpoint/2010/main" spd="med" advClick="1"/>
+  <p:transition spd="med"/>
 </p:sldLayout>
 </file>
 
 <file path=ppt/slideLayouts/slideLayout12.xml><?xml version="1.0" encoding="utf-8"?>
-<p:sldLayout xmlns:a="http://schemas.openxmlformats.org/drawingml/2006/main" xmlns:r="http://schemas.openxmlformats.org/officeDocument/2006/relationships" xmlns:p="http://schemas.openxmlformats.org/presentationml/2006/main" type="tx" showMasterSp="1" showMasterPhAnim="1">
+<p:sldLayout xmlns:a="http://schemas.openxmlformats.org/drawingml/2006/main" xmlns:r="http://schemas.openxmlformats.org/officeDocument/2006/relationships" xmlns:p="http://schemas.openxmlformats.org/presentationml/2006/main" type="tx">
   <p:cSld name="名片">
     <p:spTree>
       <p:nvGrpSpPr>
@@ -1864,7 +1896,9 @@
       <p:sp>
         <p:nvSpPr>
           <p:cNvPr id="135" name="标题文本"/>
-          <p:cNvSpPr txBox="1"/>
+          <p:cNvSpPr txBox="1">
+            <a:spLocks noGrp="1"/>
+          </p:cNvSpPr>
           <p:nvPr>
             <p:ph type="title"/>
           </p:nvPr>
@@ -1886,7 +1920,6 @@
             </a:lvl1pPr>
           </a:lstStyle>
           <a:p>
-            <a:pPr/>
             <a:r>
               <a:t>标题文本</a:t>
             </a:r>
@@ -1896,7 +1929,9 @@
       <p:sp>
         <p:nvSpPr>
           <p:cNvPr id="136" name="正文级别 1…"/>
-          <p:cNvSpPr txBox="1"/>
+          <p:cNvSpPr txBox="1">
+            <a:spLocks noGrp="1"/>
+          </p:cNvSpPr>
           <p:nvPr>
             <p:ph type="body" sz="quarter" idx="1"/>
           </p:nvPr>
@@ -1945,7 +1980,6 @@
             </a:lvl5pPr>
           </a:lstStyle>
           <a:p>
-            <a:pPr/>
             <a:r>
               <a:t>正文级别 1</a:t>
             </a:r>
@@ -1979,7 +2013,9 @@
       <p:sp>
         <p:nvSpPr>
           <p:cNvPr id="137" name="幻灯片编号"/>
-          <p:cNvSpPr txBox="1"/>
+          <p:cNvSpPr txBox="1">
+            <a:spLocks noGrp="1"/>
+          </p:cNvSpPr>
           <p:nvPr>
             <p:ph type="sldNum" sz="quarter" idx="2"/>
           </p:nvPr>
@@ -1993,8 +2029,10 @@
           <a:bodyPr/>
           <a:lstStyle/>
           <a:p>
-            <a:pPr/>
-            <a:fld id="{86CB4B4D-7CA3-9044-876B-883B54F8677D}" type="slidenum"/>
+            <a:fld id="{86CB4B4D-7CA3-9044-876B-883B54F8677D}" type="slidenum">
+              <a:t>‹#›</a:t>
+            </a:fld>
+            <a:endParaRPr/>
           </a:p>
         </p:txBody>
       </p:sp>
@@ -2003,12 +2041,12 @@
   <p:clrMapOvr>
     <a:masterClrMapping/>
   </p:clrMapOvr>
-  <p:transition xmlns:p14="http://schemas.microsoft.com/office/powerpoint/2010/main" spd="med" advClick="1"/>
+  <p:transition spd="med"/>
 </p:sldLayout>
 </file>
 
 <file path=ppt/slideLayouts/slideLayout13.xml><?xml version="1.0" encoding="utf-8"?>
-<p:sldLayout xmlns:a="http://schemas.openxmlformats.org/drawingml/2006/main" xmlns:r="http://schemas.openxmlformats.org/officeDocument/2006/relationships" xmlns:p="http://schemas.openxmlformats.org/presentationml/2006/main" type="tx" showMasterSp="1" showMasterPhAnim="1">
+<p:sldLayout xmlns:a="http://schemas.openxmlformats.org/drawingml/2006/main" xmlns:r="http://schemas.openxmlformats.org/officeDocument/2006/relationships" xmlns:p="http://schemas.openxmlformats.org/presentationml/2006/main" type="tx">
   <p:cSld name="名片引述">
     <p:spTree>
       <p:nvGrpSpPr>
@@ -2027,7 +2065,9 @@
       <p:sp>
         <p:nvSpPr>
           <p:cNvPr id="144" name="标题文本"/>
-          <p:cNvSpPr txBox="1"/>
+          <p:cNvSpPr txBox="1">
+            <a:spLocks noGrp="1"/>
+          </p:cNvSpPr>
           <p:nvPr>
             <p:ph type="title"/>
           </p:nvPr>
@@ -2049,7 +2089,6 @@
             </a:lvl1pPr>
           </a:lstStyle>
           <a:p>
-            <a:pPr/>
             <a:r>
               <a:t>标题文本</a:t>
             </a:r>
@@ -2059,7 +2098,9 @@
       <p:sp>
         <p:nvSpPr>
           <p:cNvPr id="145" name="正文级别 1…"/>
-          <p:cNvSpPr txBox="1"/>
+          <p:cNvSpPr txBox="1">
+            <a:spLocks noGrp="1"/>
+          </p:cNvSpPr>
           <p:nvPr>
             <p:ph type="body" sz="quarter" idx="1"/>
           </p:nvPr>
@@ -2113,7 +2154,6 @@
             </a:lvl5pPr>
           </a:lstStyle>
           <a:p>
-            <a:pPr/>
             <a:r>
               <a:t>正文级别 1</a:t>
             </a:r>
@@ -2147,7 +2187,9 @@
       <p:sp>
         <p:nvSpPr>
           <p:cNvPr id="146" name="Text Placeholder 2"/>
-          <p:cNvSpPr/>
+          <p:cNvSpPr>
+            <a:spLocks noGrp="1"/>
+          </p:cNvSpPr>
           <p:nvPr>
             <p:ph type="body" sz="quarter" idx="13"/>
           </p:nvPr>
@@ -2165,7 +2207,7 @@
           <a:bodyPr/>
           <a:lstStyle/>
           <a:p>
-            <a:pPr/>
+            <a:endParaRPr/>
           </a:p>
         </p:txBody>
       </p:sp>
@@ -2210,7 +2252,6 @@
             </a:lvl1pPr>
           </a:lstStyle>
           <a:p>
-            <a:pPr/>
             <a:r>
               <a:t>“</a:t>
             </a:r>
@@ -2258,7 +2299,6 @@
             </a:lvl1pPr>
           </a:lstStyle>
           <a:p>
-            <a:pPr/>
             <a:r>
               <a:t>”</a:t>
             </a:r>
@@ -2268,7 +2308,9 @@
       <p:sp>
         <p:nvSpPr>
           <p:cNvPr id="149" name="幻灯片编号"/>
-          <p:cNvSpPr txBox="1"/>
+          <p:cNvSpPr txBox="1">
+            <a:spLocks noGrp="1"/>
+          </p:cNvSpPr>
           <p:nvPr>
             <p:ph type="sldNum" sz="quarter" idx="2"/>
           </p:nvPr>
@@ -2282,8 +2324,10 @@
           <a:bodyPr/>
           <a:lstStyle/>
           <a:p>
-            <a:pPr/>
-            <a:fld id="{86CB4B4D-7CA3-9044-876B-883B54F8677D}" type="slidenum"/>
+            <a:fld id="{86CB4B4D-7CA3-9044-876B-883B54F8677D}" type="slidenum">
+              <a:t>‹#›</a:t>
+            </a:fld>
+            <a:endParaRPr/>
           </a:p>
         </p:txBody>
       </p:sp>
@@ -2292,12 +2336,12 @@
   <p:clrMapOvr>
     <a:masterClrMapping/>
   </p:clrMapOvr>
-  <p:transition xmlns:p14="http://schemas.microsoft.com/office/powerpoint/2010/main" spd="med" advClick="1"/>
+  <p:transition spd="med"/>
 </p:sldLayout>
 </file>
 
 <file path=ppt/slideLayouts/slideLayout14.xml><?xml version="1.0" encoding="utf-8"?>
-<p:sldLayout xmlns:a="http://schemas.openxmlformats.org/drawingml/2006/main" xmlns:r="http://schemas.openxmlformats.org/officeDocument/2006/relationships" xmlns:p="http://schemas.openxmlformats.org/presentationml/2006/main" type="tx" showMasterSp="1" showMasterPhAnim="1">
+<p:sldLayout xmlns:a="http://schemas.openxmlformats.org/drawingml/2006/main" xmlns:r="http://schemas.openxmlformats.org/officeDocument/2006/relationships" xmlns:p="http://schemas.openxmlformats.org/presentationml/2006/main" type="tx">
   <p:cSld name="真或假">
     <p:spTree>
       <p:nvGrpSpPr>
@@ -2316,7 +2360,9 @@
       <p:sp>
         <p:nvSpPr>
           <p:cNvPr id="156" name="标题文本"/>
-          <p:cNvSpPr txBox="1"/>
+          <p:cNvSpPr txBox="1">
+            <a:spLocks noGrp="1"/>
+          </p:cNvSpPr>
           <p:nvPr>
             <p:ph type="title"/>
           </p:nvPr>
@@ -2338,7 +2384,6 @@
             </a:lvl1pPr>
           </a:lstStyle>
           <a:p>
-            <a:pPr/>
             <a:r>
               <a:t>标题文本</a:t>
             </a:r>
@@ -2348,7 +2393,9 @@
       <p:sp>
         <p:nvSpPr>
           <p:cNvPr id="157" name="正文级别 1…"/>
-          <p:cNvSpPr txBox="1"/>
+          <p:cNvSpPr txBox="1">
+            <a:spLocks noGrp="1"/>
+          </p:cNvSpPr>
           <p:nvPr>
             <p:ph type="body" sz="quarter" idx="1"/>
           </p:nvPr>
@@ -2422,7 +2469,6 @@
             </a:lvl5pPr>
           </a:lstStyle>
           <a:p>
-            <a:pPr/>
             <a:r>
               <a:t>正文级别 1</a:t>
             </a:r>
@@ -2456,7 +2502,9 @@
       <p:sp>
         <p:nvSpPr>
           <p:cNvPr id="158" name="Text Placeholder 2"/>
-          <p:cNvSpPr/>
+          <p:cNvSpPr>
+            <a:spLocks noGrp="1"/>
+          </p:cNvSpPr>
           <p:nvPr>
             <p:ph type="body" sz="quarter" idx="13"/>
           </p:nvPr>
@@ -2474,14 +2522,16 @@
           <a:bodyPr/>
           <a:lstStyle/>
           <a:p>
-            <a:pPr/>
+            <a:endParaRPr/>
           </a:p>
         </p:txBody>
       </p:sp>
       <p:sp>
         <p:nvSpPr>
           <p:cNvPr id="159" name="幻灯片编号"/>
-          <p:cNvSpPr txBox="1"/>
+          <p:cNvSpPr txBox="1">
+            <a:spLocks noGrp="1"/>
+          </p:cNvSpPr>
           <p:nvPr>
             <p:ph type="sldNum" sz="quarter" idx="2"/>
           </p:nvPr>
@@ -2495,8 +2545,10 @@
           <a:bodyPr/>
           <a:lstStyle/>
           <a:p>
-            <a:pPr/>
-            <a:fld id="{86CB4B4D-7CA3-9044-876B-883B54F8677D}" type="slidenum"/>
+            <a:fld id="{86CB4B4D-7CA3-9044-876B-883B54F8677D}" type="slidenum">
+              <a:t>‹#›</a:t>
+            </a:fld>
+            <a:endParaRPr/>
           </a:p>
         </p:txBody>
       </p:sp>
@@ -2505,12 +2557,12 @@
   <p:clrMapOvr>
     <a:masterClrMapping/>
   </p:clrMapOvr>
-  <p:transition xmlns:p14="http://schemas.microsoft.com/office/powerpoint/2010/main" spd="med" advClick="1"/>
+  <p:transition spd="med"/>
 </p:sldLayout>
 </file>
 
 <file path=ppt/slideLayouts/slideLayout15.xml><?xml version="1.0" encoding="utf-8"?>
-<p:sldLayout xmlns:a="http://schemas.openxmlformats.org/drawingml/2006/main" xmlns:r="http://schemas.openxmlformats.org/officeDocument/2006/relationships" xmlns:p="http://schemas.openxmlformats.org/presentationml/2006/main" type="tx" showMasterSp="1" showMasterPhAnim="1">
+<p:sldLayout xmlns:a="http://schemas.openxmlformats.org/drawingml/2006/main" xmlns:r="http://schemas.openxmlformats.org/officeDocument/2006/relationships" xmlns:p="http://schemas.openxmlformats.org/presentationml/2006/main" type="tx">
   <p:cSld name="标题和竖排文本">
     <p:spTree>
       <p:nvGrpSpPr>
@@ -2529,7 +2581,9 @@
       <p:sp>
         <p:nvSpPr>
           <p:cNvPr id="166" name="标题文本"/>
-          <p:cNvSpPr txBox="1"/>
+          <p:cNvSpPr txBox="1">
+            <a:spLocks noGrp="1"/>
+          </p:cNvSpPr>
           <p:nvPr>
             <p:ph type="title"/>
           </p:nvPr>
@@ -2543,7 +2597,6 @@
           <a:bodyPr/>
           <a:lstStyle/>
           <a:p>
-            <a:pPr/>
             <a:r>
               <a:t>标题文本</a:t>
             </a:r>
@@ -2553,7 +2606,9 @@
       <p:sp>
         <p:nvSpPr>
           <p:cNvPr id="167" name="正文级别 1…"/>
-          <p:cNvSpPr txBox="1"/>
+          <p:cNvSpPr txBox="1">
+            <a:spLocks noGrp="1"/>
+          </p:cNvSpPr>
           <p:nvPr>
             <p:ph type="body" sz="half" idx="1"/>
           </p:nvPr>
@@ -2571,7 +2626,6 @@
           <a:bodyPr/>
           <a:lstStyle/>
           <a:p>
-            <a:pPr/>
             <a:r>
               <a:t>正文级别 1</a:t>
             </a:r>
@@ -2605,7 +2659,9 @@
       <p:sp>
         <p:nvSpPr>
           <p:cNvPr id="168" name="幻灯片编号"/>
-          <p:cNvSpPr txBox="1"/>
+          <p:cNvSpPr txBox="1">
+            <a:spLocks noGrp="1"/>
+          </p:cNvSpPr>
           <p:nvPr>
             <p:ph type="sldNum" sz="quarter" idx="2"/>
           </p:nvPr>
@@ -2619,8 +2675,10 @@
           <a:bodyPr/>
           <a:lstStyle/>
           <a:p>
-            <a:pPr/>
-            <a:fld id="{86CB4B4D-7CA3-9044-876B-883B54F8677D}" type="slidenum"/>
+            <a:fld id="{86CB4B4D-7CA3-9044-876B-883B54F8677D}" type="slidenum">
+              <a:t>‹#›</a:t>
+            </a:fld>
+            <a:endParaRPr/>
           </a:p>
         </p:txBody>
       </p:sp>
@@ -2629,12 +2687,12 @@
   <p:clrMapOvr>
     <a:masterClrMapping/>
   </p:clrMapOvr>
-  <p:transition xmlns:p14="http://schemas.microsoft.com/office/powerpoint/2010/main" spd="med" advClick="1"/>
+  <p:transition spd="med"/>
 </p:sldLayout>
 </file>
 
 <file path=ppt/slideLayouts/slideLayout16.xml><?xml version="1.0" encoding="utf-8"?>
-<p:sldLayout xmlns:a="http://schemas.openxmlformats.org/drawingml/2006/main" xmlns:r="http://schemas.openxmlformats.org/officeDocument/2006/relationships" xmlns:p="http://schemas.openxmlformats.org/presentationml/2006/main" type="tx" showMasterSp="1" showMasterPhAnim="1">
+<p:sldLayout xmlns:a="http://schemas.openxmlformats.org/drawingml/2006/main" xmlns:r="http://schemas.openxmlformats.org/officeDocument/2006/relationships" xmlns:p="http://schemas.openxmlformats.org/presentationml/2006/main" type="tx">
   <p:cSld name="竖排标题和文本">
     <p:spTree>
       <p:nvGrpSpPr>
@@ -2653,7 +2711,9 @@
       <p:sp>
         <p:nvSpPr>
           <p:cNvPr id="175" name="标题文本"/>
-          <p:cNvSpPr txBox="1"/>
+          <p:cNvSpPr txBox="1">
+            <a:spLocks noGrp="1"/>
+          </p:cNvSpPr>
           <p:nvPr>
             <p:ph type="title"/>
           </p:nvPr>
@@ -2671,7 +2731,6 @@
           <a:bodyPr anchor="ctr"/>
           <a:lstStyle/>
           <a:p>
-            <a:pPr/>
             <a:r>
               <a:t>标题文本</a:t>
             </a:r>
@@ -2681,7 +2740,9 @@
       <p:sp>
         <p:nvSpPr>
           <p:cNvPr id="176" name="正文级别 1…"/>
-          <p:cNvSpPr txBox="1"/>
+          <p:cNvSpPr txBox="1">
+            <a:spLocks noGrp="1"/>
+          </p:cNvSpPr>
           <p:nvPr>
             <p:ph type="body" idx="1"/>
           </p:nvPr>
@@ -2699,7 +2760,6 @@
           <a:bodyPr/>
           <a:lstStyle/>
           <a:p>
-            <a:pPr/>
             <a:r>
               <a:t>正文级别 1</a:t>
             </a:r>
@@ -2733,7 +2793,9 @@
       <p:sp>
         <p:nvSpPr>
           <p:cNvPr id="177" name="幻灯片编号"/>
-          <p:cNvSpPr txBox="1"/>
+          <p:cNvSpPr txBox="1">
+            <a:spLocks noGrp="1"/>
+          </p:cNvSpPr>
           <p:nvPr>
             <p:ph type="sldNum" sz="quarter" idx="2"/>
           </p:nvPr>
@@ -2747,8 +2809,10 @@
           <a:bodyPr/>
           <a:lstStyle/>
           <a:p>
-            <a:pPr/>
-            <a:fld id="{86CB4B4D-7CA3-9044-876B-883B54F8677D}" type="slidenum"/>
+            <a:fld id="{86CB4B4D-7CA3-9044-876B-883B54F8677D}" type="slidenum">
+              <a:t>‹#›</a:t>
+            </a:fld>
+            <a:endParaRPr/>
           </a:p>
         </p:txBody>
       </p:sp>
@@ -2757,12 +2821,12 @@
   <p:clrMapOvr>
     <a:masterClrMapping/>
   </p:clrMapOvr>
-  <p:transition xmlns:p14="http://schemas.microsoft.com/office/powerpoint/2010/main" spd="med" advClick="1"/>
+  <p:transition spd="med"/>
 </p:sldLayout>
 </file>
 
 <file path=ppt/slideLayouts/slideLayout2.xml><?xml version="1.0" encoding="utf-8"?>
-<p:sldLayout xmlns:a="http://schemas.openxmlformats.org/drawingml/2006/main" xmlns:r="http://schemas.openxmlformats.org/officeDocument/2006/relationships" xmlns:p="http://schemas.openxmlformats.org/presentationml/2006/main" type="tx" showMasterSp="1" showMasterPhAnim="1">
+<p:sldLayout xmlns:a="http://schemas.openxmlformats.org/drawingml/2006/main" xmlns:r="http://schemas.openxmlformats.org/officeDocument/2006/relationships" xmlns:p="http://schemas.openxmlformats.org/presentationml/2006/main" type="tx">
   <p:cSld name="标题和内容">
     <p:spTree>
       <p:nvGrpSpPr>
@@ -2781,7 +2845,9 @@
       <p:sp>
         <p:nvSpPr>
           <p:cNvPr id="42" name="标题文本"/>
-          <p:cNvSpPr txBox="1"/>
+          <p:cNvSpPr txBox="1">
+            <a:spLocks noGrp="1"/>
+          </p:cNvSpPr>
           <p:nvPr>
             <p:ph type="title"/>
           </p:nvPr>
@@ -2795,7 +2861,6 @@
           <a:bodyPr/>
           <a:lstStyle/>
           <a:p>
-            <a:pPr/>
             <a:r>
               <a:t>标题文本</a:t>
             </a:r>
@@ -2805,7 +2870,9 @@
       <p:sp>
         <p:nvSpPr>
           <p:cNvPr id="43" name="正文级别 1…"/>
-          <p:cNvSpPr txBox="1"/>
+          <p:cNvSpPr txBox="1">
+            <a:spLocks noGrp="1"/>
+          </p:cNvSpPr>
           <p:nvPr>
             <p:ph type="body" sz="half" idx="1"/>
           </p:nvPr>
@@ -2823,7 +2890,6 @@
           <a:bodyPr/>
           <a:lstStyle/>
           <a:p>
-            <a:pPr/>
             <a:r>
               <a:t>正文级别 1</a:t>
             </a:r>
@@ -2857,7 +2923,9 @@
       <p:sp>
         <p:nvSpPr>
           <p:cNvPr id="44" name="幻灯片编号"/>
-          <p:cNvSpPr txBox="1"/>
+          <p:cNvSpPr txBox="1">
+            <a:spLocks noGrp="1"/>
+          </p:cNvSpPr>
           <p:nvPr>
             <p:ph type="sldNum" sz="quarter" idx="2"/>
           </p:nvPr>
@@ -2871,8 +2939,10 @@
           <a:bodyPr/>
           <a:lstStyle/>
           <a:p>
-            <a:pPr/>
-            <a:fld id="{86CB4B4D-7CA3-9044-876B-883B54F8677D}" type="slidenum"/>
+            <a:fld id="{86CB4B4D-7CA3-9044-876B-883B54F8677D}" type="slidenum">
+              <a:t>‹#›</a:t>
+            </a:fld>
+            <a:endParaRPr/>
           </a:p>
         </p:txBody>
       </p:sp>
@@ -2881,12 +2951,12 @@
   <p:clrMapOvr>
     <a:masterClrMapping/>
   </p:clrMapOvr>
-  <p:transition xmlns:p14="http://schemas.microsoft.com/office/powerpoint/2010/main" spd="med" advClick="1"/>
+  <p:transition spd="med"/>
 </p:sldLayout>
 </file>
 
 <file path=ppt/slideLayouts/slideLayout3.xml><?xml version="1.0" encoding="utf-8"?>
-<p:sldLayout xmlns:a="http://schemas.openxmlformats.org/drawingml/2006/main" xmlns:r="http://schemas.openxmlformats.org/officeDocument/2006/relationships" xmlns:p="http://schemas.openxmlformats.org/presentationml/2006/main" type="tx" showMasterSp="1" showMasterPhAnim="1">
+<p:sldLayout xmlns:a="http://schemas.openxmlformats.org/drawingml/2006/main" xmlns:r="http://schemas.openxmlformats.org/officeDocument/2006/relationships" xmlns:p="http://schemas.openxmlformats.org/presentationml/2006/main" type="tx">
   <p:cSld name="节标题">
     <p:spTree>
       <p:nvGrpSpPr>
@@ -2905,7 +2975,9 @@
       <p:sp>
         <p:nvSpPr>
           <p:cNvPr id="51" name="标题文本"/>
-          <p:cNvSpPr txBox="1"/>
+          <p:cNvSpPr txBox="1">
+            <a:spLocks noGrp="1"/>
+          </p:cNvSpPr>
           <p:nvPr>
             <p:ph type="title"/>
           </p:nvPr>
@@ -2927,7 +2999,6 @@
             </a:lvl1pPr>
           </a:lstStyle>
           <a:p>
-            <a:pPr/>
             <a:r>
               <a:t>标题文本</a:t>
             </a:r>
@@ -2937,7 +3008,9 @@
       <p:sp>
         <p:nvSpPr>
           <p:cNvPr id="52" name="正文级别 1…"/>
-          <p:cNvSpPr txBox="1"/>
+          <p:cNvSpPr txBox="1">
+            <a:spLocks noGrp="1"/>
+          </p:cNvSpPr>
           <p:nvPr>
             <p:ph type="body" sz="quarter" idx="1"/>
           </p:nvPr>
@@ -3011,7 +3084,6 @@
             </a:lvl5pPr>
           </a:lstStyle>
           <a:p>
-            <a:pPr/>
             <a:r>
               <a:t>正文级别 1</a:t>
             </a:r>
@@ -3045,7 +3117,9 @@
       <p:sp>
         <p:nvSpPr>
           <p:cNvPr id="53" name="幻灯片编号"/>
-          <p:cNvSpPr txBox="1"/>
+          <p:cNvSpPr txBox="1">
+            <a:spLocks noGrp="1"/>
+          </p:cNvSpPr>
           <p:nvPr>
             <p:ph type="sldNum" sz="quarter" idx="2"/>
           </p:nvPr>
@@ -3059,8 +3133,10 @@
           <a:bodyPr/>
           <a:lstStyle/>
           <a:p>
-            <a:pPr/>
-            <a:fld id="{86CB4B4D-7CA3-9044-876B-883B54F8677D}" type="slidenum"/>
+            <a:fld id="{86CB4B4D-7CA3-9044-876B-883B54F8677D}" type="slidenum">
+              <a:t>‹#›</a:t>
+            </a:fld>
+            <a:endParaRPr/>
           </a:p>
         </p:txBody>
       </p:sp>
@@ -3069,12 +3145,12 @@
   <p:clrMapOvr>
     <a:masterClrMapping/>
   </p:clrMapOvr>
-  <p:transition xmlns:p14="http://schemas.microsoft.com/office/powerpoint/2010/main" spd="med" advClick="1"/>
+  <p:transition spd="med"/>
 </p:sldLayout>
 </file>
 
 <file path=ppt/slideLayouts/slideLayout4.xml><?xml version="1.0" encoding="utf-8"?>
-<p:sldLayout xmlns:a="http://schemas.openxmlformats.org/drawingml/2006/main" xmlns:r="http://schemas.openxmlformats.org/officeDocument/2006/relationships" xmlns:p="http://schemas.openxmlformats.org/presentationml/2006/main" type="tx" showMasterSp="1" showMasterPhAnim="1">
+<p:sldLayout xmlns:a="http://schemas.openxmlformats.org/drawingml/2006/main" xmlns:r="http://schemas.openxmlformats.org/officeDocument/2006/relationships" xmlns:p="http://schemas.openxmlformats.org/presentationml/2006/main" type="tx">
   <p:cSld name="两项内容">
     <p:spTree>
       <p:nvGrpSpPr>
@@ -3093,7 +3169,9 @@
       <p:sp>
         <p:nvSpPr>
           <p:cNvPr id="60" name="标题文本"/>
-          <p:cNvSpPr txBox="1"/>
+          <p:cNvSpPr txBox="1">
+            <a:spLocks noGrp="1"/>
+          </p:cNvSpPr>
           <p:nvPr>
             <p:ph type="title"/>
           </p:nvPr>
@@ -3107,7 +3185,6 @@
           <a:bodyPr/>
           <a:lstStyle/>
           <a:p>
-            <a:pPr/>
             <a:r>
               <a:t>标题文本</a:t>
             </a:r>
@@ -3117,7 +3194,9 @@
       <p:sp>
         <p:nvSpPr>
           <p:cNvPr id="61" name="正文级别 1…"/>
-          <p:cNvSpPr txBox="1"/>
+          <p:cNvSpPr txBox="1">
+            <a:spLocks noGrp="1"/>
+          </p:cNvSpPr>
           <p:nvPr>
             <p:ph type="body" sz="quarter" idx="1"/>
           </p:nvPr>
@@ -3135,7 +3214,6 @@
           <a:bodyPr/>
           <a:lstStyle/>
           <a:p>
-            <a:pPr/>
             <a:r>
               <a:t>正文级别 1</a:t>
             </a:r>
@@ -3169,7 +3247,9 @@
       <p:sp>
         <p:nvSpPr>
           <p:cNvPr id="62" name="幻灯片编号"/>
-          <p:cNvSpPr txBox="1"/>
+          <p:cNvSpPr txBox="1">
+            <a:spLocks noGrp="1"/>
+          </p:cNvSpPr>
           <p:nvPr>
             <p:ph type="sldNum" sz="quarter" idx="2"/>
           </p:nvPr>
@@ -3183,8 +3263,10 @@
           <a:bodyPr/>
           <a:lstStyle/>
           <a:p>
-            <a:pPr/>
-            <a:fld id="{86CB4B4D-7CA3-9044-876B-883B54F8677D}" type="slidenum"/>
+            <a:fld id="{86CB4B4D-7CA3-9044-876B-883B54F8677D}" type="slidenum">
+              <a:t>‹#›</a:t>
+            </a:fld>
+            <a:endParaRPr/>
           </a:p>
         </p:txBody>
       </p:sp>
@@ -3193,12 +3275,12 @@
   <p:clrMapOvr>
     <a:masterClrMapping/>
   </p:clrMapOvr>
-  <p:transition xmlns:p14="http://schemas.microsoft.com/office/powerpoint/2010/main" spd="med" advClick="1"/>
+  <p:transition spd="med"/>
 </p:sldLayout>
 </file>
 
 <file path=ppt/slideLayouts/slideLayout5.xml><?xml version="1.0" encoding="utf-8"?>
-<p:sldLayout xmlns:a="http://schemas.openxmlformats.org/drawingml/2006/main" xmlns:r="http://schemas.openxmlformats.org/officeDocument/2006/relationships" xmlns:p="http://schemas.openxmlformats.org/presentationml/2006/main" type="tx" showMasterSp="1" showMasterPhAnim="1">
+<p:sldLayout xmlns:a="http://schemas.openxmlformats.org/drawingml/2006/main" xmlns:r="http://schemas.openxmlformats.org/officeDocument/2006/relationships" xmlns:p="http://schemas.openxmlformats.org/presentationml/2006/main" type="tx">
   <p:cSld name="比较">
     <p:spTree>
       <p:nvGrpSpPr>
@@ -3217,7 +3299,9 @@
       <p:sp>
         <p:nvSpPr>
           <p:cNvPr id="69" name="标题文本"/>
-          <p:cNvSpPr txBox="1"/>
+          <p:cNvSpPr txBox="1">
+            <a:spLocks noGrp="1"/>
+          </p:cNvSpPr>
           <p:nvPr>
             <p:ph type="title"/>
           </p:nvPr>
@@ -3231,7 +3315,6 @@
           <a:bodyPr/>
           <a:lstStyle/>
           <a:p>
-            <a:pPr/>
             <a:r>
               <a:t>标题文本</a:t>
             </a:r>
@@ -3241,7 +3324,9 @@
       <p:sp>
         <p:nvSpPr>
           <p:cNvPr id="70" name="正文级别 1…"/>
-          <p:cNvSpPr txBox="1"/>
+          <p:cNvSpPr txBox="1">
+            <a:spLocks noGrp="1"/>
+          </p:cNvSpPr>
           <p:nvPr>
             <p:ph type="body" sz="quarter" idx="1"/>
           </p:nvPr>
@@ -3295,7 +3380,6 @@
             </a:lvl5pPr>
           </a:lstStyle>
           <a:p>
-            <a:pPr/>
             <a:r>
               <a:t>正文级别 1</a:t>
             </a:r>
@@ -3329,7 +3413,9 @@
       <p:sp>
         <p:nvSpPr>
           <p:cNvPr id="71" name="Text Placeholder 4"/>
-          <p:cNvSpPr/>
+          <p:cNvSpPr>
+            <a:spLocks noGrp="1"/>
+          </p:cNvSpPr>
           <p:nvPr>
             <p:ph type="body" sz="quarter" idx="13"/>
           </p:nvPr>
@@ -3347,14 +3433,16 @@
           <a:bodyPr anchor="b"/>
           <a:lstStyle/>
           <a:p>
-            <a:pPr/>
+            <a:endParaRPr/>
           </a:p>
         </p:txBody>
       </p:sp>
       <p:sp>
         <p:nvSpPr>
           <p:cNvPr id="72" name="幻灯片编号"/>
-          <p:cNvSpPr txBox="1"/>
+          <p:cNvSpPr txBox="1">
+            <a:spLocks noGrp="1"/>
+          </p:cNvSpPr>
           <p:nvPr>
             <p:ph type="sldNum" sz="quarter" idx="2"/>
           </p:nvPr>
@@ -3368,8 +3456,10 @@
           <a:bodyPr/>
           <a:lstStyle/>
           <a:p>
-            <a:pPr/>
-            <a:fld id="{86CB4B4D-7CA3-9044-876B-883B54F8677D}" type="slidenum"/>
+            <a:fld id="{86CB4B4D-7CA3-9044-876B-883B54F8677D}" type="slidenum">
+              <a:t>‹#›</a:t>
+            </a:fld>
+            <a:endParaRPr/>
           </a:p>
         </p:txBody>
       </p:sp>
@@ -3378,12 +3468,12 @@
   <p:clrMapOvr>
     <a:masterClrMapping/>
   </p:clrMapOvr>
-  <p:transition xmlns:p14="http://schemas.microsoft.com/office/powerpoint/2010/main" spd="med" advClick="1"/>
+  <p:transition spd="med"/>
 </p:sldLayout>
 </file>
 
 <file path=ppt/slideLayouts/slideLayout6.xml><?xml version="1.0" encoding="utf-8"?>
-<p:sldLayout xmlns:a="http://schemas.openxmlformats.org/drawingml/2006/main" xmlns:r="http://schemas.openxmlformats.org/officeDocument/2006/relationships" xmlns:p="http://schemas.openxmlformats.org/presentationml/2006/main" type="tx" showMasterSp="1" showMasterPhAnim="1">
+<p:sldLayout xmlns:a="http://schemas.openxmlformats.org/drawingml/2006/main" xmlns:r="http://schemas.openxmlformats.org/officeDocument/2006/relationships" xmlns:p="http://schemas.openxmlformats.org/presentationml/2006/main" type="tx">
   <p:cSld name="仅标题">
     <p:spTree>
       <p:nvGrpSpPr>
@@ -3402,7 +3492,9 @@
       <p:sp>
         <p:nvSpPr>
           <p:cNvPr id="79" name="标题文本"/>
-          <p:cNvSpPr txBox="1"/>
+          <p:cNvSpPr txBox="1">
+            <a:spLocks noGrp="1"/>
+          </p:cNvSpPr>
           <p:nvPr>
             <p:ph type="title"/>
           </p:nvPr>
@@ -3416,7 +3508,6 @@
           <a:bodyPr/>
           <a:lstStyle/>
           <a:p>
-            <a:pPr/>
             <a:r>
               <a:t>标题文本</a:t>
             </a:r>
@@ -3426,7 +3517,9 @@
       <p:sp>
         <p:nvSpPr>
           <p:cNvPr id="80" name="幻灯片编号"/>
-          <p:cNvSpPr txBox="1"/>
+          <p:cNvSpPr txBox="1">
+            <a:spLocks noGrp="1"/>
+          </p:cNvSpPr>
           <p:nvPr>
             <p:ph type="sldNum" sz="quarter" idx="2"/>
           </p:nvPr>
@@ -3440,8 +3533,10 @@
           <a:bodyPr/>
           <a:lstStyle/>
           <a:p>
-            <a:pPr/>
-            <a:fld id="{86CB4B4D-7CA3-9044-876B-883B54F8677D}" type="slidenum"/>
+            <a:fld id="{86CB4B4D-7CA3-9044-876B-883B54F8677D}" type="slidenum">
+              <a:t>‹#›</a:t>
+            </a:fld>
+            <a:endParaRPr/>
           </a:p>
         </p:txBody>
       </p:sp>
@@ -3450,12 +3545,12 @@
   <p:clrMapOvr>
     <a:masterClrMapping/>
   </p:clrMapOvr>
-  <p:transition xmlns:p14="http://schemas.microsoft.com/office/powerpoint/2010/main" spd="med" advClick="1"/>
+  <p:transition spd="med"/>
 </p:sldLayout>
 </file>
 
 <file path=ppt/slideLayouts/slideLayout7.xml><?xml version="1.0" encoding="utf-8"?>
-<p:sldLayout xmlns:a="http://schemas.openxmlformats.org/drawingml/2006/main" xmlns:r="http://schemas.openxmlformats.org/officeDocument/2006/relationships" xmlns:p="http://schemas.openxmlformats.org/presentationml/2006/main" type="tx" showMasterSp="1" showMasterPhAnim="1">
+<p:sldLayout xmlns:a="http://schemas.openxmlformats.org/drawingml/2006/main" xmlns:r="http://schemas.openxmlformats.org/officeDocument/2006/relationships" xmlns:p="http://schemas.openxmlformats.org/presentationml/2006/main" type="tx">
   <p:cSld name="空白">
     <p:spTree>
       <p:nvGrpSpPr>
@@ -3474,7 +3569,9 @@
       <p:sp>
         <p:nvSpPr>
           <p:cNvPr id="87" name="幻灯片编号"/>
-          <p:cNvSpPr txBox="1"/>
+          <p:cNvSpPr txBox="1">
+            <a:spLocks noGrp="1"/>
+          </p:cNvSpPr>
           <p:nvPr>
             <p:ph type="sldNum" sz="quarter" idx="2"/>
           </p:nvPr>
@@ -3488,8 +3585,10 @@
           <a:bodyPr/>
           <a:lstStyle/>
           <a:p>
-            <a:pPr/>
-            <a:fld id="{86CB4B4D-7CA3-9044-876B-883B54F8677D}" type="slidenum"/>
+            <a:fld id="{86CB4B4D-7CA3-9044-876B-883B54F8677D}" type="slidenum">
+              <a:t>‹#›</a:t>
+            </a:fld>
+            <a:endParaRPr/>
           </a:p>
         </p:txBody>
       </p:sp>
@@ -3498,12 +3597,12 @@
   <p:clrMapOvr>
     <a:masterClrMapping/>
   </p:clrMapOvr>
-  <p:transition xmlns:p14="http://schemas.microsoft.com/office/powerpoint/2010/main" spd="med" advClick="1"/>
+  <p:transition spd="med"/>
 </p:sldLayout>
 </file>
 
 <file path=ppt/slideLayouts/slideLayout8.xml><?xml version="1.0" encoding="utf-8"?>
-<p:sldLayout xmlns:a="http://schemas.openxmlformats.org/drawingml/2006/main" xmlns:r="http://schemas.openxmlformats.org/officeDocument/2006/relationships" xmlns:p="http://schemas.openxmlformats.org/presentationml/2006/main" type="tx" showMasterSp="1" showMasterPhAnim="1">
+<p:sldLayout xmlns:a="http://schemas.openxmlformats.org/drawingml/2006/main" xmlns:r="http://schemas.openxmlformats.org/officeDocument/2006/relationships" xmlns:p="http://schemas.openxmlformats.org/presentationml/2006/main" type="tx">
   <p:cSld name="内容与标题">
     <p:spTree>
       <p:nvGrpSpPr>
@@ -3522,7 +3621,9 @@
       <p:sp>
         <p:nvSpPr>
           <p:cNvPr id="94" name="标题文本"/>
-          <p:cNvSpPr txBox="1"/>
+          <p:cNvSpPr txBox="1">
+            <a:spLocks noGrp="1"/>
+          </p:cNvSpPr>
           <p:nvPr>
             <p:ph type="title"/>
           </p:nvPr>
@@ -3544,7 +3645,6 @@
             </a:lvl1pPr>
           </a:lstStyle>
           <a:p>
-            <a:pPr/>
             <a:r>
               <a:t>标题文本</a:t>
             </a:r>
@@ -3554,7 +3654,9 @@
       <p:sp>
         <p:nvSpPr>
           <p:cNvPr id="95" name="正文级别 1…"/>
-          <p:cNvSpPr txBox="1"/>
+          <p:cNvSpPr txBox="1">
+            <a:spLocks noGrp="1"/>
+          </p:cNvSpPr>
           <p:nvPr>
             <p:ph type="body" sz="half" idx="1"/>
           </p:nvPr>
@@ -3572,7 +3674,6 @@
           <a:bodyPr/>
           <a:lstStyle/>
           <a:p>
-            <a:pPr/>
             <a:r>
               <a:t>正文级别 1</a:t>
             </a:r>
@@ -3606,7 +3707,9 @@
       <p:sp>
         <p:nvSpPr>
           <p:cNvPr id="96" name="Text Placeholder 3"/>
-          <p:cNvSpPr/>
+          <p:cNvSpPr>
+            <a:spLocks noGrp="1"/>
+          </p:cNvSpPr>
           <p:nvPr>
             <p:ph type="body" sz="quarter" idx="13"/>
           </p:nvPr>
@@ -3624,14 +3727,16 @@
           <a:bodyPr/>
           <a:lstStyle/>
           <a:p>
-            <a:pPr/>
+            <a:endParaRPr/>
           </a:p>
         </p:txBody>
       </p:sp>
       <p:sp>
         <p:nvSpPr>
           <p:cNvPr id="97" name="幻灯片编号"/>
-          <p:cNvSpPr txBox="1"/>
+          <p:cNvSpPr txBox="1">
+            <a:spLocks noGrp="1"/>
+          </p:cNvSpPr>
           <p:nvPr>
             <p:ph type="sldNum" sz="quarter" idx="2"/>
           </p:nvPr>
@@ -3645,8 +3750,10 @@
           <a:bodyPr/>
           <a:lstStyle/>
           <a:p>
-            <a:pPr/>
-            <a:fld id="{86CB4B4D-7CA3-9044-876B-883B54F8677D}" type="slidenum"/>
+            <a:fld id="{86CB4B4D-7CA3-9044-876B-883B54F8677D}" type="slidenum">
+              <a:t>‹#›</a:t>
+            </a:fld>
+            <a:endParaRPr/>
           </a:p>
         </p:txBody>
       </p:sp>
@@ -3655,12 +3762,12 @@
   <p:clrMapOvr>
     <a:masterClrMapping/>
   </p:clrMapOvr>
-  <p:transition xmlns:p14="http://schemas.microsoft.com/office/powerpoint/2010/main" spd="med" advClick="1"/>
+  <p:transition spd="med"/>
 </p:sldLayout>
 </file>
 
 <file path=ppt/slideLayouts/slideLayout9.xml><?xml version="1.0" encoding="utf-8"?>
-<p:sldLayout xmlns:a="http://schemas.openxmlformats.org/drawingml/2006/main" xmlns:r="http://schemas.openxmlformats.org/officeDocument/2006/relationships" xmlns:p="http://schemas.openxmlformats.org/presentationml/2006/main" type="tx" showMasterSp="1" showMasterPhAnim="1">
+<p:sldLayout xmlns:a="http://schemas.openxmlformats.org/drawingml/2006/main" xmlns:r="http://schemas.openxmlformats.org/officeDocument/2006/relationships" xmlns:p="http://schemas.openxmlformats.org/presentationml/2006/main" type="tx">
   <p:cSld name="图片与标题">
     <p:spTree>
       <p:nvGrpSpPr>
@@ -3679,7 +3786,9 @@
       <p:sp>
         <p:nvSpPr>
           <p:cNvPr id="104" name="标题文本"/>
-          <p:cNvSpPr txBox="1"/>
+          <p:cNvSpPr txBox="1">
+            <a:spLocks noGrp="1"/>
+          </p:cNvSpPr>
           <p:nvPr>
             <p:ph type="title"/>
           </p:nvPr>
@@ -3701,7 +3810,6 @@
             </a:lvl1pPr>
           </a:lstStyle>
           <a:p>
-            <a:pPr/>
             <a:r>
               <a:t>标题文本</a:t>
             </a:r>
@@ -3711,7 +3819,9 @@
       <p:sp>
         <p:nvSpPr>
           <p:cNvPr id="105" name="Picture Placeholder 2"/>
-          <p:cNvSpPr/>
+          <p:cNvSpPr>
+            <a:spLocks noGrp="1"/>
+          </p:cNvSpPr>
           <p:nvPr>
             <p:ph type="pic" sz="half" idx="13"/>
           </p:nvPr>
@@ -3731,14 +3841,16 @@
           </a:bodyPr>
           <a:lstStyle/>
           <a:p>
-            <a:pPr/>
+            <a:endParaRPr/>
           </a:p>
         </p:txBody>
       </p:sp>
       <p:sp>
         <p:nvSpPr>
           <p:cNvPr id="106" name="正文级别 1…"/>
-          <p:cNvSpPr txBox="1"/>
+          <p:cNvSpPr txBox="1">
+            <a:spLocks noGrp="1"/>
+          </p:cNvSpPr>
           <p:nvPr>
             <p:ph type="body" sz="quarter" idx="1"/>
           </p:nvPr>
@@ -3792,7 +3904,6 @@
             </a:lvl5pPr>
           </a:lstStyle>
           <a:p>
-            <a:pPr/>
             <a:r>
               <a:t>正文级别 1</a:t>
             </a:r>
@@ -3826,7 +3937,9 @@
       <p:sp>
         <p:nvSpPr>
           <p:cNvPr id="107" name="幻灯片编号"/>
-          <p:cNvSpPr txBox="1"/>
+          <p:cNvSpPr txBox="1">
+            <a:spLocks noGrp="1"/>
+          </p:cNvSpPr>
           <p:nvPr>
             <p:ph type="sldNum" sz="quarter" idx="2"/>
           </p:nvPr>
@@ -3840,8 +3953,10 @@
           <a:bodyPr/>
           <a:lstStyle/>
           <a:p>
-            <a:pPr/>
-            <a:fld id="{86CB4B4D-7CA3-9044-876B-883B54F8677D}" type="slidenum"/>
+            <a:fld id="{86CB4B4D-7CA3-9044-876B-883B54F8677D}" type="slidenum">
+              <a:t>‹#›</a:t>
+            </a:fld>
+            <a:endParaRPr/>
           </a:p>
         </p:txBody>
       </p:sp>
@@ -3850,7 +3965,7 @@
   <p:clrMapOvr>
     <a:masterClrMapping/>
   </p:clrMapOvr>
-  <p:transition xmlns:p14="http://schemas.microsoft.com/office/powerpoint/2010/main" spd="med" advClick="1"/>
+  <p:transition spd="med"/>
 </p:sldLayout>
 </file>
 
@@ -3862,6 +3977,7 @@
         <a:solidFill>
           <a:srgbClr val="FFFFFF"/>
         </a:solidFill>
+        <a:effectLst/>
       </p:bgPr>
     </p:bg>
     <p:spTree>
@@ -3922,7 +4038,7 @@
             </a:bodyPr>
             <a:lstStyle/>
             <a:p>
-              <a:pPr/>
+              <a:endParaRPr/>
             </a:p>
           </p:txBody>
         </p:sp>
@@ -3956,7 +4072,7 @@
             </a:bodyPr>
             <a:lstStyle/>
             <a:p>
-              <a:pPr/>
+              <a:endParaRPr/>
             </a:p>
           </p:txBody>
         </p:sp>
@@ -3991,7 +4107,7 @@
               </a:cxnLst>
               <a:rect l="0" t="0" r="r" b="b"/>
               <a:pathLst>
-                <a:path w="21600" h="21600" fill="norm" stroke="1" extrusionOk="0">
+                <a:path w="21600" h="21600" extrusionOk="0">
                   <a:moveTo>
                     <a:pt x="14692" y="0"/>
                   </a:moveTo>
@@ -4036,6 +4152,7 @@
                   <a:sym typeface="Trebuchet MS"/>
                 </a:defRPr>
               </a:pPr>
+              <a:endParaRPr/>
             </a:p>
           </p:txBody>
         </p:sp>
@@ -4070,7 +4187,7 @@
               </a:cxnLst>
               <a:rect l="0" t="0" r="r" b="b"/>
               <a:pathLst>
-                <a:path w="21600" h="21600" fill="norm" stroke="1" extrusionOk="0">
+                <a:path w="21600" h="21600" extrusionOk="0">
                   <a:moveTo>
                     <a:pt x="0" y="0"/>
                   </a:moveTo>
@@ -4115,6 +4232,7 @@
                   <a:sym typeface="Trebuchet MS"/>
                 </a:defRPr>
               </a:pPr>
+              <a:endParaRPr/>
             </a:p>
           </p:txBody>
         </p:sp>
@@ -4149,7 +4267,7 @@
               </a:cxnLst>
               <a:rect l="0" t="0" r="r" b="b"/>
               <a:pathLst>
-                <a:path w="21600" h="21600" fill="norm" stroke="1" extrusionOk="0">
+                <a:path w="21600" h="21600" extrusionOk="0">
                   <a:moveTo>
                     <a:pt x="0" y="21600"/>
                   </a:moveTo>
@@ -4188,6 +4306,7 @@
                   <a:sym typeface="Trebuchet MS"/>
                 </a:defRPr>
               </a:pPr>
+              <a:endParaRPr/>
             </a:p>
           </p:txBody>
         </p:sp>
@@ -4222,7 +4341,7 @@
               </a:cxnLst>
               <a:rect l="0" t="0" r="r" b="b"/>
               <a:pathLst>
-                <a:path w="21600" h="21600" fill="norm" stroke="1" extrusionOk="0">
+                <a:path w="21600" h="21600" extrusionOk="0">
                   <a:moveTo>
                     <a:pt x="0" y="0"/>
                   </a:moveTo>
@@ -4267,6 +4386,7 @@
                   <a:sym typeface="Trebuchet MS"/>
                 </a:defRPr>
               </a:pPr>
+              <a:endParaRPr/>
             </a:p>
           </p:txBody>
         </p:sp>
@@ -4301,7 +4421,7 @@
               </a:cxnLst>
               <a:rect l="0" t="0" r="r" b="b"/>
               <a:pathLst>
-                <a:path w="21600" h="21600" fill="norm" stroke="1" extrusionOk="0">
+                <a:path w="21600" h="21600" extrusionOk="0">
                   <a:moveTo>
                     <a:pt x="17073" y="0"/>
                   </a:moveTo>
@@ -4346,6 +4466,7 @@
                   <a:sym typeface="Trebuchet MS"/>
                 </a:defRPr>
               </a:pPr>
+              <a:endParaRPr/>
             </a:p>
           </p:txBody>
         </p:sp>
@@ -4380,7 +4501,7 @@
               </a:cxnLst>
               <a:rect l="0" t="0" r="r" b="b"/>
               <a:pathLst>
-                <a:path w="21600" h="21600" fill="norm" stroke="1" extrusionOk="0">
+                <a:path w="21600" h="21600" extrusionOk="0">
                   <a:moveTo>
                     <a:pt x="0" y="0"/>
                   </a:moveTo>
@@ -4425,6 +4546,7 @@
                   <a:sym typeface="Trebuchet MS"/>
                 </a:defRPr>
               </a:pPr>
+              <a:endParaRPr/>
             </a:p>
           </p:txBody>
         </p:sp>
@@ -4459,7 +4581,7 @@
               </a:cxnLst>
               <a:rect l="0" t="0" r="r" b="b"/>
               <a:pathLst>
-                <a:path w="21600" h="21600" fill="norm" stroke="1" extrusionOk="0">
+                <a:path w="21600" h="21600" extrusionOk="0">
                   <a:moveTo>
                     <a:pt x="0" y="21600"/>
                   </a:moveTo>
@@ -4498,6 +4620,7 @@
                   <a:sym typeface="Trebuchet MS"/>
                 </a:defRPr>
               </a:pPr>
+              <a:endParaRPr/>
             </a:p>
           </p:txBody>
         </p:sp>
@@ -4532,7 +4655,7 @@
               </a:cxnLst>
               <a:rect l="0" t="0" r="r" b="b"/>
               <a:pathLst>
-                <a:path w="21600" h="21600" fill="norm" stroke="1" extrusionOk="0">
+                <a:path w="21600" h="21600" extrusionOk="0">
                   <a:moveTo>
                     <a:pt x="0" y="21600"/>
                   </a:moveTo>
@@ -4571,6 +4694,7 @@
                   <a:sym typeface="Trebuchet MS"/>
                 </a:defRPr>
               </a:pPr>
+              <a:endParaRPr/>
             </a:p>
           </p:txBody>
         </p:sp>
@@ -4578,7 +4702,9 @@
       <p:sp>
         <p:nvSpPr>
           <p:cNvPr id="13" name="标题文本"/>
-          <p:cNvSpPr txBox="1"/>
+          <p:cNvSpPr txBox="1">
+            <a:spLocks noGrp="1"/>
+          </p:cNvSpPr>
           <p:nvPr>
             <p:ph type="title"/>
           </p:nvPr>
@@ -4602,11 +4728,10 @@
         </p:spPr>
         <p:txBody>
           <a:bodyPr lIns="45718" tIns="45718" rIns="45718" bIns="45718">
-            <a:normAutofit fontScale="100000" lnSpcReduction="0"/>
+            <a:normAutofit/>
           </a:bodyPr>
           <a:lstStyle/>
           <a:p>
-            <a:pPr/>
             <a:r>
               <a:t>标题文本</a:t>
             </a:r>
@@ -4616,7 +4741,9 @@
       <p:sp>
         <p:nvSpPr>
           <p:cNvPr id="14" name="正文级别 1…"/>
-          <p:cNvSpPr txBox="1"/>
+          <p:cNvSpPr txBox="1">
+            <a:spLocks noGrp="1"/>
+          </p:cNvSpPr>
           <p:nvPr>
             <p:ph type="body" idx="1"/>
           </p:nvPr>
@@ -4640,11 +4767,10 @@
         </p:spPr>
         <p:txBody>
           <a:bodyPr lIns="45718" tIns="45718" rIns="45718" bIns="45718">
-            <a:normAutofit fontScale="100000" lnSpcReduction="0"/>
+            <a:normAutofit/>
           </a:bodyPr>
           <a:lstStyle/>
           <a:p>
-            <a:pPr/>
             <a:r>
               <a:t>正文级别 1</a:t>
             </a:r>
@@ -4678,7 +4804,9 @@
       <p:sp>
         <p:nvSpPr>
           <p:cNvPr id="15" name="幻灯片编号"/>
-          <p:cNvSpPr txBox="1"/>
+          <p:cNvSpPr txBox="1">
+            <a:spLocks noGrp="1"/>
+          </p:cNvSpPr>
           <p:nvPr>
             <p:ph type="sldNum" sz="quarter" idx="2"/>
           </p:nvPr>
@@ -4713,8 +4841,10 @@
             </a:lvl1pPr>
           </a:lstStyle>
           <a:p>
-            <a:pPr/>
-            <a:fld id="{86CB4B4D-7CA3-9044-876B-883B54F8677D}" type="slidenum"/>
+            <a:fld id="{86CB4B4D-7CA3-9044-876B-883B54F8677D}" type="slidenum">
+              <a:t>‹#›</a:t>
+            </a:fld>
+            <a:endParaRPr/>
           </a:p>
         </p:txBody>
       </p:sp>
@@ -4722,24 +4852,24 @@
   </p:cSld>
   <p:clrMap bg1="lt1" tx1="dk1" bg2="lt2" tx2="dk2" accent1="accent1" accent2="accent2" accent3="accent3" accent4="accent4" accent5="accent5" accent6="accent6" hlink="hlink" folHlink="folHlink"/>
   <p:sldLayoutIdLst>
-    <p:sldLayoutId id="2147483649" r:id="rId2"/>
-    <p:sldLayoutId id="2147483650" r:id="rId3"/>
-    <p:sldLayoutId id="2147483651" r:id="rId4"/>
-    <p:sldLayoutId id="2147483652" r:id="rId5"/>
-    <p:sldLayoutId id="2147483653" r:id="rId6"/>
-    <p:sldLayoutId id="2147483654" r:id="rId7"/>
-    <p:sldLayoutId id="2147483655" r:id="rId8"/>
-    <p:sldLayoutId id="2147483656" r:id="rId9"/>
-    <p:sldLayoutId id="2147483657" r:id="rId10"/>
-    <p:sldLayoutId id="2147483658" r:id="rId11"/>
-    <p:sldLayoutId id="2147483659" r:id="rId12"/>
-    <p:sldLayoutId id="2147483660" r:id="rId13"/>
-    <p:sldLayoutId id="2147483661" r:id="rId14"/>
-    <p:sldLayoutId id="2147483662" r:id="rId15"/>
-    <p:sldLayoutId id="2147483663" r:id="rId16"/>
-    <p:sldLayoutId id="2147483664" r:id="rId17"/>
+    <p:sldLayoutId id="2147483649" r:id="rId1"/>
+    <p:sldLayoutId id="2147483650" r:id="rId2"/>
+    <p:sldLayoutId id="2147483651" r:id="rId3"/>
+    <p:sldLayoutId id="2147483652" r:id="rId4"/>
+    <p:sldLayoutId id="2147483653" r:id="rId5"/>
+    <p:sldLayoutId id="2147483654" r:id="rId6"/>
+    <p:sldLayoutId id="2147483655" r:id="rId7"/>
+    <p:sldLayoutId id="2147483656" r:id="rId8"/>
+    <p:sldLayoutId id="2147483657" r:id="rId9"/>
+    <p:sldLayoutId id="2147483658" r:id="rId10"/>
+    <p:sldLayoutId id="2147483659" r:id="rId11"/>
+    <p:sldLayoutId id="2147483660" r:id="rId12"/>
+    <p:sldLayoutId id="2147483661" r:id="rId13"/>
+    <p:sldLayoutId id="2147483662" r:id="rId14"/>
+    <p:sldLayoutId id="2147483663" r:id="rId15"/>
+    <p:sldLayoutId id="2147483664" r:id="rId16"/>
   </p:sldLayoutIdLst>
-  <p:transition xmlns:p14="http://schemas.microsoft.com/office/powerpoint/2010/main" spd="med" advClick="1"/>
+  <p:transition spd="med"/>
   <p:txStyles>
     <p:titleStyle>
       <a:lvl1pPr marL="0" marR="0" indent="0" algn="l" defTabSz="457200" rtl="0" latinLnBrk="0">
@@ -4757,7 +4887,7 @@
         <a:buFontTx/>
         <a:buNone/>
         <a:tabLst/>
-        <a:defRPr b="0" baseline="0" cap="none" i="0" spc="0" strike="noStrike" sz="3600" u="none">
+        <a:defRPr sz="3600" b="0" i="0" u="none" strike="noStrike" cap="none" spc="0" baseline="0">
           <a:ln>
             <a:noFill/>
           </a:ln>
@@ -4786,7 +4916,7 @@
         <a:buFontTx/>
         <a:buNone/>
         <a:tabLst/>
-        <a:defRPr b="0" baseline="0" cap="none" i="0" spc="0" strike="noStrike" sz="3600" u="none">
+        <a:defRPr sz="3600" b="0" i="0" u="none" strike="noStrike" cap="none" spc="0" baseline="0">
           <a:ln>
             <a:noFill/>
           </a:ln>
@@ -4815,7 +4945,7 @@
         <a:buFontTx/>
         <a:buNone/>
         <a:tabLst/>
-        <a:defRPr b="0" baseline="0" cap="none" i="0" spc="0" strike="noStrike" sz="3600" u="none">
+        <a:defRPr sz="3600" b="0" i="0" u="none" strike="noStrike" cap="none" spc="0" baseline="0">
           <a:ln>
             <a:noFill/>
           </a:ln>
@@ -4844,7 +4974,7 @@
         <a:buFontTx/>
         <a:buNone/>
         <a:tabLst/>
-        <a:defRPr b="0" baseline="0" cap="none" i="0" spc="0" strike="noStrike" sz="3600" u="none">
+        <a:defRPr sz="3600" b="0" i="0" u="none" strike="noStrike" cap="none" spc="0" baseline="0">
           <a:ln>
             <a:noFill/>
           </a:ln>
@@ -4873,7 +5003,7 @@
         <a:buFontTx/>
         <a:buNone/>
         <a:tabLst/>
-        <a:defRPr b="0" baseline="0" cap="none" i="0" spc="0" strike="noStrike" sz="3600" u="none">
+        <a:defRPr sz="3600" b="0" i="0" u="none" strike="noStrike" cap="none" spc="0" baseline="0">
           <a:ln>
             <a:noFill/>
           </a:ln>
@@ -4902,7 +5032,7 @@
         <a:buFontTx/>
         <a:buNone/>
         <a:tabLst/>
-        <a:defRPr b="0" baseline="0" cap="none" i="0" spc="0" strike="noStrike" sz="3600" u="none">
+        <a:defRPr sz="3600" b="0" i="0" u="none" strike="noStrike" cap="none" spc="0" baseline="0">
           <a:ln>
             <a:noFill/>
           </a:ln>
@@ -4931,7 +5061,7 @@
         <a:buFontTx/>
         <a:buNone/>
         <a:tabLst/>
-        <a:defRPr b="0" baseline="0" cap="none" i="0" spc="0" strike="noStrike" sz="3600" u="none">
+        <a:defRPr sz="3600" b="0" i="0" u="none" strike="noStrike" cap="none" spc="0" baseline="0">
           <a:ln>
             <a:noFill/>
           </a:ln>
@@ -4960,7 +5090,7 @@
         <a:buFontTx/>
         <a:buNone/>
         <a:tabLst/>
-        <a:defRPr b="0" baseline="0" cap="none" i="0" spc="0" strike="noStrike" sz="3600" u="none">
+        <a:defRPr sz="3600" b="0" i="0" u="none" strike="noStrike" cap="none" spc="0" baseline="0">
           <a:ln>
             <a:noFill/>
           </a:ln>
@@ -4989,7 +5119,7 @@
         <a:buFontTx/>
         <a:buNone/>
         <a:tabLst/>
-        <a:defRPr b="0" baseline="0" cap="none" i="0" spc="0" strike="noStrike" sz="3600" u="none">
+        <a:defRPr sz="3600" b="0" i="0" u="none" strike="noStrike" cap="none" spc="0" baseline="0">
           <a:ln>
             <a:noFill/>
           </a:ln>
@@ -5022,7 +5152,7 @@
         <a:buFont typeface="Trebuchet MS"/>
         <a:buChar char="u"/>
         <a:tabLst/>
-        <a:defRPr b="0" baseline="0" cap="none" i="0" spc="0" strike="noStrike" sz="1800" u="none">
+        <a:defRPr sz="1800" b="0" i="0" u="none" strike="noStrike" cap="none" spc="0" baseline="0">
           <a:ln>
             <a:noFill/>
           </a:ln>
@@ -5053,7 +5183,7 @@
         <a:buFont typeface="Trebuchet MS"/>
         <a:buChar char="u"/>
         <a:tabLst/>
-        <a:defRPr b="0" baseline="0" cap="none" i="0" spc="0" strike="noStrike" sz="1800" u="none">
+        <a:defRPr sz="1800" b="0" i="0" u="none" strike="noStrike" cap="none" spc="0" baseline="0">
           <a:ln>
             <a:noFill/>
           </a:ln>
@@ -5084,7 +5214,7 @@
         <a:buFont typeface="Trebuchet MS"/>
         <a:buChar char="u"/>
         <a:tabLst/>
-        <a:defRPr b="0" baseline="0" cap="none" i="0" spc="0" strike="noStrike" sz="1800" u="none">
+        <a:defRPr sz="1800" b="0" i="0" u="none" strike="noStrike" cap="none" spc="0" baseline="0">
           <a:ln>
             <a:noFill/>
           </a:ln>
@@ -5115,7 +5245,7 @@
         <a:buFont typeface="Trebuchet MS"/>
         <a:buChar char="u"/>
         <a:tabLst/>
-        <a:defRPr b="0" baseline="0" cap="none" i="0" spc="0" strike="noStrike" sz="1800" u="none">
+        <a:defRPr sz="1800" b="0" i="0" u="none" strike="noStrike" cap="none" spc="0" baseline="0">
           <a:ln>
             <a:noFill/>
           </a:ln>
@@ -5146,7 +5276,7 @@
         <a:buFont typeface="Trebuchet MS"/>
         <a:buChar char="u"/>
         <a:tabLst/>
-        <a:defRPr b="0" baseline="0" cap="none" i="0" spc="0" strike="noStrike" sz="1800" u="none">
+        <a:defRPr sz="1800" b="0" i="0" u="none" strike="noStrike" cap="none" spc="0" baseline="0">
           <a:ln>
             <a:noFill/>
           </a:ln>
@@ -5177,7 +5307,7 @@
         <a:buFont typeface="Trebuchet MS"/>
         <a:buChar char="u"/>
         <a:tabLst/>
-        <a:defRPr b="0" baseline="0" cap="none" i="0" spc="0" strike="noStrike" sz="1800" u="none">
+        <a:defRPr sz="1800" b="0" i="0" u="none" strike="noStrike" cap="none" spc="0" baseline="0">
           <a:ln>
             <a:noFill/>
           </a:ln>
@@ -5208,7 +5338,7 @@
         <a:buFont typeface="Trebuchet MS"/>
         <a:buChar char="u"/>
         <a:tabLst/>
-        <a:defRPr b="0" baseline="0" cap="none" i="0" spc="0" strike="noStrike" sz="1800" u="none">
+        <a:defRPr sz="1800" b="0" i="0" u="none" strike="noStrike" cap="none" spc="0" baseline="0">
           <a:ln>
             <a:noFill/>
           </a:ln>
@@ -5239,7 +5369,7 @@
         <a:buFont typeface="Trebuchet MS"/>
         <a:buChar char="u"/>
         <a:tabLst/>
-        <a:defRPr b="0" baseline="0" cap="none" i="0" spc="0" strike="noStrike" sz="1800" u="none">
+        <a:defRPr sz="1800" b="0" i="0" u="none" strike="noStrike" cap="none" spc="0" baseline="0">
           <a:ln>
             <a:noFill/>
           </a:ln>
@@ -5270,7 +5400,7 @@
         <a:buFont typeface="Trebuchet MS"/>
         <a:buChar char="u"/>
         <a:tabLst/>
-        <a:defRPr b="0" baseline="0" cap="none" i="0" spc="0" strike="noStrike" sz="1800" u="none">
+        <a:defRPr sz="1800" b="0" i="0" u="none" strike="noStrike" cap="none" spc="0" baseline="0">
           <a:ln>
             <a:noFill/>
           </a:ln>
@@ -5301,7 +5431,7 @@
         <a:buFontTx/>
         <a:buNone/>
         <a:tabLst/>
-        <a:defRPr b="0" baseline="0" cap="none" i="0" spc="0" strike="noStrike" sz="900" u="none">
+        <a:defRPr sz="900" b="0" i="0" u="none" strike="noStrike" cap="none" spc="0" baseline="0">
           <a:ln>
             <a:noFill/>
           </a:ln>
@@ -5330,7 +5460,7 @@
         <a:buFontTx/>
         <a:buNone/>
         <a:tabLst/>
-        <a:defRPr b="0" baseline="0" cap="none" i="0" spc="0" strike="noStrike" sz="900" u="none">
+        <a:defRPr sz="900" b="0" i="0" u="none" strike="noStrike" cap="none" spc="0" baseline="0">
           <a:ln>
             <a:noFill/>
           </a:ln>
@@ -5359,7 +5489,7 @@
         <a:buFontTx/>
         <a:buNone/>
         <a:tabLst/>
-        <a:defRPr b="0" baseline="0" cap="none" i="0" spc="0" strike="noStrike" sz="900" u="none">
+        <a:defRPr sz="900" b="0" i="0" u="none" strike="noStrike" cap="none" spc="0" baseline="0">
           <a:ln>
             <a:noFill/>
           </a:ln>
@@ -5388,7 +5518,7 @@
         <a:buFontTx/>
         <a:buNone/>
         <a:tabLst/>
-        <a:defRPr b="0" baseline="0" cap="none" i="0" spc="0" strike="noStrike" sz="900" u="none">
+        <a:defRPr sz="900" b="0" i="0" u="none" strike="noStrike" cap="none" spc="0" baseline="0">
           <a:ln>
             <a:noFill/>
           </a:ln>
@@ -5417,7 +5547,7 @@
         <a:buFontTx/>
         <a:buNone/>
         <a:tabLst/>
-        <a:defRPr b="0" baseline="0" cap="none" i="0" spc="0" strike="noStrike" sz="900" u="none">
+        <a:defRPr sz="900" b="0" i="0" u="none" strike="noStrike" cap="none" spc="0" baseline="0">
           <a:ln>
             <a:noFill/>
           </a:ln>
@@ -5446,7 +5576,7 @@
         <a:buFontTx/>
         <a:buNone/>
         <a:tabLst/>
-        <a:defRPr b="0" baseline="0" cap="none" i="0" spc="0" strike="noStrike" sz="900" u="none">
+        <a:defRPr sz="900" b="0" i="0" u="none" strike="noStrike" cap="none" spc="0" baseline="0">
           <a:ln>
             <a:noFill/>
           </a:ln>
@@ -5475,7 +5605,7 @@
         <a:buFontTx/>
         <a:buNone/>
         <a:tabLst/>
-        <a:defRPr b="0" baseline="0" cap="none" i="0" spc="0" strike="noStrike" sz="900" u="none">
+        <a:defRPr sz="900" b="0" i="0" u="none" strike="noStrike" cap="none" spc="0" baseline="0">
           <a:ln>
             <a:noFill/>
           </a:ln>
@@ -5504,7 +5634,7 @@
         <a:buFontTx/>
         <a:buNone/>
         <a:tabLst/>
-        <a:defRPr b="0" baseline="0" cap="none" i="0" spc="0" strike="noStrike" sz="900" u="none">
+        <a:defRPr sz="900" b="0" i="0" u="none" strike="noStrike" cap="none" spc="0" baseline="0">
           <a:ln>
             <a:noFill/>
           </a:ln>
@@ -5533,7 +5663,7 @@
         <a:buFontTx/>
         <a:buNone/>
         <a:tabLst/>
-        <a:defRPr b="0" baseline="0" cap="none" i="0" spc="0" strike="noStrike" sz="900" u="none">
+        <a:defRPr sz="900" b="0" i="0" u="none" strike="noStrike" cap="none" spc="0" baseline="0">
           <a:ln>
             <a:noFill/>
           </a:ln>
@@ -5553,7 +5683,7 @@
 </file>
 
 <file path=ppt/slides/slide1.xml><?xml version="1.0" encoding="utf-8"?>
-<p:sld xmlns:a="http://schemas.openxmlformats.org/drawingml/2006/main" xmlns:r="http://schemas.openxmlformats.org/officeDocument/2006/relationships" xmlns:p="http://schemas.openxmlformats.org/presentationml/2006/main" showMasterSp="1" showMasterPhAnim="1">
+<p:sld xmlns:a="http://schemas.openxmlformats.org/drawingml/2006/main" xmlns:r="http://schemas.openxmlformats.org/officeDocument/2006/relationships" xmlns:p="http://schemas.openxmlformats.org/presentationml/2006/main">
   <p:cSld>
     <p:spTree>
       <p:nvGrpSpPr>
@@ -5572,7 +5702,9 @@
       <p:sp>
         <p:nvSpPr>
           <p:cNvPr id="186" name="标题 1"/>
-          <p:cNvSpPr txBox="1"/>
+          <p:cNvSpPr txBox="1">
+            <a:spLocks noGrp="1"/>
+          </p:cNvSpPr>
           <p:nvPr>
             <p:ph type="ctrTitle"/>
           </p:nvPr>
@@ -5590,7 +5722,6 @@
           <a:bodyPr/>
           <a:lstStyle/>
           <a:p>
-            <a:pPr/>
             <a:r>
               <a:t>ZEPTO</a:t>
             </a:r>
@@ -5600,7 +5731,9 @@
       <p:sp>
         <p:nvSpPr>
           <p:cNvPr id="187" name="副标题 2"/>
-          <p:cNvSpPr txBox="1"/>
+          <p:cNvSpPr txBox="1">
+            <a:spLocks noGrp="1"/>
+          </p:cNvSpPr>
           <p:nvPr>
             <p:ph type="subTitle" sz="quarter" idx="1"/>
           </p:nvPr>
@@ -5618,7 +5751,7 @@
           <a:bodyPr/>
           <a:lstStyle/>
           <a:p>
-            <a:pPr/>
+            <a:endParaRPr/>
           </a:p>
         </p:txBody>
       </p:sp>
@@ -5627,12 +5760,12 @@
   <p:clrMapOvr>
     <a:masterClrMapping/>
   </p:clrMapOvr>
-  <p:transition xmlns:p14="http://schemas.microsoft.com/office/powerpoint/2010/main" spd="med" advClick="1"/>
+  <p:transition spd="med"/>
 </p:sld>
 </file>
 
 <file path=ppt/slides/slide10.xml><?xml version="1.0" encoding="utf-8"?>
-<p:sld xmlns:a="http://schemas.openxmlformats.org/drawingml/2006/main" xmlns:r="http://schemas.openxmlformats.org/officeDocument/2006/relationships" xmlns:p="http://schemas.openxmlformats.org/presentationml/2006/main" showMasterSp="1" showMasterPhAnim="1">
+<p:sld xmlns:a="http://schemas.openxmlformats.org/drawingml/2006/main" xmlns:r="http://schemas.openxmlformats.org/officeDocument/2006/relationships" xmlns:p="http://schemas.openxmlformats.org/presentationml/2006/main">
   <p:cSld>
     <p:spTree>
       <p:nvGrpSpPr>
@@ -5651,7 +5784,9 @@
       <p:sp>
         <p:nvSpPr>
           <p:cNvPr id="213" name="标题 1"/>
-          <p:cNvSpPr txBox="1"/>
+          <p:cNvSpPr txBox="1">
+            <a:spLocks noGrp="1"/>
+          </p:cNvSpPr>
           <p:nvPr>
             <p:ph type="title"/>
           </p:nvPr>
@@ -5678,7 +5813,6 @@
             </a:lvl1pPr>
           </a:lstStyle>
           <a:p>
-            <a:pPr/>
             <a:r>
               <a:t>整体结构和机制</a:t>
             </a:r>
@@ -5688,7 +5822,9 @@
       <p:sp>
         <p:nvSpPr>
           <p:cNvPr id="214" name="1.利用原型链实现方法的继承…"/>
-          <p:cNvSpPr txBox="1"/>
+          <p:cNvSpPr txBox="1">
+            <a:spLocks noGrp="1"/>
+          </p:cNvSpPr>
           <p:nvPr>
             <p:ph type="body" idx="1"/>
           </p:nvPr>
@@ -5760,12 +5896,12 @@
   <p:clrMapOvr>
     <a:masterClrMapping/>
   </p:clrMapOvr>
-  <p:transition xmlns:p14="http://schemas.microsoft.com/office/powerpoint/2010/main" spd="med" advClick="1"/>
+  <p:transition spd="med"/>
 </p:sld>
 </file>
 
 <file path=ppt/slides/slide11.xml><?xml version="1.0" encoding="utf-8"?>
-<p:sld xmlns:a="http://schemas.openxmlformats.org/drawingml/2006/main" xmlns:r="http://schemas.openxmlformats.org/officeDocument/2006/relationships" xmlns:p="http://schemas.openxmlformats.org/presentationml/2006/main" showMasterSp="1" showMasterPhAnim="1">
+<p:sld xmlns:a="http://schemas.openxmlformats.org/drawingml/2006/main" xmlns:r="http://schemas.openxmlformats.org/officeDocument/2006/relationships" xmlns:p="http://schemas.openxmlformats.org/presentationml/2006/main">
   <p:cSld>
     <p:spTree>
       <p:nvGrpSpPr>
@@ -5784,7 +5920,9 @@
       <p:sp>
         <p:nvSpPr>
           <p:cNvPr id="216" name="标题 1"/>
-          <p:cNvSpPr txBox="1"/>
+          <p:cNvSpPr txBox="1">
+            <a:spLocks noGrp="1"/>
+          </p:cNvSpPr>
           <p:nvPr>
             <p:ph type="title"/>
           </p:nvPr>
@@ -5811,7 +5949,6 @@
             </a:lvl1pPr>
           </a:lstStyle>
           <a:p>
-            <a:pPr/>
             <a:r>
               <a:t>zepto源码中的技巧-例子1 each函数的使用</a:t>
             </a:r>
@@ -5821,7 +5958,9 @@
       <p:sp>
         <p:nvSpPr>
           <p:cNvPr id="217" name="zepto.js文件中被使用最多的一个方法就是 this.each (26)…"/>
-          <p:cNvSpPr txBox="1"/>
+          <p:cNvSpPr txBox="1">
+            <a:spLocks noGrp="1"/>
+          </p:cNvSpPr>
           <p:nvPr>
             <p:ph type="body" idx="1"/>
           </p:nvPr>
@@ -5836,7 +5975,9 @@
           </a:prstGeom>
         </p:spPr>
         <p:txBody>
-          <a:bodyPr/>
+          <a:bodyPr>
+            <a:normAutofit fontScale="25000" lnSpcReduction="20000"/>
+          </a:bodyPr>
           <a:lstStyle/>
           <a:p>
             <a:pPr marL="0" indent="0">
@@ -5882,6 +6023,7 @@
                 <a:sym typeface="PingFang SC Regular"/>
               </a:defRPr>
             </a:pPr>
+            <a:endParaRPr/>
           </a:p>
           <a:p>
             <a:pPr marL="0" indent="0">
@@ -5927,6 +6069,7 @@
                 <a:sym typeface="PingFang SC Regular"/>
               </a:defRPr>
             </a:pPr>
+            <a:endParaRPr/>
           </a:p>
           <a:p>
             <a:pPr marL="0" indent="0">
@@ -6079,12 +6222,12 @@
   <p:clrMapOvr>
     <a:masterClrMapping/>
   </p:clrMapOvr>
-  <p:transition xmlns:p14="http://schemas.microsoft.com/office/powerpoint/2010/main" spd="med" advClick="1"/>
+  <p:transition spd="med"/>
 </p:sld>
 </file>
 
 <file path=ppt/slides/slide12.xml><?xml version="1.0" encoding="utf-8"?>
-<p:sld xmlns:a="http://schemas.openxmlformats.org/drawingml/2006/main" xmlns:r="http://schemas.openxmlformats.org/officeDocument/2006/relationships" xmlns:p="http://schemas.openxmlformats.org/presentationml/2006/main" showMasterSp="1" showMasterPhAnim="1">
+<p:sld xmlns:a="http://schemas.openxmlformats.org/drawingml/2006/main" xmlns:r="http://schemas.openxmlformats.org/officeDocument/2006/relationships" xmlns:p="http://schemas.openxmlformats.org/presentationml/2006/main">
   <p:cSld>
     <p:spTree>
       <p:nvGrpSpPr>
@@ -6103,7 +6246,9 @@
       <p:sp>
         <p:nvSpPr>
           <p:cNvPr id="219" name="标题 1"/>
-          <p:cNvSpPr txBox="1"/>
+          <p:cNvSpPr txBox="1">
+            <a:spLocks noGrp="1"/>
+          </p:cNvSpPr>
           <p:nvPr>
             <p:ph type="title"/>
           </p:nvPr>
@@ -6130,7 +6275,6 @@
             </a:lvl1pPr>
           </a:lstStyle>
           <a:p>
-            <a:pPr/>
             <a:r>
               <a:t>zepto源码中的技巧-例子1 each函数的使用</a:t>
             </a:r>
@@ -6140,7 +6284,9 @@
       <p:sp>
         <p:nvSpPr>
           <p:cNvPr id="220" name="this是什么？…"/>
-          <p:cNvSpPr txBox="1"/>
+          <p:cNvSpPr txBox="1">
+            <a:spLocks noGrp="1"/>
+          </p:cNvSpPr>
           <p:nvPr>
             <p:ph type="body" idx="1"/>
           </p:nvPr>
@@ -6155,7 +6301,9 @@
           </a:prstGeom>
         </p:spPr>
         <p:txBody>
-          <a:bodyPr/>
+          <a:bodyPr>
+            <a:normAutofit fontScale="25000" lnSpcReduction="20000"/>
+          </a:bodyPr>
           <a:lstStyle/>
           <a:p>
             <a:pPr marL="0" indent="0">
@@ -6225,6 +6373,7 @@
                 <a:sym typeface="PingFang SC Regular"/>
               </a:defRPr>
             </a:pPr>
+            <a:endParaRPr/>
           </a:p>
           <a:p>
             <a:pPr marL="0" indent="0">
@@ -6377,12 +6526,12 @@
   <p:clrMapOvr>
     <a:masterClrMapping/>
   </p:clrMapOvr>
-  <p:transition xmlns:p14="http://schemas.microsoft.com/office/powerpoint/2010/main" spd="med" advClick="1"/>
+  <p:transition spd="med"/>
 </p:sld>
 </file>
 
 <file path=ppt/slides/slide13.xml><?xml version="1.0" encoding="utf-8"?>
-<p:sld xmlns:a="http://schemas.openxmlformats.org/drawingml/2006/main" xmlns:r="http://schemas.openxmlformats.org/officeDocument/2006/relationships" xmlns:p="http://schemas.openxmlformats.org/presentationml/2006/main" showMasterSp="1" showMasterPhAnim="1">
+<p:sld xmlns:a="http://schemas.openxmlformats.org/drawingml/2006/main" xmlns:r="http://schemas.openxmlformats.org/officeDocument/2006/relationships" xmlns:p="http://schemas.openxmlformats.org/presentationml/2006/main">
   <p:cSld>
     <p:spTree>
       <p:nvGrpSpPr>
@@ -6401,7 +6550,9 @@
       <p:sp>
         <p:nvSpPr>
           <p:cNvPr id="222" name="标题 1"/>
-          <p:cNvSpPr txBox="1"/>
+          <p:cNvSpPr txBox="1">
+            <a:spLocks noGrp="1"/>
+          </p:cNvSpPr>
           <p:nvPr>
             <p:ph type="title"/>
           </p:nvPr>
@@ -6428,7 +6579,6 @@
             </a:lvl1pPr>
           </a:lstStyle>
           <a:p>
-            <a:pPr/>
             <a:r>
               <a:t>zepto源码中的技巧-例子1 each函数的使用</a:t>
             </a:r>
@@ -6438,7 +6588,9 @@
       <p:sp>
         <p:nvSpPr>
           <p:cNvPr id="223" name="Z函数做了两件事…"/>
-          <p:cNvSpPr txBox="1"/>
+          <p:cNvSpPr txBox="1">
+            <a:spLocks noGrp="1"/>
+          </p:cNvSpPr>
           <p:nvPr>
             <p:ph type="body" idx="1"/>
           </p:nvPr>
@@ -6499,6 +6651,7 @@
                 <a:sym typeface="PingFang SC Regular"/>
               </a:defRPr>
             </a:pPr>
+            <a:endParaRPr/>
           </a:p>
           <a:p>
             <a:pPr marL="0" indent="0">
@@ -6568,6 +6721,7 @@
                 <a:sym typeface="PingFang SC Regular"/>
               </a:defRPr>
             </a:pPr>
+            <a:endParaRPr/>
           </a:p>
           <a:p>
             <a:pPr marL="0" indent="0">
@@ -6600,12 +6754,12 @@
   <p:clrMapOvr>
     <a:masterClrMapping/>
   </p:clrMapOvr>
-  <p:transition xmlns:p14="http://schemas.microsoft.com/office/powerpoint/2010/main" spd="med" advClick="1"/>
+  <p:transition spd="med"/>
 </p:sld>
 </file>
 
 <file path=ppt/slides/slide14.xml><?xml version="1.0" encoding="utf-8"?>
-<p:sld xmlns:a="http://schemas.openxmlformats.org/drawingml/2006/main" xmlns:r="http://schemas.openxmlformats.org/officeDocument/2006/relationships" xmlns:p="http://schemas.openxmlformats.org/presentationml/2006/main" showMasterSp="1" showMasterPhAnim="1">
+<p:sld xmlns:a="http://schemas.openxmlformats.org/drawingml/2006/main" xmlns:r="http://schemas.openxmlformats.org/officeDocument/2006/relationships" xmlns:p="http://schemas.openxmlformats.org/presentationml/2006/main">
   <p:cSld>
     <p:spTree>
       <p:nvGrpSpPr>
@@ -6624,7 +6778,9 @@
       <p:sp>
         <p:nvSpPr>
           <p:cNvPr id="225" name="标题 1"/>
-          <p:cNvSpPr txBox="1"/>
+          <p:cNvSpPr txBox="1">
+            <a:spLocks noGrp="1"/>
+          </p:cNvSpPr>
           <p:nvPr>
             <p:ph type="title"/>
           </p:nvPr>
@@ -6651,7 +6807,6 @@
             </a:lvl1pPr>
           </a:lstStyle>
           <a:p>
-            <a:pPr/>
             <a:r>
               <a:t>zepto源码中的技巧-例子1 each函数的使用</a:t>
             </a:r>
@@ -6661,7 +6816,9 @@
       <p:sp>
         <p:nvSpPr>
           <p:cNvPr id="226" name="内容占位符 2"/>
-          <p:cNvSpPr txBox="1"/>
+          <p:cNvSpPr txBox="1">
+            <a:spLocks noGrp="1"/>
+          </p:cNvSpPr>
           <p:nvPr>
             <p:ph type="body" idx="1"/>
           </p:nvPr>
@@ -6698,6 +6855,7 @@
                 <a:sym typeface="PingFang SC Regular"/>
               </a:defRPr>
             </a:pPr>
+            <a:endParaRPr/>
           </a:p>
           <a:p>
             <a:pPr marL="0" indent="0">
@@ -6743,6 +6901,7 @@
                 <a:sym typeface="PingFang SC Regular"/>
               </a:defRPr>
             </a:pPr>
+            <a:endParaRPr/>
           </a:p>
           <a:p>
             <a:pPr marL="0" indent="0">
@@ -6775,12 +6934,12 @@
   <p:clrMapOvr>
     <a:masterClrMapping/>
   </p:clrMapOvr>
-  <p:transition xmlns:p14="http://schemas.microsoft.com/office/powerpoint/2010/main" spd="med" advClick="1"/>
+  <p:transition spd="med"/>
 </p:sld>
 </file>
 
 <file path=ppt/slides/slide15.xml><?xml version="1.0" encoding="utf-8"?>
-<p:sld xmlns:a="http://schemas.openxmlformats.org/drawingml/2006/main" xmlns:r="http://schemas.openxmlformats.org/officeDocument/2006/relationships" xmlns:p="http://schemas.openxmlformats.org/presentationml/2006/main" showMasterSp="1" showMasterPhAnim="1">
+<p:sld xmlns:a="http://schemas.openxmlformats.org/drawingml/2006/main" xmlns:r="http://schemas.openxmlformats.org/officeDocument/2006/relationships" xmlns:p="http://schemas.openxmlformats.org/presentationml/2006/main">
   <p:cSld>
     <p:spTree>
       <p:nvGrpSpPr>
@@ -6799,7 +6958,9 @@
       <p:sp>
         <p:nvSpPr>
           <p:cNvPr id="228" name="标题 1"/>
-          <p:cNvSpPr txBox="1"/>
+          <p:cNvSpPr txBox="1">
+            <a:spLocks noGrp="1"/>
+          </p:cNvSpPr>
           <p:nvPr>
             <p:ph type="title"/>
           </p:nvPr>
@@ -6826,7 +6987,6 @@
             </a:lvl1pPr>
           </a:lstStyle>
           <a:p>
-            <a:pPr/>
             <a:r>
               <a:t>zepto源码中的技巧-例子2 不等比较的使用</a:t>
             </a:r>
@@ -6836,7 +6996,9 @@
       <p:sp>
         <p:nvSpPr>
           <p:cNvPr id="229" name="内容占位符 2"/>
-          <p:cNvSpPr txBox="1"/>
+          <p:cNvSpPr txBox="1">
+            <a:spLocks noGrp="1"/>
+          </p:cNvSpPr>
           <p:nvPr>
             <p:ph type="body" idx="1"/>
           </p:nvPr>
@@ -6857,7 +7019,7 @@
             <a:pPr marL="0" indent="0">
               <a:buSzTx/>
               <a:buNone/>
-              <a:defRPr b="1" sz="2400"/>
+              <a:defRPr sz="2400" b="1"/>
             </a:pPr>
             <a:r>
               <a:t>!=</a:t>
@@ -6893,7 +7055,7 @@
             <a:pPr marL="0" indent="0">
               <a:buSzTx/>
               <a:buNone/>
-              <a:defRPr b="1" sz="2400"/>
+              <a:defRPr sz="2400" b="1"/>
             </a:pPr>
             <a:r>
               <a:t>!==</a:t>
@@ -6945,6 +7107,7 @@
                 <a:sym typeface="PingFang SC Regular"/>
               </a:defRPr>
             </a:pPr>
+            <a:endParaRPr/>
           </a:p>
           <a:p>
             <a:pPr marL="0" indent="0">
@@ -6977,12 +7140,12 @@
   <p:clrMapOvr>
     <a:masterClrMapping/>
   </p:clrMapOvr>
-  <p:transition xmlns:p14="http://schemas.microsoft.com/office/powerpoint/2010/main" spd="med" advClick="1"/>
+  <p:transition spd="med"/>
 </p:sld>
 </file>
 
 <file path=ppt/slides/slide16.xml><?xml version="1.0" encoding="utf-8"?>
-<p:sld xmlns:a="http://schemas.openxmlformats.org/drawingml/2006/main" xmlns:r="http://schemas.openxmlformats.org/officeDocument/2006/relationships" xmlns:p="http://schemas.openxmlformats.org/presentationml/2006/main" showMasterSp="1" showMasterPhAnim="1">
+<p:sld xmlns:a="http://schemas.openxmlformats.org/drawingml/2006/main" xmlns:r="http://schemas.openxmlformats.org/officeDocument/2006/relationships" xmlns:p="http://schemas.openxmlformats.org/presentationml/2006/main">
   <p:cSld>
     <p:spTree>
       <p:nvGrpSpPr>
@@ -7001,7 +7164,9 @@
       <p:sp>
         <p:nvSpPr>
           <p:cNvPr id="231" name="标题 1"/>
-          <p:cNvSpPr txBox="1"/>
+          <p:cNvSpPr txBox="1">
+            <a:spLocks noGrp="1"/>
+          </p:cNvSpPr>
           <p:nvPr>
             <p:ph type="title"/>
           </p:nvPr>
@@ -7028,7 +7193,6 @@
             </a:lvl1pPr>
           </a:lstStyle>
           <a:p>
-            <a:pPr/>
             <a:r>
               <a:t>zepto源码中的技巧-例子2 不等比较的使用</a:t>
             </a:r>
@@ -7038,7 +7202,9 @@
       <p:sp>
         <p:nvSpPr>
           <p:cNvPr id="232" name="内容占位符 2"/>
-          <p:cNvSpPr txBox="1"/>
+          <p:cNvSpPr txBox="1">
+            <a:spLocks noGrp="1"/>
+          </p:cNvSpPr>
           <p:nvPr>
             <p:ph type="body" idx="1"/>
           </p:nvPr>
@@ -7103,6 +7269,7 @@
                 <a:sym typeface="Menlo"/>
               </a:defRPr>
             </a:pPr>
+            <a:endParaRPr/>
           </a:p>
           <a:p>
             <a:pPr marL="0" indent="0">
@@ -7241,12 +7408,12 @@
   <p:clrMapOvr>
     <a:masterClrMapping/>
   </p:clrMapOvr>
-  <p:transition xmlns:p14="http://schemas.microsoft.com/office/powerpoint/2010/main" spd="med" advClick="1"/>
+  <p:transition spd="med"/>
 </p:sld>
 </file>
 
 <file path=ppt/slides/slide17.xml><?xml version="1.0" encoding="utf-8"?>
-<p:sld xmlns:a="http://schemas.openxmlformats.org/drawingml/2006/main" xmlns:r="http://schemas.openxmlformats.org/officeDocument/2006/relationships" xmlns:p="http://schemas.openxmlformats.org/presentationml/2006/main" showMasterSp="1" showMasterPhAnim="1">
+<p:sld xmlns:a="http://schemas.openxmlformats.org/drawingml/2006/main" xmlns:r="http://schemas.openxmlformats.org/officeDocument/2006/relationships" xmlns:p="http://schemas.openxmlformats.org/presentationml/2006/main">
   <p:cSld>
     <p:spTree>
       <p:nvGrpSpPr>
@@ -7265,7 +7432,9 @@
       <p:sp>
         <p:nvSpPr>
           <p:cNvPr id="234" name="标题 1"/>
-          <p:cNvSpPr txBox="1"/>
+          <p:cNvSpPr txBox="1">
+            <a:spLocks noGrp="1"/>
+          </p:cNvSpPr>
           <p:nvPr>
             <p:ph type="title"/>
           </p:nvPr>
@@ -7292,7 +7461,6 @@
             </a:lvl1pPr>
           </a:lstStyle>
           <a:p>
-            <a:pPr/>
             <a:r>
               <a:t>zepto源码中的技巧-例子3 数组原型函数的使用</a:t>
             </a:r>
@@ -7302,7 +7470,9 @@
       <p:sp>
         <p:nvSpPr>
           <p:cNvPr id="235" name="内容占位符 2"/>
-          <p:cNvSpPr txBox="1"/>
+          <p:cNvSpPr txBox="1">
+            <a:spLocks noGrp="1"/>
+          </p:cNvSpPr>
           <p:nvPr>
             <p:ph type="body" idx="1"/>
           </p:nvPr>
@@ -7325,6 +7495,7 @@
               <a:buNone/>
               <a:defRPr b="1"/>
             </a:pPr>
+            <a:endParaRPr/>
           </a:p>
           <a:p>
             <a:pPr marL="0" indent="0">
@@ -7393,12 +7564,12 @@
   <p:clrMapOvr>
     <a:masterClrMapping/>
   </p:clrMapOvr>
-  <p:transition xmlns:p14="http://schemas.microsoft.com/office/powerpoint/2010/main" spd="med" advClick="1"/>
+  <p:transition spd="med"/>
 </p:sld>
 </file>
 
 <file path=ppt/slides/slide18.xml><?xml version="1.0" encoding="utf-8"?>
-<p:sld xmlns:a="http://schemas.openxmlformats.org/drawingml/2006/main" xmlns:r="http://schemas.openxmlformats.org/officeDocument/2006/relationships" xmlns:p="http://schemas.openxmlformats.org/presentationml/2006/main" showMasterSp="1" showMasterPhAnim="1">
+<p:sld xmlns:a="http://schemas.openxmlformats.org/drawingml/2006/main" xmlns:r="http://schemas.openxmlformats.org/officeDocument/2006/relationships" xmlns:p="http://schemas.openxmlformats.org/presentationml/2006/main">
   <p:cSld>
     <p:spTree>
       <p:nvGrpSpPr>
@@ -7417,7 +7588,9 @@
       <p:sp>
         <p:nvSpPr>
           <p:cNvPr id="237" name="标题 1"/>
-          <p:cNvSpPr txBox="1"/>
+          <p:cNvSpPr txBox="1">
+            <a:spLocks noGrp="1"/>
+          </p:cNvSpPr>
           <p:nvPr>
             <p:ph type="title"/>
           </p:nvPr>
@@ -7444,7 +7617,6 @@
             </a:lvl1pPr>
           </a:lstStyle>
           <a:p>
-            <a:pPr/>
             <a:r>
               <a:t>zepto源码中的技巧-例子3 数组原型函数的使用</a:t>
             </a:r>
@@ -7454,7 +7626,9 @@
       <p:sp>
         <p:nvSpPr>
           <p:cNvPr id="238" name="内容占位符 2"/>
-          <p:cNvSpPr txBox="1"/>
+          <p:cNvSpPr txBox="1">
+            <a:spLocks noGrp="1"/>
+          </p:cNvSpPr>
           <p:nvPr>
             <p:ph type="body" idx="1"/>
           </p:nvPr>
@@ -7477,6 +7651,7 @@
               <a:buNone/>
               <a:defRPr b="1"/>
             </a:pPr>
+            <a:endParaRPr/>
           </a:p>
           <a:p>
             <a:pPr marL="0" indent="0">
@@ -7525,12 +7700,12 @@
   <p:clrMapOvr>
     <a:masterClrMapping/>
   </p:clrMapOvr>
-  <p:transition xmlns:p14="http://schemas.microsoft.com/office/powerpoint/2010/main" spd="med" advClick="1"/>
+  <p:transition spd="med"/>
 </p:sld>
 </file>
 
 <file path=ppt/slides/slide19.xml><?xml version="1.0" encoding="utf-8"?>
-<p:sld xmlns:a="http://schemas.openxmlformats.org/drawingml/2006/main" xmlns:r="http://schemas.openxmlformats.org/officeDocument/2006/relationships" xmlns:p="http://schemas.openxmlformats.org/presentationml/2006/main" showMasterSp="1" showMasterPhAnim="1">
+<p:sld xmlns:a="http://schemas.openxmlformats.org/drawingml/2006/main" xmlns:r="http://schemas.openxmlformats.org/officeDocument/2006/relationships" xmlns:p="http://schemas.openxmlformats.org/presentationml/2006/main">
   <p:cSld>
     <p:spTree>
       <p:nvGrpSpPr>
@@ -7549,7 +7724,9 @@
       <p:sp>
         <p:nvSpPr>
           <p:cNvPr id="240" name="标题 1"/>
-          <p:cNvSpPr txBox="1"/>
+          <p:cNvSpPr txBox="1">
+            <a:spLocks noGrp="1"/>
+          </p:cNvSpPr>
           <p:nvPr>
             <p:ph type="title"/>
           </p:nvPr>
@@ -7576,7 +7753,6 @@
             </a:lvl1pPr>
           </a:lstStyle>
           <a:p>
-            <a:pPr/>
             <a:r>
               <a:t>zepto源码中的技巧-例子3 数组原型函数的使用</a:t>
             </a:r>
@@ -7586,7 +7762,9 @@
       <p:sp>
         <p:nvSpPr>
           <p:cNvPr id="241" name="内容占位符 2"/>
-          <p:cNvSpPr txBox="1"/>
+          <p:cNvSpPr txBox="1">
+            <a:spLocks noGrp="1"/>
+          </p:cNvSpPr>
           <p:nvPr>
             <p:ph type="body" idx="1"/>
           </p:nvPr>
@@ -7634,6 +7812,7 @@
                 <a:sym typeface="Menlo"/>
               </a:defRPr>
             </a:pPr>
+            <a:endParaRPr/>
           </a:p>
           <a:p>
             <a:pPr marL="0" indent="0" defTabSz="12700">
@@ -7852,12 +8031,12 @@
   <p:clrMapOvr>
     <a:masterClrMapping/>
   </p:clrMapOvr>
-  <p:transition xmlns:p14="http://schemas.microsoft.com/office/powerpoint/2010/main" spd="med" advClick="1"/>
+  <p:transition spd="med"/>
 </p:sld>
 </file>
 
 <file path=ppt/slides/slide2.xml><?xml version="1.0" encoding="utf-8"?>
-<p:sld xmlns:a="http://schemas.openxmlformats.org/drawingml/2006/main" xmlns:r="http://schemas.openxmlformats.org/officeDocument/2006/relationships" xmlns:p="http://schemas.openxmlformats.org/presentationml/2006/main" showMasterSp="1" showMasterPhAnim="1">
+<p:sld xmlns:a="http://schemas.openxmlformats.org/drawingml/2006/main" xmlns:r="http://schemas.openxmlformats.org/officeDocument/2006/relationships" xmlns:p="http://schemas.openxmlformats.org/presentationml/2006/main">
   <p:cSld>
     <p:spTree>
       <p:nvGrpSpPr>
@@ -7876,7 +8055,9 @@
       <p:sp>
         <p:nvSpPr>
           <p:cNvPr id="189" name="内容占位符 2"/>
-          <p:cNvSpPr txBox="1"/>
+          <p:cNvSpPr txBox="1">
+            <a:spLocks noGrp="1"/>
+          </p:cNvSpPr>
           <p:nvPr>
             <p:ph type="body" sz="half" idx="1"/>
           </p:nvPr>
@@ -7951,12 +8132,12 @@
   <p:clrMapOvr>
     <a:masterClrMapping/>
   </p:clrMapOvr>
-  <p:transition xmlns:p14="http://schemas.microsoft.com/office/powerpoint/2010/main" spd="med" advClick="1"/>
+  <p:transition spd="med"/>
 </p:sld>
 </file>
 
 <file path=ppt/slides/slide20.xml><?xml version="1.0" encoding="utf-8"?>
-<p:sld xmlns:a="http://schemas.openxmlformats.org/drawingml/2006/main" xmlns:r="http://schemas.openxmlformats.org/officeDocument/2006/relationships" xmlns:p="http://schemas.openxmlformats.org/presentationml/2006/main" showMasterSp="1" showMasterPhAnim="1">
+<p:sld xmlns:a="http://schemas.openxmlformats.org/drawingml/2006/main" xmlns:r="http://schemas.openxmlformats.org/officeDocument/2006/relationships" xmlns:p="http://schemas.openxmlformats.org/presentationml/2006/main">
   <p:cSld>
     <p:spTree>
       <p:nvGrpSpPr>
@@ -7975,7 +8156,9 @@
       <p:sp>
         <p:nvSpPr>
           <p:cNvPr id="243" name="标题 1"/>
-          <p:cNvSpPr txBox="1"/>
+          <p:cNvSpPr txBox="1">
+            <a:spLocks noGrp="1"/>
+          </p:cNvSpPr>
           <p:nvPr>
             <p:ph type="title"/>
           </p:nvPr>
@@ -7993,7 +8176,7 @@
           <a:bodyPr/>
           <a:lstStyle>
             <a:lvl1pPr>
-              <a:defRPr b="1" sz="3200">
+              <a:defRPr sz="3200" b="1">
                 <a:latin typeface="+mn-lt"/>
                 <a:ea typeface="+mn-ea"/>
                 <a:cs typeface="+mn-cs"/>
@@ -8002,7 +8185,6 @@
             </a:lvl1pPr>
           </a:lstStyle>
           <a:p>
-            <a:pPr/>
             <a:r>
               <a:t>zepto源码中的技巧</a:t>
             </a:r>
@@ -8012,7 +8194,9 @@
       <p:sp>
         <p:nvSpPr>
           <p:cNvPr id="244" name="内容占位符 2"/>
-          <p:cNvSpPr txBox="1"/>
+          <p:cNvSpPr txBox="1">
+            <a:spLocks noGrp="1"/>
+          </p:cNvSpPr>
           <p:nvPr>
             <p:ph type="body" idx="1"/>
           </p:nvPr>
@@ -8095,6 +8279,7 @@
                 <a:sym typeface="Menlo"/>
               </a:defRPr>
             </a:pPr>
+            <a:endParaRPr/>
           </a:p>
           <a:p>
             <a:pPr marL="0" indent="0" defTabSz="12700">
@@ -8138,12 +8323,12 @@
   <p:clrMapOvr>
     <a:masterClrMapping/>
   </p:clrMapOvr>
-  <p:transition xmlns:p14="http://schemas.microsoft.com/office/powerpoint/2010/main" spd="med" advClick="1"/>
+  <p:transition spd="med"/>
 </p:sld>
 </file>
 
 <file path=ppt/slides/slide21.xml><?xml version="1.0" encoding="utf-8"?>
-<p:sld xmlns:a="http://schemas.openxmlformats.org/drawingml/2006/main" xmlns:r="http://schemas.openxmlformats.org/officeDocument/2006/relationships" xmlns:p="http://schemas.openxmlformats.org/presentationml/2006/main" showMasterSp="1" showMasterPhAnim="1">
+<p:sld xmlns:a="http://schemas.openxmlformats.org/drawingml/2006/main" xmlns:r="http://schemas.openxmlformats.org/officeDocument/2006/relationships" xmlns:p="http://schemas.openxmlformats.org/presentationml/2006/main">
   <p:cSld>
     <p:spTree>
       <p:nvGrpSpPr>
@@ -8162,7 +8347,9 @@
       <p:sp>
         <p:nvSpPr>
           <p:cNvPr id="246" name="标题 1"/>
-          <p:cNvSpPr txBox="1"/>
+          <p:cNvSpPr txBox="1">
+            <a:spLocks noGrp="1"/>
+          </p:cNvSpPr>
           <p:nvPr>
             <p:ph type="title"/>
           </p:nvPr>
@@ -8180,7 +8367,7 @@
           <a:bodyPr/>
           <a:lstStyle>
             <a:lvl1pPr>
-              <a:defRPr b="1" sz="3200">
+              <a:defRPr sz="3200" b="1">
                 <a:latin typeface="+mn-lt"/>
                 <a:ea typeface="+mn-ea"/>
                 <a:cs typeface="+mn-cs"/>
@@ -8189,8 +8376,8 @@
             </a:lvl1pPr>
           </a:lstStyle>
           <a:p>
-            <a:pPr/>
-            <a:r>
+            <a:r>
+              <a:rPr dirty="0"/>
               <a:t>学习zepto的思考</a:t>
             </a:r>
           </a:p>
@@ -8199,7 +8386,9 @@
       <p:sp>
         <p:nvSpPr>
           <p:cNvPr id="247" name="内容占位符 2"/>
-          <p:cNvSpPr txBox="1"/>
+          <p:cNvSpPr txBox="1">
+            <a:spLocks noGrp="1"/>
+          </p:cNvSpPr>
           <p:nvPr>
             <p:ph type="body" idx="1"/>
           </p:nvPr>
@@ -8248,7 +8437,24 @@
               </a:defRPr>
             </a:pPr>
             <a:r>
-              <a:t>1.通过我了解zepto了吗？</a:t>
+              <a:rPr dirty="0"/>
+              <a:t>1</a:t>
+            </a:r>
+            <a:r>
+              <a:rPr dirty="0" smtClean="0"/>
+              <a:t>.我了解zepto</a:t>
+            </a:r>
+            <a:r>
+              <a:rPr lang="zh-CN" altLang="en-US" dirty="0" smtClean="0"/>
+              <a:t>了</a:t>
+            </a:r>
+            <a:r>
+              <a:rPr dirty="0" smtClean="0"/>
+              <a:t>吗</a:t>
+            </a:r>
+            <a:r>
+              <a:rPr dirty="0"/>
+              <a:t>？</a:t>
             </a:r>
           </a:p>
           <a:p>
@@ -8283,8 +8489,14 @@
               </a:defRPr>
             </a:pPr>
             <a:r>
-              <a:t>2.如果让我来做，我能做到什么程度？</a:t>
-            </a:r>
+              <a:rPr dirty="0"/>
+              <a:t>2.如果让我来做，我能做到什么程度</a:t>
+            </a:r>
+            <a:r>
+              <a:rPr dirty="0" smtClean="0"/>
+              <a:t>？</a:t>
+            </a:r>
+            <a:endParaRPr dirty="0"/>
           </a:p>
           <a:p>
             <a:pPr marL="0" indent="0" defTabSz="12700">
@@ -8318,9 +8530,126 @@
               </a:defRPr>
             </a:pPr>
             <a:r>
-              <a:t>3.哪些东西对我感到吃惊，为什么？</a:t>
-            </a:r>
-          </a:p>
+              <a:rPr lang="en-US" dirty="0" smtClean="0"/>
+              <a:t>3</a:t>
+            </a:r>
+            <a:r>
+              <a:rPr dirty="0" smtClean="0"/>
+              <a:t>.</a:t>
+            </a:r>
+            <a:r>
+              <a:rPr dirty="0"/>
+              <a:t>通过回答上面的问题 自己以后需要怎么做？</a:t>
+            </a:r>
+          </a:p>
+        </p:txBody>
+      </p:sp>
+    </p:spTree>
+  </p:cSld>
+  <p:clrMapOvr>
+    <a:masterClrMapping/>
+  </p:clrMapOvr>
+  <p:transition spd="med"/>
+</p:sld>
+</file>
+
+<file path=ppt/slides/slide22.xml><?xml version="1.0" encoding="utf-8"?>
+<p:sld xmlns:a="http://schemas.openxmlformats.org/drawingml/2006/main" xmlns:r="http://schemas.openxmlformats.org/officeDocument/2006/relationships" xmlns:p="http://schemas.openxmlformats.org/presentationml/2006/main">
+  <p:cSld>
+    <p:spTree>
+      <p:nvGrpSpPr>
+        <p:cNvPr id="1" name=""/>
+        <p:cNvGrpSpPr/>
+        <p:nvPr/>
+      </p:nvGrpSpPr>
+      <p:grpSpPr>
+        <a:xfrm>
+          <a:off x="0" y="0"/>
+          <a:ext cx="0" cy="0"/>
+          <a:chOff x="0" y="0"/>
+          <a:chExt cx="0" cy="0"/>
+        </a:xfrm>
+      </p:grpSpPr>
+      <p:sp>
+        <p:nvSpPr>
+          <p:cNvPr id="249" name="标题 1"/>
+          <p:cNvSpPr txBox="1">
+            <a:spLocks noGrp="1"/>
+          </p:cNvSpPr>
+          <p:nvPr>
+            <p:ph type="title"/>
+          </p:nvPr>
+        </p:nvSpPr>
+        <p:spPr>
+          <a:xfrm>
+            <a:off x="677333" y="609600"/>
+            <a:ext cx="8596670" cy="720438"/>
+          </a:xfrm>
+          <a:prstGeom prst="rect">
+            <a:avLst/>
+          </a:prstGeom>
+        </p:spPr>
+        <p:txBody>
+          <a:bodyPr/>
+          <a:lstStyle/>
+          <a:p>
+            <a:pPr>
+              <a:defRPr sz="3200" b="1">
+                <a:latin typeface="+mn-lt"/>
+                <a:ea typeface="+mn-ea"/>
+                <a:cs typeface="+mn-cs"/>
+                <a:sym typeface="Helvetica"/>
+              </a:defRPr>
+            </a:pPr>
+            <a:r>
+              <a:rPr lang="zh-CN" altLang="en-US" sz="2800" b="1" dirty="0">
+                <a:sym typeface="Helvetica"/>
+              </a:rPr>
+              <a:t>学习</a:t>
+            </a:r>
+            <a:r>
+              <a:rPr lang="en-US" altLang="zh-CN" sz="2800" b="1" dirty="0" err="1">
+                <a:sym typeface="Helvetica"/>
+              </a:rPr>
+              <a:t>zepto</a:t>
+            </a:r>
+            <a:r>
+              <a:rPr lang="zh-CN" altLang="en-US" sz="2800" b="1" dirty="0">
+                <a:sym typeface="Helvetica"/>
+              </a:rPr>
+              <a:t>的思考</a:t>
+            </a:r>
+            <a:endParaRPr dirty="0">
+              <a:latin typeface="Trebuchet MS"/>
+              <a:ea typeface="Trebuchet MS"/>
+              <a:cs typeface="Trebuchet MS"/>
+              <a:sym typeface="Trebuchet MS"/>
+            </a:endParaRPr>
+          </a:p>
+        </p:txBody>
+      </p:sp>
+      <p:sp>
+        <p:nvSpPr>
+          <p:cNvPr id="250" name="内容占位符 2"/>
+          <p:cNvSpPr txBox="1">
+            <a:spLocks noGrp="1"/>
+          </p:cNvSpPr>
+          <p:nvPr>
+            <p:ph type="body" idx="1"/>
+          </p:nvPr>
+        </p:nvSpPr>
+        <p:spPr>
+          <a:xfrm>
+            <a:off x="677333" y="1468581"/>
+            <a:ext cx="8596670" cy="4572783"/>
+          </a:xfrm>
+          <a:prstGeom prst="rect">
+            <a:avLst/>
+          </a:prstGeom>
+        </p:spPr>
+        <p:txBody>
+          <a:bodyPr/>
+          <a:lstStyle/>
           <a:p>
             <a:pPr marL="0" indent="0" defTabSz="12700">
               <a:spcBef>
@@ -8353,101 +8682,23 @@
               </a:defRPr>
             </a:pPr>
             <a:r>
-              <a:t>4.通过回答上面的问题 自己以后需要怎么做？</a:t>
-            </a:r>
-          </a:p>
-        </p:txBody>
-      </p:sp>
-    </p:spTree>
-  </p:cSld>
-  <p:clrMapOvr>
-    <a:masterClrMapping/>
-  </p:clrMapOvr>
-  <p:transition xmlns:p14="http://schemas.microsoft.com/office/powerpoint/2010/main" spd="med" advClick="1"/>
-</p:sld>
-</file>
-
-<file path=ppt/slides/slide22.xml><?xml version="1.0" encoding="utf-8"?>
-<p:sld xmlns:a="http://schemas.openxmlformats.org/drawingml/2006/main" xmlns:r="http://schemas.openxmlformats.org/officeDocument/2006/relationships" xmlns:p="http://schemas.openxmlformats.org/presentationml/2006/main" showMasterSp="1" showMasterPhAnim="1">
-  <p:cSld>
-    <p:spTree>
-      <p:nvGrpSpPr>
-        <p:cNvPr id="1" name=""/>
-        <p:cNvGrpSpPr/>
-        <p:nvPr/>
-      </p:nvGrpSpPr>
-      <p:grpSpPr>
-        <a:xfrm>
-          <a:off x="0" y="0"/>
-          <a:ext cx="0" cy="0"/>
-          <a:chOff x="0" y="0"/>
-          <a:chExt cx="0" cy="0"/>
-        </a:xfrm>
-      </p:grpSpPr>
-      <p:sp>
-        <p:nvSpPr>
-          <p:cNvPr id="249" name="标题 1"/>
-          <p:cNvSpPr txBox="1"/>
-          <p:nvPr>
-            <p:ph type="title"/>
-          </p:nvPr>
-        </p:nvSpPr>
-        <p:spPr>
-          <a:xfrm>
-            <a:off x="677333" y="609600"/>
-            <a:ext cx="8596670" cy="720438"/>
-          </a:xfrm>
-          <a:prstGeom prst="rect">
-            <a:avLst/>
-          </a:prstGeom>
-        </p:spPr>
-        <p:txBody>
-          <a:bodyPr/>
-          <a:lstStyle/>
-          <a:p>
-            <a:pPr>
-              <a:defRPr b="1" sz="3200">
-                <a:latin typeface="+mn-lt"/>
-                <a:ea typeface="+mn-ea"/>
-                <a:cs typeface="+mn-cs"/>
-                <a:sym typeface="Helvetica"/>
-              </a:defRPr>
-            </a:pPr>
-            <a:r>
-              <a:t>示例-</a:t>
-            </a:r>
-            <a:r>
-              <a:rPr>
-                <a:latin typeface="Trebuchet MS"/>
-                <a:ea typeface="Trebuchet MS"/>
-                <a:cs typeface="Trebuchet MS"/>
-                <a:sym typeface="Trebuchet MS"/>
-              </a:rPr>
-              <a:t>剔除（合并）历史中的某次提交-2</a:t>
-            </a:r>
-          </a:p>
-        </p:txBody>
-      </p:sp>
-      <p:sp>
-        <p:nvSpPr>
-          <p:cNvPr id="250" name="内容占位符 2"/>
-          <p:cNvSpPr txBox="1"/>
-          <p:nvPr>
-            <p:ph type="body" idx="1"/>
-          </p:nvPr>
-        </p:nvSpPr>
-        <p:spPr>
-          <a:xfrm>
-            <a:off x="677333" y="1468581"/>
-            <a:ext cx="8596670" cy="4572783"/>
-          </a:xfrm>
-          <a:prstGeom prst="rect">
-            <a:avLst/>
-          </a:prstGeom>
-        </p:spPr>
-        <p:txBody>
-          <a:bodyPr/>
-          <a:lstStyle/>
+              <a:rPr lang="zh-CN" altLang="en-US" dirty="0"/>
+              <a:t>我了解</a:t>
+            </a:r>
+            <a:r>
+              <a:rPr lang="en-US" altLang="zh-CN" dirty="0" err="1"/>
+              <a:t>zepto</a:t>
+            </a:r>
+            <a:r>
+              <a:rPr lang="zh-CN" altLang="en-US" dirty="0"/>
+              <a:t>了吗</a:t>
+            </a:r>
+            <a:r>
+              <a:rPr lang="zh-CN" altLang="en-US" dirty="0" smtClean="0"/>
+              <a:t>？</a:t>
+            </a:r>
+            <a:endParaRPr lang="en-US" altLang="zh-CN" dirty="0" smtClean="0"/>
+          </a:p>
           <a:p>
             <a:pPr marL="0" indent="0" defTabSz="12700">
               <a:spcBef>
@@ -8479,9 +8730,7 @@
                 <a:sym typeface="Menlo"/>
               </a:defRPr>
             </a:pPr>
-            <a:r>
-              <a:t>使用git rebase 对提交执行变基操作，使用指定范围的提交嫁接到另一个提交之上</a:t>
-            </a:r>
+            <a:endParaRPr lang="en-US" altLang="zh-CN" dirty="0"/>
           </a:p>
           <a:p>
             <a:pPr marL="0" indent="0" defTabSz="12700">
@@ -8515,8 +8764,22 @@
               </a:defRPr>
             </a:pPr>
             <a:r>
-              <a:t>git rebase —onto C E^F </a:t>
-            </a:r>
+              <a:rPr lang="en-US" altLang="zh-CN" dirty="0" smtClean="0"/>
+              <a:t>1.</a:t>
+            </a:r>
+            <a:r>
+              <a:rPr lang="zh-CN" altLang="en-US" dirty="0" smtClean="0"/>
+              <a:t>了解了</a:t>
+            </a:r>
+            <a:r>
+              <a:rPr lang="en-US" altLang="zh-CN" dirty="0" err="1" smtClean="0"/>
+              <a:t>zepto</a:t>
+            </a:r>
+            <a:r>
+              <a:rPr lang="zh-CN" altLang="en-US" dirty="0" smtClean="0"/>
+              <a:t>文件的组织结构</a:t>
+            </a:r>
+            <a:endParaRPr lang="en-US" altLang="zh-CN" dirty="0" smtClean="0"/>
           </a:p>
           <a:p>
             <a:pPr marL="0" indent="0" defTabSz="12700">
@@ -8550,8 +8813,26 @@
               </a:defRPr>
             </a:pPr>
             <a:r>
-              <a:t>git checkout master  将分支切换到master</a:t>
-            </a:r>
+              <a:rPr lang="en-US" altLang="zh-CN" dirty="0" smtClean="0"/>
+              <a:t>2.</a:t>
+            </a:r>
+            <a:r>
+              <a:rPr lang="zh-CN" altLang="en-US" dirty="0"/>
+              <a:t>了解了</a:t>
+            </a:r>
+            <a:r>
+              <a:rPr lang="en-US" altLang="zh-CN" dirty="0"/>
+              <a:t>$()</a:t>
+            </a:r>
+            <a:r>
+              <a:rPr lang="zh-CN" altLang="en-US" dirty="0"/>
+              <a:t>的初始化</a:t>
+            </a:r>
+            <a:r>
+              <a:rPr lang="zh-CN" altLang="en-US" dirty="0" smtClean="0"/>
+              <a:t>过程</a:t>
+            </a:r>
+            <a:endParaRPr lang="en-US" altLang="zh-CN" dirty="0" smtClean="0"/>
           </a:p>
           <a:p>
             <a:pPr marL="0" indent="0" defTabSz="12700">
@@ -8585,8 +8866,22 @@
               </a:defRPr>
             </a:pPr>
             <a:r>
-              <a:t>git reset —hard HEAD@{1} 将master重新切换到 更改后的分支</a:t>
-            </a:r>
+              <a:rPr lang="en-US" altLang="zh-CN" dirty="0" smtClean="0"/>
+              <a:t>3.</a:t>
+            </a:r>
+            <a:r>
+              <a:rPr lang="zh-CN" altLang="en-US" dirty="0" smtClean="0"/>
+              <a:t>了解了</a:t>
+            </a:r>
+            <a:r>
+              <a:rPr lang="en-US" altLang="zh-CN" dirty="0" err="1" smtClean="0"/>
+              <a:t>zepto</a:t>
+            </a:r>
+            <a:r>
+              <a:rPr lang="zh-CN" altLang="en-US" dirty="0" smtClean="0"/>
+              <a:t>的插件机制</a:t>
+            </a:r>
+            <a:endParaRPr lang="en-US" altLang="zh-CN" dirty="0" smtClean="0"/>
           </a:p>
           <a:p>
             <a:pPr marL="0" indent="0" defTabSz="12700">
@@ -8620,8 +8915,14 @@
               </a:defRPr>
             </a:pPr>
             <a:r>
-              <a:t>git reset —hard F 重新切回 master分支</a:t>
-            </a:r>
+              <a:rPr lang="en-US" altLang="zh-CN" dirty="0" smtClean="0"/>
+              <a:t>4.</a:t>
+            </a:r>
+            <a:r>
+              <a:rPr lang="zh-CN" altLang="en-US" dirty="0" smtClean="0"/>
+              <a:t>了解了一些方法的实现细节</a:t>
+            </a:r>
+            <a:endParaRPr lang="en-US" altLang="zh-CN" dirty="0"/>
           </a:p>
           <a:p>
             <a:pPr marL="0" indent="0" defTabSz="12700">
@@ -8654,6 +8955,7 @@
                 <a:sym typeface="Menlo"/>
               </a:defRPr>
             </a:pPr>
+            <a:endParaRPr lang="zh-CN" altLang="en-US" dirty="0"/>
           </a:p>
           <a:p>
             <a:pPr marL="0" indent="0" defTabSz="12700">
@@ -8686,9 +8988,7 @@
                 <a:sym typeface="Menlo"/>
               </a:defRPr>
             </a:pPr>
-            <a:r>
-              <a:t>git rebase —onto C E^master</a:t>
-            </a:r>
+            <a:endParaRPr dirty="0"/>
           </a:p>
         </p:txBody>
       </p:sp>
@@ -8697,12 +8997,12 @@
   <p:clrMapOvr>
     <a:masterClrMapping/>
   </p:clrMapOvr>
-  <p:transition xmlns:p14="http://schemas.microsoft.com/office/powerpoint/2010/main" spd="med" advClick="1"/>
+  <p:transition spd="med"/>
 </p:sld>
 </file>
 
 <file path=ppt/slides/slide23.xml><?xml version="1.0" encoding="utf-8"?>
-<p:sld xmlns:a="http://schemas.openxmlformats.org/drawingml/2006/main" xmlns:r="http://schemas.openxmlformats.org/officeDocument/2006/relationships" xmlns:p="http://schemas.openxmlformats.org/presentationml/2006/main" showMasterSp="1" showMasterPhAnim="1">
+<p:sld xmlns:a="http://schemas.openxmlformats.org/drawingml/2006/main" xmlns:r="http://schemas.openxmlformats.org/officeDocument/2006/relationships" xmlns:p="http://schemas.openxmlformats.org/presentationml/2006/main">
   <p:cSld>
     <p:spTree>
       <p:nvGrpSpPr>
@@ -8721,7 +9021,9 @@
       <p:sp>
         <p:nvSpPr>
           <p:cNvPr id="252" name="标题 1"/>
-          <p:cNvSpPr txBox="1"/>
+          <p:cNvSpPr txBox="1">
+            <a:spLocks noGrp="1"/>
+          </p:cNvSpPr>
           <p:nvPr>
             <p:ph type="title"/>
           </p:nvPr>
@@ -8740,7 +9042,7 @@
           <a:lstStyle/>
           <a:p>
             <a:pPr>
-              <a:defRPr b="1" sz="3200">
+              <a:defRPr sz="3200" b="1">
                 <a:latin typeface="+mn-lt"/>
                 <a:ea typeface="+mn-ea"/>
                 <a:cs typeface="+mn-cs"/>
@@ -8748,24 +9050,38 @@
               </a:defRPr>
             </a:pPr>
             <a:r>
-              <a:t>示例-</a:t>
-            </a:r>
-            <a:r>
-              <a:rPr>
-                <a:latin typeface="Trebuchet MS"/>
-                <a:ea typeface="Trebuchet MS"/>
-                <a:cs typeface="Trebuchet MS"/>
-                <a:sym typeface="Trebuchet MS"/>
+              <a:rPr lang="zh-CN" altLang="en-US" sz="3200" b="1" dirty="0">
+                <a:sym typeface="Helvetica"/>
               </a:rPr>
-              <a:t>剔除（合并）历史中的某次提交-3</a:t>
-            </a:r>
+              <a:t>学习</a:t>
+            </a:r>
+            <a:r>
+              <a:rPr lang="en-US" altLang="zh-CN" sz="3200" b="1" dirty="0" err="1">
+                <a:sym typeface="Helvetica"/>
+              </a:rPr>
+              <a:t>zepto</a:t>
+            </a:r>
+            <a:r>
+              <a:rPr lang="zh-CN" altLang="en-US" sz="3200" b="1" dirty="0">
+                <a:sym typeface="Helvetica"/>
+              </a:rPr>
+              <a:t>的思考</a:t>
+            </a:r>
+            <a:endParaRPr dirty="0">
+              <a:latin typeface="Trebuchet MS"/>
+              <a:ea typeface="Trebuchet MS"/>
+              <a:cs typeface="Trebuchet MS"/>
+              <a:sym typeface="Trebuchet MS"/>
+            </a:endParaRPr>
           </a:p>
         </p:txBody>
       </p:sp>
       <p:sp>
         <p:nvSpPr>
           <p:cNvPr id="253" name="内容占位符 2"/>
-          <p:cNvSpPr txBox="1"/>
+          <p:cNvSpPr txBox="1">
+            <a:spLocks noGrp="1"/>
+          </p:cNvSpPr>
           <p:nvPr>
             <p:ph type="body" idx="1"/>
           </p:nvPr>
@@ -8814,10 +9130,119 @@
             </a:lvl1pPr>
           </a:lstStyle>
           <a:p>
-            <a:pPr/>
-            <a:r>
-              <a:t>git rebase -i commit 交互式变基 修改文件</a:t>
-            </a:r>
+            <a:r>
+              <a:rPr lang="zh-CN" altLang="en-US" dirty="0"/>
+              <a:t>如果让我来做，我能做到什么程度？</a:t>
+            </a:r>
+          </a:p>
+          <a:p>
+            <a:r>
+              <a:rPr lang="zh-CN" altLang="en-US" dirty="0" smtClean="0"/>
+              <a:t> 大部分功能能实现</a:t>
+            </a:r>
+            <a:endParaRPr lang="en-US" altLang="zh-CN" dirty="0" smtClean="0"/>
+          </a:p>
+          <a:p>
+            <a:r>
+              <a:rPr lang="zh-CN" altLang="en-US" dirty="0"/>
+              <a:t> </a:t>
+            </a:r>
+            <a:endParaRPr lang="en-US" altLang="zh-CN" dirty="0"/>
+          </a:p>
+          <a:p>
+            <a:r>
+              <a:rPr lang="zh-CN" altLang="en-US" dirty="0" smtClean="0"/>
+              <a:t> 文件体积大</a:t>
+            </a:r>
+            <a:endParaRPr lang="en-US" altLang="zh-CN" dirty="0" smtClean="0"/>
+          </a:p>
+          <a:p>
+            <a:endParaRPr lang="en-US" altLang="zh-CN" dirty="0" smtClean="0"/>
+          </a:p>
+          <a:p>
+            <a:r>
+              <a:rPr lang="zh-CN" altLang="en-US" dirty="0"/>
+              <a:t> </a:t>
+            </a:r>
+            <a:r>
+              <a:rPr lang="zh-CN" altLang="en-US" dirty="0" smtClean="0"/>
+              <a:t>执行效率低</a:t>
+            </a:r>
+            <a:endParaRPr lang="en-US" altLang="zh-CN" dirty="0" smtClean="0"/>
+          </a:p>
+          <a:p>
+            <a:endParaRPr lang="en-US" altLang="zh-CN" dirty="0" smtClean="0"/>
+          </a:p>
+          <a:p>
+            <a:r>
+              <a:rPr lang="zh-CN" altLang="en-US" dirty="0"/>
+              <a:t> </a:t>
+            </a:r>
+            <a:r>
+              <a:rPr lang="zh-CN" altLang="en-US" dirty="0" smtClean="0"/>
+              <a:t>冗余代码多</a:t>
+            </a:r>
+            <a:endParaRPr lang="en-US" altLang="zh-CN" dirty="0" smtClean="0"/>
+          </a:p>
+          <a:p>
+            <a:endParaRPr lang="en-US" altLang="zh-CN" dirty="0"/>
+          </a:p>
+          <a:p>
+            <a:r>
+              <a:rPr lang="zh-CN" altLang="en-US" dirty="0" smtClean="0"/>
+              <a:t> 层次不明晰</a:t>
+            </a:r>
+            <a:endParaRPr lang="en-US" altLang="zh-CN" dirty="0" smtClean="0"/>
+          </a:p>
+          <a:p>
+            <a:endParaRPr lang="en-US" dirty="0"/>
+          </a:p>
+          <a:p>
+            <a:r>
+              <a:rPr lang="zh-CN" altLang="en-US" dirty="0" smtClean="0"/>
+              <a:t> 实现不优雅</a:t>
+            </a:r>
+            <a:endParaRPr lang="en-US" altLang="zh-CN" dirty="0" smtClean="0"/>
+          </a:p>
+          <a:p>
+            <a:endParaRPr lang="en-US" dirty="0"/>
+          </a:p>
+          <a:p>
+            <a:r>
+              <a:rPr lang="zh-CN" altLang="en-US" dirty="0" smtClean="0"/>
+              <a:t> </a:t>
+            </a:r>
+            <a:r>
+              <a:rPr lang="en-US" altLang="zh-CN" dirty="0" smtClean="0"/>
+              <a:t>why</a:t>
+            </a:r>
+            <a:r>
+              <a:rPr lang="zh-CN" altLang="en-US" dirty="0" smtClean="0"/>
+              <a:t>？</a:t>
+            </a:r>
+            <a:endParaRPr lang="en-US" altLang="zh-CN" dirty="0" smtClean="0"/>
+          </a:p>
+          <a:p>
+            <a:r>
+              <a:rPr lang="zh-CN" altLang="en-US" dirty="0"/>
+              <a:t> </a:t>
+            </a:r>
+            <a:r>
+              <a:rPr lang="zh-CN" altLang="en-US" dirty="0" smtClean="0"/>
+              <a:t>  知道不等于会用，更不等于能用好</a:t>
+            </a:r>
+            <a:endParaRPr lang="en-US" altLang="zh-CN" dirty="0" smtClean="0"/>
+          </a:p>
+          <a:p>
+            <a:r>
+              <a:rPr lang="zh-CN" altLang="en-US" dirty="0"/>
+              <a:t> </a:t>
+            </a:r>
+            <a:r>
+              <a:rPr lang="zh-CN" altLang="en-US" dirty="0" smtClean="0"/>
+              <a:t>  对所知道的知识点不能融会贯通</a:t>
+            </a:r>
+            <a:endParaRPr dirty="0"/>
           </a:p>
         </p:txBody>
       </p:sp>
@@ -8826,12 +9251,210 @@
   <p:clrMapOvr>
     <a:masterClrMapping/>
   </p:clrMapOvr>
-  <p:transition xmlns:p14="http://schemas.microsoft.com/office/powerpoint/2010/main" spd="med" advClick="1"/>
+  <p:transition spd="med"/>
 </p:sld>
 </file>
 
 <file path=ppt/slides/slide24.xml><?xml version="1.0" encoding="utf-8"?>
-<p:sld xmlns:a="http://schemas.openxmlformats.org/drawingml/2006/main" xmlns:r="http://schemas.openxmlformats.org/officeDocument/2006/relationships" xmlns:p="http://schemas.openxmlformats.org/presentationml/2006/main" showMasterSp="1" showMasterPhAnim="1">
+<p:sld xmlns:a="http://schemas.openxmlformats.org/drawingml/2006/main" xmlns:r="http://schemas.openxmlformats.org/officeDocument/2006/relationships" xmlns:p="http://schemas.openxmlformats.org/presentationml/2006/main">
+  <p:cSld>
+    <p:spTree>
+      <p:nvGrpSpPr>
+        <p:cNvPr id="1" name=""/>
+        <p:cNvGrpSpPr/>
+        <p:nvPr/>
+      </p:nvGrpSpPr>
+      <p:grpSpPr>
+        <a:xfrm>
+          <a:off x="0" y="0"/>
+          <a:ext cx="0" cy="0"/>
+          <a:chOff x="0" y="0"/>
+          <a:chExt cx="0" cy="0"/>
+        </a:xfrm>
+      </p:grpSpPr>
+      <p:sp>
+        <p:nvSpPr>
+          <p:cNvPr id="252" name="标题 1"/>
+          <p:cNvSpPr txBox="1">
+            <a:spLocks noGrp="1"/>
+          </p:cNvSpPr>
+          <p:nvPr>
+            <p:ph type="title"/>
+          </p:nvPr>
+        </p:nvSpPr>
+        <p:spPr>
+          <a:xfrm>
+            <a:off x="677333" y="609600"/>
+            <a:ext cx="8596670" cy="720438"/>
+          </a:xfrm>
+          <a:prstGeom prst="rect">
+            <a:avLst/>
+          </a:prstGeom>
+        </p:spPr>
+        <p:txBody>
+          <a:bodyPr/>
+          <a:lstStyle/>
+          <a:p>
+            <a:pPr>
+              <a:defRPr sz="3200" b="1">
+                <a:latin typeface="+mn-lt"/>
+                <a:ea typeface="+mn-ea"/>
+                <a:cs typeface="+mn-cs"/>
+                <a:sym typeface="Helvetica"/>
+              </a:defRPr>
+            </a:pPr>
+            <a:r>
+              <a:rPr lang="zh-CN" altLang="en-US" sz="3200" b="1" dirty="0">
+                <a:sym typeface="Helvetica"/>
+              </a:rPr>
+              <a:t>学习</a:t>
+            </a:r>
+            <a:r>
+              <a:rPr lang="en-US" altLang="zh-CN" sz="3200" b="1" dirty="0" err="1">
+                <a:sym typeface="Helvetica"/>
+              </a:rPr>
+              <a:t>zepto</a:t>
+            </a:r>
+            <a:r>
+              <a:rPr lang="zh-CN" altLang="en-US" sz="3200" b="1" dirty="0">
+                <a:sym typeface="Helvetica"/>
+              </a:rPr>
+              <a:t>的思考</a:t>
+            </a:r>
+            <a:endParaRPr dirty="0">
+              <a:latin typeface="Trebuchet MS"/>
+              <a:ea typeface="Trebuchet MS"/>
+              <a:cs typeface="Trebuchet MS"/>
+              <a:sym typeface="Trebuchet MS"/>
+            </a:endParaRPr>
+          </a:p>
+        </p:txBody>
+      </p:sp>
+      <p:sp>
+        <p:nvSpPr>
+          <p:cNvPr id="253" name="内容占位符 2"/>
+          <p:cNvSpPr txBox="1">
+            <a:spLocks noGrp="1"/>
+          </p:cNvSpPr>
+          <p:nvPr>
+            <p:ph type="body" idx="1"/>
+          </p:nvPr>
+        </p:nvSpPr>
+        <p:spPr>
+          <a:xfrm>
+            <a:off x="677333" y="1468581"/>
+            <a:ext cx="8596670" cy="4572783"/>
+          </a:xfrm>
+          <a:prstGeom prst="rect">
+            <a:avLst/>
+          </a:prstGeom>
+        </p:spPr>
+        <p:txBody>
+          <a:bodyPr/>
+          <a:lstStyle>
+            <a:lvl1pPr marL="0" indent="0" defTabSz="12700">
+              <a:spcBef>
+                <a:spcPts val="0"/>
+              </a:spcBef>
+              <a:buSzTx/>
+              <a:buNone/>
+              <a:tabLst>
+                <a:tab pos="355600" algn="l"/>
+                <a:tab pos="711200" algn="l"/>
+                <a:tab pos="1066800" algn="l"/>
+                <a:tab pos="1422400" algn="l"/>
+                <a:tab pos="1778000" algn="l"/>
+                <a:tab pos="2133600" algn="l"/>
+                <a:tab pos="2489200" algn="l"/>
+                <a:tab pos="2844800" algn="l"/>
+                <a:tab pos="3200400" algn="l"/>
+                <a:tab pos="3556000" algn="l"/>
+                <a:tab pos="3911600" algn="l"/>
+                <a:tab pos="4267200" algn="l"/>
+              </a:tabLst>
+              <a:defRPr sz="1100">
+                <a:solidFill>
+                  <a:srgbClr val="000000"/>
+                </a:solidFill>
+                <a:latin typeface="Menlo"/>
+                <a:ea typeface="Menlo"/>
+                <a:cs typeface="Menlo"/>
+                <a:sym typeface="Menlo"/>
+              </a:defRPr>
+            </a:lvl1pPr>
+          </a:lstStyle>
+          <a:p>
+            <a:pPr>
+              <a:defRPr sz="1100">
+                <a:solidFill>
+                  <a:srgbClr val="000000"/>
+                </a:solidFill>
+                <a:latin typeface="Menlo"/>
+                <a:ea typeface="Menlo"/>
+                <a:cs typeface="Menlo"/>
+                <a:sym typeface="Menlo"/>
+              </a:defRPr>
+            </a:pPr>
+            <a:r>
+              <a:rPr lang="zh-CN" altLang="en-US" dirty="0"/>
+              <a:t>通过回答上面的问题 自己以后需要怎么做？</a:t>
+            </a:r>
+          </a:p>
+          <a:p>
+            <a:r>
+              <a:rPr lang="zh-CN" altLang="en-US" dirty="0" smtClean="0"/>
+              <a:t> </a:t>
+            </a:r>
+            <a:r>
+              <a:rPr lang="en-US" altLang="zh-CN" dirty="0" smtClean="0"/>
+              <a:t>1.</a:t>
+            </a:r>
+            <a:r>
+              <a:rPr lang="zh-CN" altLang="en-US" dirty="0" smtClean="0"/>
+              <a:t>继续夯实基础</a:t>
+            </a:r>
+            <a:endParaRPr lang="en-US" altLang="zh-CN" dirty="0" smtClean="0"/>
+          </a:p>
+          <a:p>
+            <a:r>
+              <a:rPr lang="zh-CN" altLang="en-US" dirty="0"/>
+              <a:t> </a:t>
+            </a:r>
+            <a:r>
+              <a:rPr lang="en-US" altLang="zh-CN" dirty="0" smtClean="0"/>
+              <a:t>2.</a:t>
+            </a:r>
+            <a:r>
+              <a:rPr lang="zh-CN" altLang="en-US" dirty="0" smtClean="0"/>
+              <a:t>遇到问题多问自己几个是什么 为什么 如何做</a:t>
+            </a:r>
+            <a:endParaRPr lang="en-US" dirty="0"/>
+          </a:p>
+          <a:p>
+            <a:r>
+              <a:rPr lang="zh-CN" altLang="en-US" dirty="0" smtClean="0"/>
+              <a:t> </a:t>
+            </a:r>
+            <a:endParaRPr dirty="0"/>
+          </a:p>
+        </p:txBody>
+      </p:sp>
+    </p:spTree>
+    <p:extLst>
+      <p:ext uri="{BB962C8B-B14F-4D97-AF65-F5344CB8AC3E}">
+        <p14:creationId xmlns:p14="http://schemas.microsoft.com/office/powerpoint/2010/main" val="805104369"/>
+      </p:ext>
+    </p:extLst>
+  </p:cSld>
+  <p:clrMapOvr>
+    <a:masterClrMapping/>
+  </p:clrMapOvr>
+  <p:transition spd="med"/>
+</p:sld>
+</file>
+
+<file path=ppt/slides/slide25.xml><?xml version="1.0" encoding="utf-8"?>
+<p:sld xmlns:a="http://schemas.openxmlformats.org/drawingml/2006/main" xmlns:r="http://schemas.openxmlformats.org/officeDocument/2006/relationships" xmlns:p="http://schemas.openxmlformats.org/presentationml/2006/main">
   <p:cSld>
     <p:spTree>
       <p:nvGrpSpPr>
@@ -8850,7 +9473,9 @@
       <p:sp>
         <p:nvSpPr>
           <p:cNvPr id="255" name="标题 1"/>
-          <p:cNvSpPr txBox="1"/>
+          <p:cNvSpPr txBox="1">
+            <a:spLocks noGrp="1"/>
+          </p:cNvSpPr>
           <p:nvPr>
             <p:ph type="title"/>
           </p:nvPr>
@@ -8877,7 +9502,6 @@
             </a:lvl1pPr>
           </a:lstStyle>
           <a:p>
-            <a:pPr/>
             <a:r>
               <a:t>谢谢</a:t>
             </a:r>
@@ -8889,12 +9513,12 @@
   <p:clrMapOvr>
     <a:masterClrMapping/>
   </p:clrMapOvr>
-  <p:transition xmlns:p14="http://schemas.microsoft.com/office/powerpoint/2010/main" spd="med" advClick="1"/>
+  <p:transition spd="med"/>
 </p:sld>
 </file>
 
 <file path=ppt/slides/slide3.xml><?xml version="1.0" encoding="utf-8"?>
-<p:sld xmlns:a="http://schemas.openxmlformats.org/drawingml/2006/main" xmlns:r="http://schemas.openxmlformats.org/officeDocument/2006/relationships" xmlns:p="http://schemas.openxmlformats.org/presentationml/2006/main" showMasterSp="1" showMasterPhAnim="1">
+<p:sld xmlns:a="http://schemas.openxmlformats.org/drawingml/2006/main" xmlns:r="http://schemas.openxmlformats.org/officeDocument/2006/relationships" xmlns:p="http://schemas.openxmlformats.org/presentationml/2006/main">
   <p:cSld>
     <p:spTree>
       <p:nvGrpSpPr>
@@ -8913,7 +9537,9 @@
       <p:sp>
         <p:nvSpPr>
           <p:cNvPr id="191" name="标题 1"/>
-          <p:cNvSpPr txBox="1"/>
+          <p:cNvSpPr txBox="1">
+            <a:spLocks noGrp="1"/>
+          </p:cNvSpPr>
           <p:nvPr>
             <p:ph type="title"/>
           </p:nvPr>
@@ -8940,7 +9566,6 @@
             </a:lvl1pPr>
           </a:lstStyle>
           <a:p>
-            <a:pPr/>
             <a:r>
               <a:t>整体结构和机制-模块组成</a:t>
             </a:r>
@@ -8981,12 +9606,12 @@
   <p:clrMapOvr>
     <a:masterClrMapping/>
   </p:clrMapOvr>
-  <p:transition xmlns:p14="http://schemas.microsoft.com/office/powerpoint/2010/main" spd="med" advClick="1"/>
+  <p:transition spd="med"/>
 </p:sld>
 </file>
 
 <file path=ppt/slides/slide4.xml><?xml version="1.0" encoding="utf-8"?>
-<p:sld xmlns:a="http://schemas.openxmlformats.org/drawingml/2006/main" xmlns:r="http://schemas.openxmlformats.org/officeDocument/2006/relationships" xmlns:p="http://schemas.openxmlformats.org/presentationml/2006/main" showMasterSp="1" showMasterPhAnim="1">
+<p:sld xmlns:a="http://schemas.openxmlformats.org/drawingml/2006/main" xmlns:r="http://schemas.openxmlformats.org/officeDocument/2006/relationships" xmlns:p="http://schemas.openxmlformats.org/presentationml/2006/main">
   <p:cSld>
     <p:spTree>
       <p:nvGrpSpPr>
@@ -9005,7 +9630,9 @@
       <p:sp>
         <p:nvSpPr>
           <p:cNvPr id="194" name="标题 1"/>
-          <p:cNvSpPr txBox="1"/>
+          <p:cNvSpPr txBox="1">
+            <a:spLocks noGrp="1"/>
+          </p:cNvSpPr>
           <p:nvPr>
             <p:ph type="title"/>
           </p:nvPr>
@@ -9032,7 +9659,6 @@
             </a:lvl1pPr>
           </a:lstStyle>
           <a:p>
-            <a:pPr/>
             <a:r>
               <a:t>整体结构和机制-模块组成</a:t>
             </a:r>
@@ -9042,7 +9668,9 @@
       <p:sp>
         <p:nvSpPr>
           <p:cNvPr id="195" name="内容占位符 2"/>
-          <p:cNvSpPr txBox="1"/>
+          <p:cNvSpPr txBox="1">
+            <a:spLocks noGrp="1"/>
+          </p:cNvSpPr>
           <p:nvPr>
             <p:ph type="body" idx="1"/>
           </p:nvPr>
@@ -9405,12 +10033,12 @@
   <p:clrMapOvr>
     <a:masterClrMapping/>
   </p:clrMapOvr>
-  <p:transition xmlns:p14="http://schemas.microsoft.com/office/powerpoint/2010/main" spd="med" advClick="1"/>
+  <p:transition spd="med"/>
 </p:sld>
 </file>
 
 <file path=ppt/slides/slide5.xml><?xml version="1.0" encoding="utf-8"?>
-<p:sld xmlns:a="http://schemas.openxmlformats.org/drawingml/2006/main" xmlns:r="http://schemas.openxmlformats.org/officeDocument/2006/relationships" xmlns:p="http://schemas.openxmlformats.org/presentationml/2006/main" showMasterSp="1" showMasterPhAnim="1">
+<p:sld xmlns:a="http://schemas.openxmlformats.org/drawingml/2006/main" xmlns:r="http://schemas.openxmlformats.org/officeDocument/2006/relationships" xmlns:p="http://schemas.openxmlformats.org/presentationml/2006/main">
   <p:cSld>
     <p:spTree>
       <p:nvGrpSpPr>
@@ -9429,7 +10057,9 @@
       <p:sp>
         <p:nvSpPr>
           <p:cNvPr id="197" name="标题 1"/>
-          <p:cNvSpPr txBox="1"/>
+          <p:cNvSpPr txBox="1">
+            <a:spLocks noGrp="1"/>
+          </p:cNvSpPr>
           <p:nvPr>
             <p:ph type="title"/>
           </p:nvPr>
@@ -9456,7 +10086,6 @@
             </a:lvl1pPr>
           </a:lstStyle>
           <a:p>
-            <a:pPr/>
             <a:r>
               <a:t>整体结构和机制-初始化</a:t>
             </a:r>
@@ -9497,12 +10126,12 @@
   <p:clrMapOvr>
     <a:masterClrMapping/>
   </p:clrMapOvr>
-  <p:transition xmlns:p14="http://schemas.microsoft.com/office/powerpoint/2010/main" spd="med" advClick="1"/>
+  <p:transition spd="med"/>
 </p:sld>
 </file>
 
 <file path=ppt/slides/slide6.xml><?xml version="1.0" encoding="utf-8"?>
-<p:sld xmlns:a="http://schemas.openxmlformats.org/drawingml/2006/main" xmlns:r="http://schemas.openxmlformats.org/officeDocument/2006/relationships" xmlns:p="http://schemas.openxmlformats.org/presentationml/2006/main" showMasterSp="1" showMasterPhAnim="1">
+<p:sld xmlns:a="http://schemas.openxmlformats.org/drawingml/2006/main" xmlns:r="http://schemas.openxmlformats.org/officeDocument/2006/relationships" xmlns:p="http://schemas.openxmlformats.org/presentationml/2006/main">
   <p:cSld>
     <p:spTree>
       <p:nvGrpSpPr>
@@ -9521,7 +10150,9 @@
       <p:sp>
         <p:nvSpPr>
           <p:cNvPr id="200" name="标题 1"/>
-          <p:cNvSpPr txBox="1"/>
+          <p:cNvSpPr txBox="1">
+            <a:spLocks noGrp="1"/>
+          </p:cNvSpPr>
           <p:nvPr>
             <p:ph type="title"/>
           </p:nvPr>
@@ -9548,7 +10179,6 @@
             </a:lvl1pPr>
           </a:lstStyle>
           <a:p>
-            <a:pPr/>
             <a:r>
               <a:t>整体结构和机制-原型链继承</a:t>
             </a:r>
@@ -9558,7 +10188,9 @@
       <p:sp>
         <p:nvSpPr>
           <p:cNvPr id="201" name="内容占位符 2"/>
-          <p:cNvSpPr txBox="1"/>
+          <p:cNvSpPr txBox="1">
+            <a:spLocks noGrp="1"/>
+          </p:cNvSpPr>
           <p:nvPr>
             <p:ph type="body" idx="1"/>
           </p:nvPr>
@@ -9595,6 +10227,7 @@
                 <a:sym typeface="Georgia"/>
               </a:defRPr>
             </a:pPr>
+            <a:endParaRPr/>
           </a:p>
           <a:p>
             <a:pPr marL="0" indent="0">
@@ -9616,6 +10249,7 @@
                 <a:sym typeface="Georgia"/>
               </a:defRPr>
             </a:pPr>
+            <a:endParaRPr/>
           </a:p>
           <a:p>
             <a:pPr marL="0" indent="0">
@@ -9637,6 +10271,7 @@
                 <a:sym typeface="Georgia"/>
               </a:defRPr>
             </a:pPr>
+            <a:endParaRPr/>
           </a:p>
           <a:p>
             <a:pPr marL="0" indent="0">
@@ -9658,6 +10293,7 @@
                 <a:sym typeface="Georgia"/>
               </a:defRPr>
             </a:pPr>
+            <a:endParaRPr/>
           </a:p>
           <a:p>
             <a:pPr marL="0" indent="0">
@@ -9679,6 +10315,7 @@
                 <a:sym typeface="Georgia"/>
               </a:defRPr>
             </a:pPr>
+            <a:endParaRPr/>
           </a:p>
         </p:txBody>
       </p:sp>
@@ -9716,12 +10353,12 @@
   <p:clrMapOvr>
     <a:masterClrMapping/>
   </p:clrMapOvr>
-  <p:transition xmlns:p14="http://schemas.microsoft.com/office/powerpoint/2010/main" spd="med" advClick="1"/>
+  <p:transition spd="med"/>
 </p:sld>
 </file>
 
 <file path=ppt/slides/slide7.xml><?xml version="1.0" encoding="utf-8"?>
-<p:sld xmlns:a="http://schemas.openxmlformats.org/drawingml/2006/main" xmlns:r="http://schemas.openxmlformats.org/officeDocument/2006/relationships" xmlns:p="http://schemas.openxmlformats.org/presentationml/2006/main" showMasterSp="1" showMasterPhAnim="1">
+<p:sld xmlns:a="http://schemas.openxmlformats.org/drawingml/2006/main" xmlns:r="http://schemas.openxmlformats.org/officeDocument/2006/relationships" xmlns:p="http://schemas.openxmlformats.org/presentationml/2006/main">
   <p:cSld>
     <p:spTree>
       <p:nvGrpSpPr>
@@ -9740,7 +10377,9 @@
       <p:sp>
         <p:nvSpPr>
           <p:cNvPr id="204" name="标题 1"/>
-          <p:cNvSpPr txBox="1"/>
+          <p:cNvSpPr txBox="1">
+            <a:spLocks noGrp="1"/>
+          </p:cNvSpPr>
           <p:nvPr>
             <p:ph type="title"/>
           </p:nvPr>
@@ -9767,7 +10406,6 @@
             </a:lvl1pPr>
           </a:lstStyle>
           <a:p>
-            <a:pPr/>
             <a:r>
               <a:t>整体结构和机制-其它模块</a:t>
             </a:r>
@@ -9777,7 +10415,9 @@
       <p:sp>
         <p:nvSpPr>
           <p:cNvPr id="205" name="内容占位符 2"/>
-          <p:cNvSpPr txBox="1"/>
+          <p:cNvSpPr txBox="1">
+            <a:spLocks noGrp="1"/>
+          </p:cNvSpPr>
           <p:nvPr>
             <p:ph type="body" idx="1"/>
           </p:nvPr>
@@ -9838,6 +10478,7 @@
                 <a:sym typeface="Georgia"/>
               </a:defRPr>
             </a:pPr>
+            <a:endParaRPr/>
           </a:p>
           <a:p>
             <a:pPr marL="0" indent="0">
@@ -9883,6 +10524,7 @@
                 <a:sym typeface="Georgia"/>
               </a:defRPr>
             </a:pPr>
+            <a:endParaRPr/>
           </a:p>
           <a:p>
             <a:pPr marL="0" indent="0">
@@ -9915,12 +10557,12 @@
   <p:clrMapOvr>
     <a:masterClrMapping/>
   </p:clrMapOvr>
-  <p:transition xmlns:p14="http://schemas.microsoft.com/office/powerpoint/2010/main" spd="med" advClick="1"/>
+  <p:transition spd="med"/>
 </p:sld>
 </file>
 
 <file path=ppt/slides/slide8.xml><?xml version="1.0" encoding="utf-8"?>
-<p:sld xmlns:a="http://schemas.openxmlformats.org/drawingml/2006/main" xmlns:r="http://schemas.openxmlformats.org/officeDocument/2006/relationships" xmlns:p="http://schemas.openxmlformats.org/presentationml/2006/main" showMasterSp="1" showMasterPhAnim="1">
+<p:sld xmlns:a="http://schemas.openxmlformats.org/drawingml/2006/main" xmlns:r="http://schemas.openxmlformats.org/officeDocument/2006/relationships" xmlns:p="http://schemas.openxmlformats.org/presentationml/2006/main">
   <p:cSld>
     <p:spTree>
       <p:nvGrpSpPr>
@@ -9939,7 +10581,9 @@
       <p:sp>
         <p:nvSpPr>
           <p:cNvPr id="207" name="标题 1"/>
-          <p:cNvSpPr txBox="1"/>
+          <p:cNvSpPr txBox="1">
+            <a:spLocks noGrp="1"/>
+          </p:cNvSpPr>
           <p:nvPr>
             <p:ph type="title"/>
           </p:nvPr>
@@ -9966,7 +10610,6 @@
             </a:lvl1pPr>
           </a:lstStyle>
           <a:p>
-            <a:pPr/>
             <a:r>
               <a:t>整体结构和机制-添加插件</a:t>
             </a:r>
@@ -9976,7 +10619,9 @@
       <p:sp>
         <p:nvSpPr>
           <p:cNvPr id="208" name="内容占位符 2"/>
-          <p:cNvSpPr txBox="1"/>
+          <p:cNvSpPr txBox="1">
+            <a:spLocks noGrp="1"/>
+          </p:cNvSpPr>
           <p:nvPr>
             <p:ph type="body" idx="1"/>
           </p:nvPr>
@@ -10013,6 +10658,7 @@
                 <a:sym typeface="PingFang SC Regular"/>
               </a:defRPr>
             </a:pPr>
+            <a:endParaRPr/>
           </a:p>
           <a:p>
             <a:pPr marL="0" indent="0">
@@ -10034,6 +10680,7 @@
                 <a:sym typeface="PingFang SC Regular"/>
               </a:defRPr>
             </a:pPr>
+            <a:endParaRPr/>
           </a:p>
           <a:p>
             <a:pPr marL="0" indent="0">
@@ -10162,12 +10809,12 @@
   <p:clrMapOvr>
     <a:masterClrMapping/>
   </p:clrMapOvr>
-  <p:transition xmlns:p14="http://schemas.microsoft.com/office/powerpoint/2010/main" spd="med" advClick="1"/>
+  <p:transition spd="med"/>
 </p:sld>
 </file>
 
 <file path=ppt/slides/slide9.xml><?xml version="1.0" encoding="utf-8"?>
-<p:sld xmlns:a="http://schemas.openxmlformats.org/drawingml/2006/main" xmlns:r="http://schemas.openxmlformats.org/officeDocument/2006/relationships" xmlns:p="http://schemas.openxmlformats.org/presentationml/2006/main" showMasterSp="1" showMasterPhAnim="1">
+<p:sld xmlns:a="http://schemas.openxmlformats.org/drawingml/2006/main" xmlns:r="http://schemas.openxmlformats.org/officeDocument/2006/relationships" xmlns:p="http://schemas.openxmlformats.org/presentationml/2006/main">
   <p:cSld>
     <p:spTree>
       <p:nvGrpSpPr>
@@ -10186,7 +10833,9 @@
       <p:sp>
         <p:nvSpPr>
           <p:cNvPr id="210" name="标题 1"/>
-          <p:cNvSpPr txBox="1"/>
+          <p:cNvSpPr txBox="1">
+            <a:spLocks noGrp="1"/>
+          </p:cNvSpPr>
           <p:nvPr>
             <p:ph type="title"/>
           </p:nvPr>
@@ -10213,7 +10862,6 @@
             </a:lvl1pPr>
           </a:lstStyle>
           <a:p>
-            <a:pPr/>
             <a:r>
               <a:t>整体结构和机制-链式调用</a:t>
             </a:r>
@@ -10223,7 +10871,9 @@
       <p:sp>
         <p:nvSpPr>
           <p:cNvPr id="211" name="原型链上的方法最后都会return 当前对象实例"/>
-          <p:cNvSpPr txBox="1"/>
+          <p:cNvSpPr txBox="1">
+            <a:spLocks noGrp="1"/>
+          </p:cNvSpPr>
           <p:nvPr>
             <p:ph type="body" idx="1"/>
           </p:nvPr>
@@ -10260,6 +10910,7 @@
                 <a:sym typeface="PingFang SC Regular"/>
               </a:defRPr>
             </a:pPr>
+            <a:endParaRPr/>
           </a:p>
           <a:p>
             <a:pPr marL="0" indent="0">
@@ -10292,12 +10943,12 @@
   <p:clrMapOvr>
     <a:masterClrMapping/>
   </p:clrMapOvr>
-  <p:transition xmlns:p14="http://schemas.microsoft.com/office/powerpoint/2010/main" spd="med" advClick="1"/>
+  <p:transition spd="med"/>
 </p:sld>
 </file>
 
 <file path=ppt/theme/theme1.xml><?xml version="1.0" encoding="utf-8"?>
-<a:theme xmlns:a="http://schemas.openxmlformats.org/drawingml/2006/main" xmlns:r="http://schemas.openxmlformats.org/officeDocument/2006/relationships" name="平面">
+<a:theme xmlns:a="http://schemas.openxmlformats.org/drawingml/2006/main" name="平面">
   <a:themeElements>
     <a:clrScheme name="平面">
       <a:dk1>
@@ -10423,7 +11074,7 @@
       <a:effectStyleLst>
         <a:effectStyle>
           <a:effectLst>
-            <a:outerShdw sx="100000" sy="100000" kx="0" ky="0" algn="b" rotWithShape="0" blurRad="38100" dist="25400" dir="5400000">
+            <a:outerShdw blurRad="38100" dist="25400" dir="5400000" rotWithShape="0">
               <a:srgbClr val="000000">
                 <a:alpha val="35000"/>
               </a:srgbClr>
@@ -10432,7 +11083,7 @@
         </a:effectStyle>
         <a:effectStyle>
           <a:effectLst>
-            <a:outerShdw sx="100000" sy="100000" kx="0" ky="0" algn="b" rotWithShape="0" blurRad="38100" dist="25400" dir="5400000">
+            <a:outerShdw blurRad="38100" dist="25400" dir="5400000" rotWithShape="0">
               <a:srgbClr val="000000">
                 <a:alpha val="35000"/>
               </a:srgbClr>
@@ -10441,7 +11092,7 @@
         </a:effectStyle>
         <a:effectStyle>
           <a:effectLst>
-            <a:outerShdw sx="100000" sy="100000" kx="0" ky="0" algn="b" rotWithShape="0" blurRad="38100" dist="25400" dir="5400000">
+            <a:outerShdw blurRad="38100" dist="25400" dir="5400000" rotWithShape="0">
               <a:srgbClr val="000000">
                 <a:alpha val="35000"/>
               </a:srgbClr>
@@ -10515,7 +11166,7 @@
           <a:round/>
         </a:ln>
         <a:effectLst>
-          <a:outerShdw sx="100000" sy="100000" kx="0" ky="0" algn="b" rotWithShape="0" blurRad="38100" dist="25400" dir="5400000">
+          <a:outerShdw blurRad="38100" dist="25400" dir="5400000" rotWithShape="0">
             <a:srgbClr val="000000">
               <a:alpha val="35000"/>
             </a:srgbClr>
@@ -10523,7 +11174,7 @@
         </a:effectLst>
         <a:sp3d/>
       </a:spPr>
-      <a:bodyPr rot="0" spcFirstLastPara="1" vertOverflow="overflow" horzOverflow="overflow" vert="horz" wrap="square" lIns="45718" tIns="45718" rIns="45718" bIns="45718" numCol="1" spcCol="38100" rtlCol="0" anchor="ctr" upright="0">
+      <a:bodyPr rot="0" spcFirstLastPara="1" vertOverflow="overflow" horzOverflow="overflow" vert="horz" wrap="square" lIns="45718" tIns="45718" rIns="45718" bIns="45718" numCol="1" spcCol="38100" rtlCol="0" anchor="ctr">
         <a:spAutoFit/>
       </a:bodyPr>
       <a:lstStyle>
@@ -10542,7 +11193,7 @@
           <a:buFontTx/>
           <a:buNone/>
           <a:tabLst/>
-          <a:defRPr b="0" baseline="0" cap="none" i="0" spc="0" strike="noStrike" sz="1800" u="none" kumimoji="0" normalizeH="0">
+          <a:defRPr kumimoji="0" sz="1800" b="0" i="0" u="none" strike="noStrike" cap="none" spc="0" normalizeH="0" baseline="0">
             <a:ln>
               <a:noFill/>
             </a:ln>
@@ -10572,7 +11223,7 @@
           <a:buFontTx/>
           <a:buNone/>
           <a:tabLst/>
-          <a:defRPr b="0" baseline="0" cap="none" i="0" spc="0" strike="noStrike" sz="1800" u="none" kumimoji="0" normalizeH="0">
+          <a:defRPr kumimoji="0" sz="1800" b="0" i="0" u="none" strike="noStrike" cap="none" spc="0" normalizeH="0" baseline="0">
             <a:ln>
               <a:noFill/>
             </a:ln>
@@ -10598,7 +11249,7 @@
           <a:buFontTx/>
           <a:buNone/>
           <a:tabLst/>
-          <a:defRPr b="0" baseline="0" cap="none" i="0" spc="0" strike="noStrike" sz="1800" u="none" kumimoji="0" normalizeH="0">
+          <a:defRPr kumimoji="0" sz="1800" b="0" i="0" u="none" strike="noStrike" cap="none" spc="0" normalizeH="0" baseline="0">
             <a:ln>
               <a:noFill/>
             </a:ln>
@@ -10624,7 +11275,7 @@
           <a:buFontTx/>
           <a:buNone/>
           <a:tabLst/>
-          <a:defRPr b="0" baseline="0" cap="none" i="0" spc="0" strike="noStrike" sz="1800" u="none" kumimoji="0" normalizeH="0">
+          <a:defRPr kumimoji="0" sz="1800" b="0" i="0" u="none" strike="noStrike" cap="none" spc="0" normalizeH="0" baseline="0">
             <a:ln>
               <a:noFill/>
             </a:ln>
@@ -10650,7 +11301,7 @@
           <a:buFontTx/>
           <a:buNone/>
           <a:tabLst/>
-          <a:defRPr b="0" baseline="0" cap="none" i="0" spc="0" strike="noStrike" sz="1800" u="none" kumimoji="0" normalizeH="0">
+          <a:defRPr kumimoji="0" sz="1800" b="0" i="0" u="none" strike="noStrike" cap="none" spc="0" normalizeH="0" baseline="0">
             <a:ln>
               <a:noFill/>
             </a:ln>
@@ -10676,7 +11327,7 @@
           <a:buFontTx/>
           <a:buNone/>
           <a:tabLst/>
-          <a:defRPr b="0" baseline="0" cap="none" i="0" spc="0" strike="noStrike" sz="1800" u="none" kumimoji="0" normalizeH="0">
+          <a:defRPr kumimoji="0" sz="1800" b="0" i="0" u="none" strike="noStrike" cap="none" spc="0" normalizeH="0" baseline="0">
             <a:ln>
               <a:noFill/>
             </a:ln>
@@ -10702,7 +11353,7 @@
           <a:buFontTx/>
           <a:buNone/>
           <a:tabLst/>
-          <a:defRPr b="0" baseline="0" cap="none" i="0" spc="0" strike="noStrike" sz="1800" u="none" kumimoji="0" normalizeH="0">
+          <a:defRPr kumimoji="0" sz="1800" b="0" i="0" u="none" strike="noStrike" cap="none" spc="0" normalizeH="0" baseline="0">
             <a:ln>
               <a:noFill/>
             </a:ln>
@@ -10728,7 +11379,7 @@
           <a:buFontTx/>
           <a:buNone/>
           <a:tabLst/>
-          <a:defRPr b="0" baseline="0" cap="none" i="0" spc="0" strike="noStrike" sz="1800" u="none" kumimoji="0" normalizeH="0">
+          <a:defRPr kumimoji="0" sz="1800" b="0" i="0" u="none" strike="noStrike" cap="none" spc="0" normalizeH="0" baseline="0">
             <a:ln>
               <a:noFill/>
             </a:ln>
@@ -10754,7 +11405,7 @@
           <a:buFontTx/>
           <a:buNone/>
           <a:tabLst/>
-          <a:defRPr b="0" baseline="0" cap="none" i="0" spc="0" strike="noStrike" sz="1800" u="none" kumimoji="0" normalizeH="0">
+          <a:defRPr kumimoji="0" sz="1800" b="0" i="0" u="none" strike="noStrike" cap="none" spc="0" normalizeH="0" baseline="0">
             <a:ln>
               <a:noFill/>
             </a:ln>
@@ -10780,7 +11431,7 @@
           <a:buFontTx/>
           <a:buNone/>
           <a:tabLst/>
-          <a:defRPr b="0" baseline="0" cap="none" i="0" spc="0" strike="noStrike" sz="1800" u="none" kumimoji="0" normalizeH="0">
+          <a:defRPr kumimoji="0" sz="1800" b="0" i="0" u="none" strike="noStrike" cap="none" spc="0" normalizeH="0" baseline="0">
             <a:ln>
               <a:noFill/>
             </a:ln>
@@ -10793,9 +11444,15 @@
         </a:lvl9pPr>
       </a:lstStyle>
       <a:style>
-        <a:lnRef idx="0"/>
-        <a:fillRef idx="0"/>
-        <a:effectRef idx="0"/>
+        <a:lnRef idx="0">
+          <a:scrgbClr r="0" g="0" b="0"/>
+        </a:lnRef>
+        <a:fillRef idx="0">
+          <a:scrgbClr r="0" g="0" b="0"/>
+        </a:fillRef>
+        <a:effectRef idx="0">
+          <a:scrgbClr r="0" g="0" b="0"/>
+        </a:effectRef>
         <a:fontRef idx="none"/>
       </a:style>
     </a:spDef>
@@ -10810,7 +11467,7 @@
           <a:round/>
         </a:ln>
         <a:effectLst>
-          <a:outerShdw sx="100000" sy="100000" kx="0" ky="0" algn="b" rotWithShape="0" blurRad="38100" dist="25400" dir="5400000">
+          <a:outerShdw blurRad="38100" dist="25400" dir="5400000" rotWithShape="0">
             <a:srgbClr val="000000">
               <a:alpha val="35000"/>
             </a:srgbClr>
@@ -10818,7 +11475,7 @@
         </a:effectLst>
         <a:sp3d/>
       </a:spPr>
-      <a:bodyPr rot="0" spcFirstLastPara="1" vertOverflow="overflow" horzOverflow="overflow" vert="horz" wrap="square" lIns="91439" tIns="45719" rIns="91439" bIns="45719" numCol="1" spcCol="38100" rtlCol="0" anchor="t" upright="0">
+      <a:bodyPr rot="0" spcFirstLastPara="1" vertOverflow="overflow" horzOverflow="overflow" vert="horz" wrap="square" lIns="91439" tIns="45719" rIns="91439" bIns="45719" numCol="1" spcCol="38100" rtlCol="0" anchor="t">
         <a:noAutofit/>
       </a:bodyPr>
       <a:lstStyle>
@@ -10837,7 +11494,7 @@
           <a:buFontTx/>
           <a:buNone/>
           <a:tabLst/>
-          <a:defRPr b="0" baseline="0" cap="none" i="0" spc="0" strike="noStrike" sz="1800" u="none" kumimoji="0" normalizeH="0">
+          <a:defRPr kumimoji="0" sz="1800" b="0" i="0" u="none" strike="noStrike" cap="none" spc="0" normalizeH="0" baseline="0">
             <a:ln>
               <a:noFill/>
             </a:ln>
@@ -10863,7 +11520,7 @@
           <a:buFontTx/>
           <a:buNone/>
           <a:tabLst/>
-          <a:defRPr b="0" baseline="0" cap="none" i="0" spc="0" strike="noStrike" sz="1800" u="none" kumimoji="0" normalizeH="0">
+          <a:defRPr kumimoji="0" sz="1800" b="0" i="0" u="none" strike="noStrike" cap="none" spc="0" normalizeH="0" baseline="0">
             <a:ln>
               <a:noFill/>
             </a:ln>
@@ -10889,7 +11546,7 @@
           <a:buFontTx/>
           <a:buNone/>
           <a:tabLst/>
-          <a:defRPr b="0" baseline="0" cap="none" i="0" spc="0" strike="noStrike" sz="1800" u="none" kumimoji="0" normalizeH="0">
+          <a:defRPr kumimoji="0" sz="1800" b="0" i="0" u="none" strike="noStrike" cap="none" spc="0" normalizeH="0" baseline="0">
             <a:ln>
               <a:noFill/>
             </a:ln>
@@ -10915,7 +11572,7 @@
           <a:buFontTx/>
           <a:buNone/>
           <a:tabLst/>
-          <a:defRPr b="0" baseline="0" cap="none" i="0" spc="0" strike="noStrike" sz="1800" u="none" kumimoji="0" normalizeH="0">
+          <a:defRPr kumimoji="0" sz="1800" b="0" i="0" u="none" strike="noStrike" cap="none" spc="0" normalizeH="0" baseline="0">
             <a:ln>
               <a:noFill/>
             </a:ln>
@@ -10941,7 +11598,7 @@
           <a:buFontTx/>
           <a:buNone/>
           <a:tabLst/>
-          <a:defRPr b="0" baseline="0" cap="none" i="0" spc="0" strike="noStrike" sz="1800" u="none" kumimoji="0" normalizeH="0">
+          <a:defRPr kumimoji="0" sz="1800" b="0" i="0" u="none" strike="noStrike" cap="none" spc="0" normalizeH="0" baseline="0">
             <a:ln>
               <a:noFill/>
             </a:ln>
@@ -10967,7 +11624,7 @@
           <a:buFontTx/>
           <a:buNone/>
           <a:tabLst/>
-          <a:defRPr b="0" baseline="0" cap="none" i="0" spc="0" strike="noStrike" sz="1800" u="none" kumimoji="0" normalizeH="0">
+          <a:defRPr kumimoji="0" sz="1800" b="0" i="0" u="none" strike="noStrike" cap="none" spc="0" normalizeH="0" baseline="0">
             <a:ln>
               <a:noFill/>
             </a:ln>
@@ -10993,7 +11650,7 @@
           <a:buFontTx/>
           <a:buNone/>
           <a:tabLst/>
-          <a:defRPr b="0" baseline="0" cap="none" i="0" spc="0" strike="noStrike" sz="1800" u="none" kumimoji="0" normalizeH="0">
+          <a:defRPr kumimoji="0" sz="1800" b="0" i="0" u="none" strike="noStrike" cap="none" spc="0" normalizeH="0" baseline="0">
             <a:ln>
               <a:noFill/>
             </a:ln>
@@ -11019,7 +11676,7 @@
           <a:buFontTx/>
           <a:buNone/>
           <a:tabLst/>
-          <a:defRPr b="0" baseline="0" cap="none" i="0" spc="0" strike="noStrike" sz="1800" u="none" kumimoji="0" normalizeH="0">
+          <a:defRPr kumimoji="0" sz="1800" b="0" i="0" u="none" strike="noStrike" cap="none" spc="0" normalizeH="0" baseline="0">
             <a:ln>
               <a:noFill/>
             </a:ln>
@@ -11045,7 +11702,7 @@
           <a:buFontTx/>
           <a:buNone/>
           <a:tabLst/>
-          <a:defRPr b="0" baseline="0" cap="none" i="0" spc="0" strike="noStrike" sz="1800" u="none" kumimoji="0" normalizeH="0">
+          <a:defRPr kumimoji="0" sz="1800" b="0" i="0" u="none" strike="noStrike" cap="none" spc="0" normalizeH="0" baseline="0">
             <a:ln>
               <a:noFill/>
             </a:ln>
@@ -11071,7 +11728,7 @@
           <a:buFontTx/>
           <a:buNone/>
           <a:tabLst/>
-          <a:defRPr b="0" baseline="0" cap="none" i="0" spc="0" strike="noStrike" sz="1800" u="none" kumimoji="0" normalizeH="0">
+          <a:defRPr kumimoji="0" sz="1800" b="0" i="0" u="none" strike="noStrike" cap="none" spc="0" normalizeH="0" baseline="0">
             <a:ln>
               <a:noFill/>
             </a:ln>
@@ -11084,9 +11741,15 @@
         </a:lvl9pPr>
       </a:lstStyle>
       <a:style>
-        <a:lnRef idx="0"/>
-        <a:fillRef idx="0"/>
-        <a:effectRef idx="0"/>
+        <a:lnRef idx="0">
+          <a:scrgbClr r="0" g="0" b="0"/>
+        </a:lnRef>
+        <a:fillRef idx="0">
+          <a:scrgbClr r="0" g="0" b="0"/>
+        </a:fillRef>
+        <a:effectRef idx="0">
+          <a:scrgbClr r="0" g="0" b="0"/>
+        </a:effectRef>
         <a:fontRef idx="none"/>
       </a:style>
     </a:lnDef>
@@ -11100,7 +11763,7 @@
         <a:effectLst/>
         <a:sp3d/>
       </a:spPr>
-      <a:bodyPr rot="0" spcFirstLastPara="1" vertOverflow="overflow" horzOverflow="overflow" vert="horz" wrap="square" lIns="45718" tIns="45718" rIns="45718" bIns="45718" numCol="1" spcCol="38100" rtlCol="0" anchor="t" upright="0">
+      <a:bodyPr rot="0" spcFirstLastPara="1" vertOverflow="overflow" horzOverflow="overflow" vert="horz" wrap="square" lIns="45718" tIns="45718" rIns="45718" bIns="45718" numCol="1" spcCol="38100" rtlCol="0" anchor="t">
         <a:spAutoFit/>
       </a:bodyPr>
       <a:lstStyle>
@@ -11119,7 +11782,7 @@
           <a:buFontTx/>
           <a:buNone/>
           <a:tabLst/>
-          <a:defRPr b="0" baseline="0" cap="none" i="0" spc="0" strike="noStrike" sz="1800" u="none" kumimoji="0" normalizeH="0">
+          <a:defRPr kumimoji="0" sz="1800" b="0" i="0" u="none" strike="noStrike" cap="none" spc="0" normalizeH="0" baseline="0">
             <a:ln>
               <a:noFill/>
             </a:ln>
@@ -11149,7 +11812,7 @@
           <a:buFontTx/>
           <a:buNone/>
           <a:tabLst/>
-          <a:defRPr b="0" baseline="0" cap="none" i="0" spc="0" strike="noStrike" sz="1800" u="none" kumimoji="0" normalizeH="0">
+          <a:defRPr kumimoji="0" sz="1800" b="0" i="0" u="none" strike="noStrike" cap="none" spc="0" normalizeH="0" baseline="0">
             <a:ln>
               <a:noFill/>
             </a:ln>
@@ -11175,7 +11838,7 @@
           <a:buFontTx/>
           <a:buNone/>
           <a:tabLst/>
-          <a:defRPr b="0" baseline="0" cap="none" i="0" spc="0" strike="noStrike" sz="1800" u="none" kumimoji="0" normalizeH="0">
+          <a:defRPr kumimoji="0" sz="1800" b="0" i="0" u="none" strike="noStrike" cap="none" spc="0" normalizeH="0" baseline="0">
             <a:ln>
               <a:noFill/>
             </a:ln>
@@ -11201,7 +11864,7 @@
           <a:buFontTx/>
           <a:buNone/>
           <a:tabLst/>
-          <a:defRPr b="0" baseline="0" cap="none" i="0" spc="0" strike="noStrike" sz="1800" u="none" kumimoji="0" normalizeH="0">
+          <a:defRPr kumimoji="0" sz="1800" b="0" i="0" u="none" strike="noStrike" cap="none" spc="0" normalizeH="0" baseline="0">
             <a:ln>
               <a:noFill/>
             </a:ln>
@@ -11227,7 +11890,7 @@
           <a:buFontTx/>
           <a:buNone/>
           <a:tabLst/>
-          <a:defRPr b="0" baseline="0" cap="none" i="0" spc="0" strike="noStrike" sz="1800" u="none" kumimoji="0" normalizeH="0">
+          <a:defRPr kumimoji="0" sz="1800" b="0" i="0" u="none" strike="noStrike" cap="none" spc="0" normalizeH="0" baseline="0">
             <a:ln>
               <a:noFill/>
             </a:ln>
@@ -11253,7 +11916,7 @@
           <a:buFontTx/>
           <a:buNone/>
           <a:tabLst/>
-          <a:defRPr b="0" baseline="0" cap="none" i="0" spc="0" strike="noStrike" sz="1800" u="none" kumimoji="0" normalizeH="0">
+          <a:defRPr kumimoji="0" sz="1800" b="0" i="0" u="none" strike="noStrike" cap="none" spc="0" normalizeH="0" baseline="0">
             <a:ln>
               <a:noFill/>
             </a:ln>
@@ -11279,7 +11942,7 @@
           <a:buFontTx/>
           <a:buNone/>
           <a:tabLst/>
-          <a:defRPr b="0" baseline="0" cap="none" i="0" spc="0" strike="noStrike" sz="1800" u="none" kumimoji="0" normalizeH="0">
+          <a:defRPr kumimoji="0" sz="1800" b="0" i="0" u="none" strike="noStrike" cap="none" spc="0" normalizeH="0" baseline="0">
             <a:ln>
               <a:noFill/>
             </a:ln>
@@ -11305,7 +11968,7 @@
           <a:buFontTx/>
           <a:buNone/>
           <a:tabLst/>
-          <a:defRPr b="0" baseline="0" cap="none" i="0" spc="0" strike="noStrike" sz="1800" u="none" kumimoji="0" normalizeH="0">
+          <a:defRPr kumimoji="0" sz="1800" b="0" i="0" u="none" strike="noStrike" cap="none" spc="0" normalizeH="0" baseline="0">
             <a:ln>
               <a:noFill/>
             </a:ln>
@@ -11331,7 +11994,7 @@
           <a:buFontTx/>
           <a:buNone/>
           <a:tabLst/>
-          <a:defRPr b="0" baseline="0" cap="none" i="0" spc="0" strike="noStrike" sz="1800" u="none" kumimoji="0" normalizeH="0">
+          <a:defRPr kumimoji="0" sz="1800" b="0" i="0" u="none" strike="noStrike" cap="none" spc="0" normalizeH="0" baseline="0">
             <a:ln>
               <a:noFill/>
             </a:ln>
@@ -11357,7 +12020,7 @@
           <a:buFontTx/>
           <a:buNone/>
           <a:tabLst/>
-          <a:defRPr b="0" baseline="0" cap="none" i="0" spc="0" strike="noStrike" sz="1800" u="none" kumimoji="0" normalizeH="0">
+          <a:defRPr kumimoji="0" sz="1800" b="0" i="0" u="none" strike="noStrike" cap="none" spc="0" normalizeH="0" baseline="0">
             <a:ln>
               <a:noFill/>
             </a:ln>
@@ -11370,18 +12033,25 @@
         </a:lvl9pPr>
       </a:lstStyle>
       <a:style>
-        <a:lnRef idx="0"/>
-        <a:fillRef idx="0"/>
-        <a:effectRef idx="0"/>
+        <a:lnRef idx="0">
+          <a:scrgbClr r="0" g="0" b="0"/>
+        </a:lnRef>
+        <a:fillRef idx="0">
+          <a:scrgbClr r="0" g="0" b="0"/>
+        </a:fillRef>
+        <a:effectRef idx="0">
+          <a:scrgbClr r="0" g="0" b="0"/>
+        </a:effectRef>
         <a:fontRef idx="none"/>
       </a:style>
     </a:txDef>
   </a:objectDefaults>
+  <a:extraClrSchemeLst/>
 </a:theme>
 </file>
 
 <file path=ppt/theme/theme2.xml><?xml version="1.0" encoding="utf-8"?>
-<a:theme xmlns:a="http://schemas.openxmlformats.org/drawingml/2006/main" xmlns:r="http://schemas.openxmlformats.org/officeDocument/2006/relationships" name="平面">
+<a:theme xmlns:a="http://schemas.openxmlformats.org/drawingml/2006/main" name="平面">
   <a:themeElements>
     <a:clrScheme name="平面">
       <a:dk1>
@@ -11507,7 +12177,7 @@
       <a:effectStyleLst>
         <a:effectStyle>
           <a:effectLst>
-            <a:outerShdw sx="100000" sy="100000" kx="0" ky="0" algn="b" rotWithShape="0" blurRad="38100" dist="25400" dir="5400000">
+            <a:outerShdw blurRad="38100" dist="25400" dir="5400000" rotWithShape="0">
               <a:srgbClr val="000000">
                 <a:alpha val="35000"/>
               </a:srgbClr>
@@ -11516,7 +12186,7 @@
         </a:effectStyle>
         <a:effectStyle>
           <a:effectLst>
-            <a:outerShdw sx="100000" sy="100000" kx="0" ky="0" algn="b" rotWithShape="0" blurRad="38100" dist="25400" dir="5400000">
+            <a:outerShdw blurRad="38100" dist="25400" dir="5400000" rotWithShape="0">
               <a:srgbClr val="000000">
                 <a:alpha val="35000"/>
               </a:srgbClr>
@@ -11525,7 +12195,7 @@
         </a:effectStyle>
         <a:effectStyle>
           <a:effectLst>
-            <a:outerShdw sx="100000" sy="100000" kx="0" ky="0" algn="b" rotWithShape="0" blurRad="38100" dist="25400" dir="5400000">
+            <a:outerShdw blurRad="38100" dist="25400" dir="5400000" rotWithShape="0">
               <a:srgbClr val="000000">
                 <a:alpha val="35000"/>
               </a:srgbClr>
@@ -11599,7 +12269,7 @@
           <a:round/>
         </a:ln>
         <a:effectLst>
-          <a:outerShdw sx="100000" sy="100000" kx="0" ky="0" algn="b" rotWithShape="0" blurRad="38100" dist="25400" dir="5400000">
+          <a:outerShdw blurRad="38100" dist="25400" dir="5400000" rotWithShape="0">
             <a:srgbClr val="000000">
               <a:alpha val="35000"/>
             </a:srgbClr>
@@ -11607,7 +12277,7 @@
         </a:effectLst>
         <a:sp3d/>
       </a:spPr>
-      <a:bodyPr rot="0" spcFirstLastPara="1" vertOverflow="overflow" horzOverflow="overflow" vert="horz" wrap="square" lIns="45718" tIns="45718" rIns="45718" bIns="45718" numCol="1" spcCol="38100" rtlCol="0" anchor="ctr" upright="0">
+      <a:bodyPr rot="0" spcFirstLastPara="1" vertOverflow="overflow" horzOverflow="overflow" vert="horz" wrap="square" lIns="45718" tIns="45718" rIns="45718" bIns="45718" numCol="1" spcCol="38100" rtlCol="0" anchor="ctr">
         <a:spAutoFit/>
       </a:bodyPr>
       <a:lstStyle>
@@ -11626,7 +12296,7 @@
           <a:buFontTx/>
           <a:buNone/>
           <a:tabLst/>
-          <a:defRPr b="0" baseline="0" cap="none" i="0" spc="0" strike="noStrike" sz="1800" u="none" kumimoji="0" normalizeH="0">
+          <a:defRPr kumimoji="0" sz="1800" b="0" i="0" u="none" strike="noStrike" cap="none" spc="0" normalizeH="0" baseline="0">
             <a:ln>
               <a:noFill/>
             </a:ln>
@@ -11656,7 +12326,7 @@
           <a:buFontTx/>
           <a:buNone/>
           <a:tabLst/>
-          <a:defRPr b="0" baseline="0" cap="none" i="0" spc="0" strike="noStrike" sz="1800" u="none" kumimoji="0" normalizeH="0">
+          <a:defRPr kumimoji="0" sz="1800" b="0" i="0" u="none" strike="noStrike" cap="none" spc="0" normalizeH="0" baseline="0">
             <a:ln>
               <a:noFill/>
             </a:ln>
@@ -11682,7 +12352,7 @@
           <a:buFontTx/>
           <a:buNone/>
           <a:tabLst/>
-          <a:defRPr b="0" baseline="0" cap="none" i="0" spc="0" strike="noStrike" sz="1800" u="none" kumimoji="0" normalizeH="0">
+          <a:defRPr kumimoji="0" sz="1800" b="0" i="0" u="none" strike="noStrike" cap="none" spc="0" normalizeH="0" baseline="0">
             <a:ln>
               <a:noFill/>
             </a:ln>
@@ -11708,7 +12378,7 @@
           <a:buFontTx/>
           <a:buNone/>
           <a:tabLst/>
-          <a:defRPr b="0" baseline="0" cap="none" i="0" spc="0" strike="noStrike" sz="1800" u="none" kumimoji="0" normalizeH="0">
+          <a:defRPr kumimoji="0" sz="1800" b="0" i="0" u="none" strike="noStrike" cap="none" spc="0" normalizeH="0" baseline="0">
             <a:ln>
               <a:noFill/>
             </a:ln>
@@ -11734,7 +12404,7 @@
           <a:buFontTx/>
           <a:buNone/>
           <a:tabLst/>
-          <a:defRPr b="0" baseline="0" cap="none" i="0" spc="0" strike="noStrike" sz="1800" u="none" kumimoji="0" normalizeH="0">
+          <a:defRPr kumimoji="0" sz="1800" b="0" i="0" u="none" strike="noStrike" cap="none" spc="0" normalizeH="0" baseline="0">
             <a:ln>
               <a:noFill/>
             </a:ln>
@@ -11760,7 +12430,7 @@
           <a:buFontTx/>
           <a:buNone/>
           <a:tabLst/>
-          <a:defRPr b="0" baseline="0" cap="none" i="0" spc="0" strike="noStrike" sz="1800" u="none" kumimoji="0" normalizeH="0">
+          <a:defRPr kumimoji="0" sz="1800" b="0" i="0" u="none" strike="noStrike" cap="none" spc="0" normalizeH="0" baseline="0">
             <a:ln>
               <a:noFill/>
             </a:ln>
@@ -11786,7 +12456,7 @@
           <a:buFontTx/>
           <a:buNone/>
           <a:tabLst/>
-          <a:defRPr b="0" baseline="0" cap="none" i="0" spc="0" strike="noStrike" sz="1800" u="none" kumimoji="0" normalizeH="0">
+          <a:defRPr kumimoji="0" sz="1800" b="0" i="0" u="none" strike="noStrike" cap="none" spc="0" normalizeH="0" baseline="0">
             <a:ln>
               <a:noFill/>
             </a:ln>
@@ -11812,7 +12482,7 @@
           <a:buFontTx/>
           <a:buNone/>
           <a:tabLst/>
-          <a:defRPr b="0" baseline="0" cap="none" i="0" spc="0" strike="noStrike" sz="1800" u="none" kumimoji="0" normalizeH="0">
+          <a:defRPr kumimoji="0" sz="1800" b="0" i="0" u="none" strike="noStrike" cap="none" spc="0" normalizeH="0" baseline="0">
             <a:ln>
               <a:noFill/>
             </a:ln>
@@ -11838,7 +12508,7 @@
           <a:buFontTx/>
           <a:buNone/>
           <a:tabLst/>
-          <a:defRPr b="0" baseline="0" cap="none" i="0" spc="0" strike="noStrike" sz="1800" u="none" kumimoji="0" normalizeH="0">
+          <a:defRPr kumimoji="0" sz="1800" b="0" i="0" u="none" strike="noStrike" cap="none" spc="0" normalizeH="0" baseline="0">
             <a:ln>
               <a:noFill/>
             </a:ln>
@@ -11864,7 +12534,7 @@
           <a:buFontTx/>
           <a:buNone/>
           <a:tabLst/>
-          <a:defRPr b="0" baseline="0" cap="none" i="0" spc="0" strike="noStrike" sz="1800" u="none" kumimoji="0" normalizeH="0">
+          <a:defRPr kumimoji="0" sz="1800" b="0" i="0" u="none" strike="noStrike" cap="none" spc="0" normalizeH="0" baseline="0">
             <a:ln>
               <a:noFill/>
             </a:ln>
@@ -11877,9 +12547,15 @@
         </a:lvl9pPr>
       </a:lstStyle>
       <a:style>
-        <a:lnRef idx="0"/>
-        <a:fillRef idx="0"/>
-        <a:effectRef idx="0"/>
+        <a:lnRef idx="0">
+          <a:scrgbClr r="0" g="0" b="0"/>
+        </a:lnRef>
+        <a:fillRef idx="0">
+          <a:scrgbClr r="0" g="0" b="0"/>
+        </a:fillRef>
+        <a:effectRef idx="0">
+          <a:scrgbClr r="0" g="0" b="0"/>
+        </a:effectRef>
         <a:fontRef idx="none"/>
       </a:style>
     </a:spDef>
@@ -11894,7 +12570,7 @@
           <a:round/>
         </a:ln>
         <a:effectLst>
-          <a:outerShdw sx="100000" sy="100000" kx="0" ky="0" algn="b" rotWithShape="0" blurRad="38100" dist="25400" dir="5400000">
+          <a:outerShdw blurRad="38100" dist="25400" dir="5400000" rotWithShape="0">
             <a:srgbClr val="000000">
               <a:alpha val="35000"/>
             </a:srgbClr>
@@ -11902,7 +12578,7 @@
         </a:effectLst>
         <a:sp3d/>
       </a:spPr>
-      <a:bodyPr rot="0" spcFirstLastPara="1" vertOverflow="overflow" horzOverflow="overflow" vert="horz" wrap="square" lIns="91439" tIns="45719" rIns="91439" bIns="45719" numCol="1" spcCol="38100" rtlCol="0" anchor="t" upright="0">
+      <a:bodyPr rot="0" spcFirstLastPara="1" vertOverflow="overflow" horzOverflow="overflow" vert="horz" wrap="square" lIns="91439" tIns="45719" rIns="91439" bIns="45719" numCol="1" spcCol="38100" rtlCol="0" anchor="t">
         <a:noAutofit/>
       </a:bodyPr>
       <a:lstStyle>
@@ -11921,7 +12597,7 @@
           <a:buFontTx/>
           <a:buNone/>
           <a:tabLst/>
-          <a:defRPr b="0" baseline="0" cap="none" i="0" spc="0" strike="noStrike" sz="1800" u="none" kumimoji="0" normalizeH="0">
+          <a:defRPr kumimoji="0" sz="1800" b="0" i="0" u="none" strike="noStrike" cap="none" spc="0" normalizeH="0" baseline="0">
             <a:ln>
               <a:noFill/>
             </a:ln>
@@ -11947,7 +12623,7 @@
           <a:buFontTx/>
           <a:buNone/>
           <a:tabLst/>
-          <a:defRPr b="0" baseline="0" cap="none" i="0" spc="0" strike="noStrike" sz="1800" u="none" kumimoji="0" normalizeH="0">
+          <a:defRPr kumimoji="0" sz="1800" b="0" i="0" u="none" strike="noStrike" cap="none" spc="0" normalizeH="0" baseline="0">
             <a:ln>
               <a:noFill/>
             </a:ln>
@@ -11973,7 +12649,7 @@
           <a:buFontTx/>
           <a:buNone/>
           <a:tabLst/>
-          <a:defRPr b="0" baseline="0" cap="none" i="0" spc="0" strike="noStrike" sz="1800" u="none" kumimoji="0" normalizeH="0">
+          <a:defRPr kumimoji="0" sz="1800" b="0" i="0" u="none" strike="noStrike" cap="none" spc="0" normalizeH="0" baseline="0">
             <a:ln>
               <a:noFill/>
             </a:ln>
@@ -11999,7 +12675,7 @@
           <a:buFontTx/>
           <a:buNone/>
           <a:tabLst/>
-          <a:defRPr b="0" baseline="0" cap="none" i="0" spc="0" strike="noStrike" sz="1800" u="none" kumimoji="0" normalizeH="0">
+          <a:defRPr kumimoji="0" sz="1800" b="0" i="0" u="none" strike="noStrike" cap="none" spc="0" normalizeH="0" baseline="0">
             <a:ln>
               <a:noFill/>
             </a:ln>
@@ -12025,7 +12701,7 @@
           <a:buFontTx/>
           <a:buNone/>
           <a:tabLst/>
-          <a:defRPr b="0" baseline="0" cap="none" i="0" spc="0" strike="noStrike" sz="1800" u="none" kumimoji="0" normalizeH="0">
+          <a:defRPr kumimoji="0" sz="1800" b="0" i="0" u="none" strike="noStrike" cap="none" spc="0" normalizeH="0" baseline="0">
             <a:ln>
               <a:noFill/>
             </a:ln>
@@ -12051,7 +12727,7 @@
           <a:buFontTx/>
           <a:buNone/>
           <a:tabLst/>
-          <a:defRPr b="0" baseline="0" cap="none" i="0" spc="0" strike="noStrike" sz="1800" u="none" kumimoji="0" normalizeH="0">
+          <a:defRPr kumimoji="0" sz="1800" b="0" i="0" u="none" strike="noStrike" cap="none" spc="0" normalizeH="0" baseline="0">
             <a:ln>
               <a:noFill/>
             </a:ln>
@@ -12077,7 +12753,7 @@
           <a:buFontTx/>
           <a:buNone/>
           <a:tabLst/>
-          <a:defRPr b="0" baseline="0" cap="none" i="0" spc="0" strike="noStrike" sz="1800" u="none" kumimoji="0" normalizeH="0">
+          <a:defRPr kumimoji="0" sz="1800" b="0" i="0" u="none" strike="noStrike" cap="none" spc="0" normalizeH="0" baseline="0">
             <a:ln>
               <a:noFill/>
             </a:ln>
@@ -12103,7 +12779,7 @@
           <a:buFontTx/>
           <a:buNone/>
           <a:tabLst/>
-          <a:defRPr b="0" baseline="0" cap="none" i="0" spc="0" strike="noStrike" sz="1800" u="none" kumimoji="0" normalizeH="0">
+          <a:defRPr kumimoji="0" sz="1800" b="0" i="0" u="none" strike="noStrike" cap="none" spc="0" normalizeH="0" baseline="0">
             <a:ln>
               <a:noFill/>
             </a:ln>
@@ -12129,7 +12805,7 @@
           <a:buFontTx/>
           <a:buNone/>
           <a:tabLst/>
-          <a:defRPr b="0" baseline="0" cap="none" i="0" spc="0" strike="noStrike" sz="1800" u="none" kumimoji="0" normalizeH="0">
+          <a:defRPr kumimoji="0" sz="1800" b="0" i="0" u="none" strike="noStrike" cap="none" spc="0" normalizeH="0" baseline="0">
             <a:ln>
               <a:noFill/>
             </a:ln>
@@ -12155,7 +12831,7 @@
           <a:buFontTx/>
           <a:buNone/>
           <a:tabLst/>
-          <a:defRPr b="0" baseline="0" cap="none" i="0" spc="0" strike="noStrike" sz="1800" u="none" kumimoji="0" normalizeH="0">
+          <a:defRPr kumimoji="0" sz="1800" b="0" i="0" u="none" strike="noStrike" cap="none" spc="0" normalizeH="0" baseline="0">
             <a:ln>
               <a:noFill/>
             </a:ln>
@@ -12168,9 +12844,15 @@
         </a:lvl9pPr>
       </a:lstStyle>
       <a:style>
-        <a:lnRef idx="0"/>
-        <a:fillRef idx="0"/>
-        <a:effectRef idx="0"/>
+        <a:lnRef idx="0">
+          <a:scrgbClr r="0" g="0" b="0"/>
+        </a:lnRef>
+        <a:fillRef idx="0">
+          <a:scrgbClr r="0" g="0" b="0"/>
+        </a:fillRef>
+        <a:effectRef idx="0">
+          <a:scrgbClr r="0" g="0" b="0"/>
+        </a:effectRef>
         <a:fontRef idx="none"/>
       </a:style>
     </a:lnDef>
@@ -12184,7 +12866,7 @@
         <a:effectLst/>
         <a:sp3d/>
       </a:spPr>
-      <a:bodyPr rot="0" spcFirstLastPara="1" vertOverflow="overflow" horzOverflow="overflow" vert="horz" wrap="square" lIns="45718" tIns="45718" rIns="45718" bIns="45718" numCol="1" spcCol="38100" rtlCol="0" anchor="t" upright="0">
+      <a:bodyPr rot="0" spcFirstLastPara="1" vertOverflow="overflow" horzOverflow="overflow" vert="horz" wrap="square" lIns="45718" tIns="45718" rIns="45718" bIns="45718" numCol="1" spcCol="38100" rtlCol="0" anchor="t">
         <a:spAutoFit/>
       </a:bodyPr>
       <a:lstStyle>
@@ -12203,7 +12885,7 @@
           <a:buFontTx/>
           <a:buNone/>
           <a:tabLst/>
-          <a:defRPr b="0" baseline="0" cap="none" i="0" spc="0" strike="noStrike" sz="1800" u="none" kumimoji="0" normalizeH="0">
+          <a:defRPr kumimoji="0" sz="1800" b="0" i="0" u="none" strike="noStrike" cap="none" spc="0" normalizeH="0" baseline="0">
             <a:ln>
               <a:noFill/>
             </a:ln>
@@ -12233,7 +12915,7 @@
           <a:buFontTx/>
           <a:buNone/>
           <a:tabLst/>
-          <a:defRPr b="0" baseline="0" cap="none" i="0" spc="0" strike="noStrike" sz="1800" u="none" kumimoji="0" normalizeH="0">
+          <a:defRPr kumimoji="0" sz="1800" b="0" i="0" u="none" strike="noStrike" cap="none" spc="0" normalizeH="0" baseline="0">
             <a:ln>
               <a:noFill/>
             </a:ln>
@@ -12259,7 +12941,7 @@
           <a:buFontTx/>
           <a:buNone/>
           <a:tabLst/>
-          <a:defRPr b="0" baseline="0" cap="none" i="0" spc="0" strike="noStrike" sz="1800" u="none" kumimoji="0" normalizeH="0">
+          <a:defRPr kumimoji="0" sz="1800" b="0" i="0" u="none" strike="noStrike" cap="none" spc="0" normalizeH="0" baseline="0">
             <a:ln>
               <a:noFill/>
             </a:ln>
@@ -12285,7 +12967,7 @@
           <a:buFontTx/>
           <a:buNone/>
           <a:tabLst/>
-          <a:defRPr b="0" baseline="0" cap="none" i="0" spc="0" strike="noStrike" sz="1800" u="none" kumimoji="0" normalizeH="0">
+          <a:defRPr kumimoji="0" sz="1800" b="0" i="0" u="none" strike="noStrike" cap="none" spc="0" normalizeH="0" baseline="0">
             <a:ln>
               <a:noFill/>
             </a:ln>
@@ -12311,7 +12993,7 @@
           <a:buFontTx/>
           <a:buNone/>
           <a:tabLst/>
-          <a:defRPr b="0" baseline="0" cap="none" i="0" spc="0" strike="noStrike" sz="1800" u="none" kumimoji="0" normalizeH="0">
+          <a:defRPr kumimoji="0" sz="1800" b="0" i="0" u="none" strike="noStrike" cap="none" spc="0" normalizeH="0" baseline="0">
             <a:ln>
               <a:noFill/>
             </a:ln>
@@ -12337,7 +13019,7 @@
           <a:buFontTx/>
           <a:buNone/>
           <a:tabLst/>
-          <a:defRPr b="0" baseline="0" cap="none" i="0" spc="0" strike="noStrike" sz="1800" u="none" kumimoji="0" normalizeH="0">
+          <a:defRPr kumimoji="0" sz="1800" b="0" i="0" u="none" strike="noStrike" cap="none" spc="0" normalizeH="0" baseline="0">
             <a:ln>
               <a:noFill/>
             </a:ln>
@@ -12363,7 +13045,7 @@
           <a:buFontTx/>
           <a:buNone/>
           <a:tabLst/>
-          <a:defRPr b="0" baseline="0" cap="none" i="0" spc="0" strike="noStrike" sz="1800" u="none" kumimoji="0" normalizeH="0">
+          <a:defRPr kumimoji="0" sz="1800" b="0" i="0" u="none" strike="noStrike" cap="none" spc="0" normalizeH="0" baseline="0">
             <a:ln>
               <a:noFill/>
             </a:ln>
@@ -12389,7 +13071,7 @@
           <a:buFontTx/>
           <a:buNone/>
           <a:tabLst/>
-          <a:defRPr b="0" baseline="0" cap="none" i="0" spc="0" strike="noStrike" sz="1800" u="none" kumimoji="0" normalizeH="0">
+          <a:defRPr kumimoji="0" sz="1800" b="0" i="0" u="none" strike="noStrike" cap="none" spc="0" normalizeH="0" baseline="0">
             <a:ln>
               <a:noFill/>
             </a:ln>
@@ -12415,7 +13097,7 @@
           <a:buFontTx/>
           <a:buNone/>
           <a:tabLst/>
-          <a:defRPr b="0" baseline="0" cap="none" i="0" spc="0" strike="noStrike" sz="1800" u="none" kumimoji="0" normalizeH="0">
+          <a:defRPr kumimoji="0" sz="1800" b="0" i="0" u="none" strike="noStrike" cap="none" spc="0" normalizeH="0" baseline="0">
             <a:ln>
               <a:noFill/>
             </a:ln>
@@ -12441,7 +13123,7 @@
           <a:buFontTx/>
           <a:buNone/>
           <a:tabLst/>
-          <a:defRPr b="0" baseline="0" cap="none" i="0" spc="0" strike="noStrike" sz="1800" u="none" kumimoji="0" normalizeH="0">
+          <a:defRPr kumimoji="0" sz="1800" b="0" i="0" u="none" strike="noStrike" cap="none" spc="0" normalizeH="0" baseline="0">
             <a:ln>
               <a:noFill/>
             </a:ln>
@@ -12454,12 +13136,19 @@
         </a:lvl9pPr>
       </a:lstStyle>
       <a:style>
-        <a:lnRef idx="0"/>
-        <a:fillRef idx="0"/>
-        <a:effectRef idx="0"/>
+        <a:lnRef idx="0">
+          <a:scrgbClr r="0" g="0" b="0"/>
+        </a:lnRef>
+        <a:fillRef idx="0">
+          <a:scrgbClr r="0" g="0" b="0"/>
+        </a:fillRef>
+        <a:effectRef idx="0">
+          <a:scrgbClr r="0" g="0" b="0"/>
+        </a:effectRef>
         <a:fontRef idx="none"/>
       </a:style>
     </a:txDef>
   </a:objectDefaults>
+  <a:extraClrSchemeLst/>
 </a:theme>
 </file>